--- a/P2667-VectorAllocatorForSBO/VectorAllocatorPresentation.pptx
+++ b/P2667-VectorAllocatorForSBO/VectorAllocatorPresentation.pptx
@@ -13,9 +13,11 @@
     <p:sldId id="315" r:id="rId7"/>
     <p:sldId id="320" r:id="rId8"/>
     <p:sldId id="316" r:id="rId9"/>
-    <p:sldId id="321" r:id="rId10"/>
-    <p:sldId id="318" r:id="rId11"/>
-    <p:sldId id="319" r:id="rId12"/>
+    <p:sldId id="324" r:id="rId10"/>
+    <p:sldId id="323" r:id="rId11"/>
+    <p:sldId id="321" r:id="rId12"/>
+    <p:sldId id="318" r:id="rId13"/>
+    <p:sldId id="319" r:id="rId14"/>
   </p:sldIdLst>
   <p:sldSz cx="12192000" cy="6858000"/>
   <p:notesSz cx="6858000" cy="9144000"/>
@@ -271,7 +273,7 @@
           <a:p>
             <a:fld id="{1032323B-F87A-4672-A549-64FE5C3369CD}" type="datetimeFigureOut">
               <a:rPr lang="LID4096" smtClean="0"/>
-              <a:t>10/28/2022</a:t>
+              <a:t>11/08/2022</a:t>
             </a:fld>
             <a:endParaRPr lang="LID4096"/>
           </a:p>
@@ -471,7 +473,7 @@
           <a:p>
             <a:fld id="{1032323B-F87A-4672-A549-64FE5C3369CD}" type="datetimeFigureOut">
               <a:rPr lang="LID4096" smtClean="0"/>
-              <a:t>10/28/2022</a:t>
+              <a:t>11/08/2022</a:t>
             </a:fld>
             <a:endParaRPr lang="LID4096"/>
           </a:p>
@@ -681,7 +683,7 @@
           <a:p>
             <a:fld id="{1032323B-F87A-4672-A549-64FE5C3369CD}" type="datetimeFigureOut">
               <a:rPr lang="LID4096" smtClean="0"/>
-              <a:t>10/28/2022</a:t>
+              <a:t>11/08/2022</a:t>
             </a:fld>
             <a:endParaRPr lang="LID4096"/>
           </a:p>
@@ -881,7 +883,7 @@
           <a:p>
             <a:fld id="{1032323B-F87A-4672-A549-64FE5C3369CD}" type="datetimeFigureOut">
               <a:rPr lang="LID4096" smtClean="0"/>
-              <a:t>10/28/2022</a:t>
+              <a:t>11/08/2022</a:t>
             </a:fld>
             <a:endParaRPr lang="LID4096"/>
           </a:p>
@@ -1157,7 +1159,7 @@
           <a:p>
             <a:fld id="{1032323B-F87A-4672-A549-64FE5C3369CD}" type="datetimeFigureOut">
               <a:rPr lang="LID4096" smtClean="0"/>
-              <a:t>10/28/2022</a:t>
+              <a:t>11/08/2022</a:t>
             </a:fld>
             <a:endParaRPr lang="LID4096"/>
           </a:p>
@@ -1425,7 +1427,7 @@
           <a:p>
             <a:fld id="{1032323B-F87A-4672-A549-64FE5C3369CD}" type="datetimeFigureOut">
               <a:rPr lang="LID4096" smtClean="0"/>
-              <a:t>10/28/2022</a:t>
+              <a:t>11/08/2022</a:t>
             </a:fld>
             <a:endParaRPr lang="LID4096"/>
           </a:p>
@@ -1840,7 +1842,7 @@
           <a:p>
             <a:fld id="{1032323B-F87A-4672-A549-64FE5C3369CD}" type="datetimeFigureOut">
               <a:rPr lang="LID4096" smtClean="0"/>
-              <a:t>10/28/2022</a:t>
+              <a:t>11/08/2022</a:t>
             </a:fld>
             <a:endParaRPr lang="LID4096"/>
           </a:p>
@@ -1982,7 +1984,7 @@
           <a:p>
             <a:fld id="{1032323B-F87A-4672-A549-64FE5C3369CD}" type="datetimeFigureOut">
               <a:rPr lang="LID4096" smtClean="0"/>
-              <a:t>10/28/2022</a:t>
+              <a:t>11/08/2022</a:t>
             </a:fld>
             <a:endParaRPr lang="LID4096"/>
           </a:p>
@@ -2095,7 +2097,7 @@
           <a:p>
             <a:fld id="{1032323B-F87A-4672-A549-64FE5C3369CD}" type="datetimeFigureOut">
               <a:rPr lang="LID4096" smtClean="0"/>
-              <a:t>10/28/2022</a:t>
+              <a:t>11/08/2022</a:t>
             </a:fld>
             <a:endParaRPr lang="LID4096"/>
           </a:p>
@@ -2408,7 +2410,7 @@
           <a:p>
             <a:fld id="{1032323B-F87A-4672-A549-64FE5C3369CD}" type="datetimeFigureOut">
               <a:rPr lang="LID4096" smtClean="0"/>
-              <a:t>10/28/2022</a:t>
+              <a:t>11/08/2022</a:t>
             </a:fld>
             <a:endParaRPr lang="LID4096"/>
           </a:p>
@@ -2697,7 +2699,7 @@
           <a:p>
             <a:fld id="{1032323B-F87A-4672-A549-64FE5C3369CD}" type="datetimeFigureOut">
               <a:rPr lang="LID4096" smtClean="0"/>
-              <a:t>10/28/2022</a:t>
+              <a:t>11/08/2022</a:t>
             </a:fld>
             <a:endParaRPr lang="LID4096"/>
           </a:p>
@@ -2940,7 +2942,7 @@
           <a:p>
             <a:fld id="{1032323B-F87A-4672-A549-64FE5C3369CD}" type="datetimeFigureOut">
               <a:rPr lang="LID4096" smtClean="0"/>
-              <a:t>10/28/2022</a:t>
+              <a:t>11/08/2022</a:t>
             </a:fld>
             <a:endParaRPr lang="LID4096"/>
           </a:p>
@@ -4791,12 +4793,20 @@
           <a:lstStyle/>
           <a:p>
             <a:r>
+              <a:rPr lang="sv-SE" sz="4000" dirty="0">
+                <a:solidFill>
+                  <a:srgbClr val="FFFFFF"/>
+                </a:solidFill>
+              </a:rPr>
+              <a:t>Placement </a:t>
+            </a:r>
+            <a:r>
               <a:rPr lang="sv-SE" sz="4000" dirty="0" err="1">
                 <a:solidFill>
                   <a:srgbClr val="FFFFFF"/>
                 </a:solidFill>
               </a:rPr>
-              <a:t>Concerns</a:t>
+              <a:t>of</a:t>
             </a:r>
             <a:r>
               <a:rPr lang="sv-SE" sz="4000" dirty="0">
@@ -4804,7 +4814,7 @@
                   <a:srgbClr val="FFFFFF"/>
                 </a:solidFill>
               </a:rPr>
-              <a:t> for </a:t>
+              <a:t> </a:t>
             </a:r>
             <a:r>
               <a:rPr lang="sv-SE" sz="4000" dirty="0" err="1">
@@ -4812,7 +4822,7 @@
                   <a:srgbClr val="FFFFFF"/>
                 </a:solidFill>
               </a:rPr>
-              <a:t>freestanding</a:t>
+              <a:t>traits</a:t>
             </a:r>
             <a:endParaRPr lang="LID4096" sz="4000" dirty="0">
               <a:solidFill>
@@ -4840,65 +4850,103 @@
         </p:nvSpPr>
         <p:spPr>
           <a:xfrm>
-            <a:off x="1371599" y="1753984"/>
-            <a:ext cx="9724031" cy="4871259"/>
+            <a:off x="1371599" y="2318197"/>
+            <a:ext cx="10474037" cy="3683358"/>
           </a:xfrm>
         </p:spPr>
         <p:txBody>
           <a:bodyPr anchor="ctr">
-            <a:normAutofit fontScale="92500" lnSpcReduction="10000"/>
+            <a:normAutofit/>
           </a:bodyPr>
           <a:lstStyle/>
           <a:p>
             <a:r>
-              <a:rPr lang="sv-SE" sz="3200" dirty="0" err="1"/>
-              <a:t>static_vector</a:t>
-            </a:r>
-            <a:r>
-              <a:rPr lang="sv-SE" sz="3200" dirty="0"/>
+              <a:rPr lang="sv-SE" sz="3200" dirty="0"/>
+              <a:t>In </a:t>
+            </a:r>
+            <a:r>
+              <a:rPr lang="sv-SE" sz="3200" b="1" dirty="0" err="1"/>
+              <a:t>allocator_traits</a:t>
+            </a:r>
+            <a:r>
+              <a:rPr lang="sv-SE" sz="3200" b="1" dirty="0"/>
               <a:t> </a:t>
             </a:r>
             <a:r>
-              <a:rPr lang="sv-SE" sz="3200" dirty="0" err="1"/>
-              <a:t>can</a:t>
-            </a:r>
-            <a:r>
-              <a:rPr lang="sv-SE" sz="3200" dirty="0"/>
+              <a:rPr lang="sv-SE" sz="3200" dirty="0"/>
+              <a:t>template (</a:t>
+            </a:r>
+            <a:r>
+              <a:rPr lang="sv-SE" sz="3200" dirty="0" err="1"/>
+              <a:t>traditional</a:t>
+            </a:r>
+            <a:r>
+              <a:rPr lang="sv-SE" sz="3200" dirty="0"/>
+              <a:t>, P2652)</a:t>
+            </a:r>
+          </a:p>
+          <a:p>
+            <a:r>
+              <a:rPr lang="sv-SE" sz="3200" dirty="0"/>
+              <a:t>In </a:t>
+            </a:r>
+            <a:r>
+              <a:rPr lang="sv-SE" sz="3200" b="1" dirty="0" err="1"/>
+              <a:t>std</a:t>
+            </a:r>
+            <a:r>
+              <a:rPr lang="sv-SE" sz="3200" b="1" dirty="0"/>
+              <a:t>:: </a:t>
+            </a:r>
+            <a:r>
+              <a:rPr lang="sv-SE" sz="3200" dirty="0" err="1"/>
+              <a:t>namespace</a:t>
+            </a:r>
+            <a:r>
+              <a:rPr lang="sv-SE" sz="3200" dirty="0"/>
+              <a:t> (as per </a:t>
+            </a:r>
+            <a:r>
+              <a:rPr lang="sv-SE" sz="3200" dirty="0" err="1"/>
+              <a:t>allocate_at_least</a:t>
+            </a:r>
+            <a:r>
+              <a:rPr lang="sv-SE" sz="3200" dirty="0"/>
+              <a:t>)</a:t>
+            </a:r>
+          </a:p>
+          <a:p>
+            <a:r>
+              <a:rPr lang="sv-SE" sz="3200" dirty="0"/>
+              <a:t>In </a:t>
+            </a:r>
+            <a:r>
+              <a:rPr lang="sv-SE" sz="3200" b="1" dirty="0" err="1"/>
+              <a:t>std</a:t>
+            </a:r>
+            <a:r>
+              <a:rPr lang="sv-SE" sz="3200" b="1" dirty="0"/>
+              <a:t>::</a:t>
+            </a:r>
+            <a:r>
+              <a:rPr lang="sv-SE" sz="3200" b="1" dirty="0" err="1"/>
+              <a:t>allocator_info</a:t>
+            </a:r>
+            <a:r>
+              <a:rPr lang="sv-SE" sz="3200" b="1" dirty="0"/>
               <a:t> </a:t>
             </a:r>
             <a:r>
               <a:rPr lang="sv-SE" sz="3200" dirty="0" err="1"/>
-              <a:t>easily</a:t>
-            </a:r>
-            <a:r>
-              <a:rPr lang="sv-SE" sz="3200" dirty="0"/>
-              <a:t> be part </a:t>
-            </a:r>
-            <a:r>
-              <a:rPr lang="sv-SE" sz="3200" dirty="0" err="1"/>
-              <a:t>of</a:t>
-            </a:r>
-            <a:r>
-              <a:rPr lang="sv-SE" sz="3200" dirty="0"/>
-              <a:t> ’</a:t>
-            </a:r>
-            <a:r>
-              <a:rPr lang="sv-SE" sz="3200" dirty="0" err="1"/>
-              <a:t>freestanding</a:t>
-            </a:r>
-            <a:r>
-              <a:rPr lang="sv-SE" sz="3200" dirty="0"/>
-              <a:t>’.</a:t>
-            </a:r>
-          </a:p>
-          <a:p>
-            <a:r>
-              <a:rPr lang="sv-SE" sz="3200" dirty="0"/>
-              <a:t>It is </a:t>
-            </a:r>
-            <a:r>
-              <a:rPr lang="sv-SE" sz="3200" dirty="0" err="1"/>
-              <a:t>unclear</a:t>
+              <a:t>namespace</a:t>
+            </a:r>
+            <a:r>
+              <a:rPr lang="sv-SE" sz="3200" dirty="0"/>
+              <a:t> (</a:t>
+            </a:r>
+            <a:r>
+              <a:rPr lang="sv-SE" sz="3200" dirty="0" err="1"/>
+              <a:t>this</a:t>
             </a:r>
             <a:r>
               <a:rPr lang="sv-SE" sz="3200" dirty="0"/>
@@ -4906,386 +4954,37 @@
             </a:r>
             <a:r>
               <a:rPr lang="sv-SE" sz="3200" dirty="0" err="1"/>
-              <a:t>whether</a:t>
-            </a:r>
-            <a:r>
-              <a:rPr lang="sv-SE" sz="3200" dirty="0"/>
-              <a:t> </a:t>
-            </a:r>
-            <a:r>
-              <a:rPr lang="sv-SE" sz="3200" dirty="0" err="1"/>
-              <a:t>this</a:t>
-            </a:r>
-            <a:r>
-              <a:rPr lang="sv-SE" sz="3200" dirty="0"/>
-              <a:t> is </a:t>
-            </a:r>
-            <a:r>
-              <a:rPr lang="sv-SE" sz="3200" dirty="0" err="1"/>
-              <a:t>possible</a:t>
-            </a:r>
-            <a:r>
-              <a:rPr lang="sv-SE" sz="3200" dirty="0"/>
-              <a:t> for </a:t>
-            </a:r>
-            <a:r>
-              <a:rPr lang="sv-SE" sz="3200" dirty="0" err="1"/>
-              <a:t>vector</a:t>
-            </a:r>
-            <a:r>
-              <a:rPr lang="sv-SE" sz="3200" dirty="0"/>
-              <a:t>, </a:t>
-            </a:r>
-            <a:r>
-              <a:rPr lang="sv-SE" sz="3200" dirty="0" err="1"/>
-              <a:t>even</a:t>
-            </a:r>
-            <a:r>
-              <a:rPr lang="sv-SE" sz="3200" dirty="0"/>
-              <a:t> </a:t>
-            </a:r>
-            <a:r>
-              <a:rPr lang="sv-SE" sz="3200" dirty="0" err="1"/>
-              <a:t>if</a:t>
-            </a:r>
-            <a:r>
-              <a:rPr lang="sv-SE" sz="3200" dirty="0"/>
-              <a:t> a non-</a:t>
-            </a:r>
-            <a:r>
-              <a:rPr lang="sv-SE" sz="3200" dirty="0" err="1"/>
-              <a:t>throwing</a:t>
-            </a:r>
-            <a:r>
-              <a:rPr lang="sv-SE" sz="3200" dirty="0"/>
-              <a:t> </a:t>
-            </a:r>
-            <a:r>
-              <a:rPr lang="sv-SE" sz="3200" dirty="0" err="1"/>
-              <a:t>allocator</a:t>
-            </a:r>
-            <a:r>
-              <a:rPr lang="sv-SE" sz="3200" dirty="0"/>
-              <a:t> is </a:t>
-            </a:r>
-            <a:r>
-              <a:rPr lang="sv-SE" sz="3200" dirty="0" err="1"/>
-              <a:t>used</a:t>
-            </a:r>
-            <a:r>
-              <a:rPr lang="sv-SE" sz="3200" dirty="0"/>
-              <a:t> (and T </a:t>
-            </a:r>
-            <a:r>
-              <a:rPr lang="sv-SE" sz="3200" dirty="0" err="1"/>
-              <a:t>that</a:t>
-            </a:r>
-            <a:r>
-              <a:rPr lang="sv-SE" sz="3200" dirty="0"/>
-              <a:t> </a:t>
-            </a:r>
-            <a:r>
-              <a:rPr lang="sv-SE" sz="3200" dirty="0" err="1"/>
-              <a:t>doesn’t</a:t>
-            </a:r>
-            <a:r>
-              <a:rPr lang="sv-SE" sz="3200" dirty="0"/>
-              <a:t> </a:t>
-            </a:r>
-            <a:r>
-              <a:rPr lang="sv-SE" sz="3200" dirty="0" err="1"/>
-              <a:t>throw</a:t>
-            </a:r>
-            <a:r>
-              <a:rPr lang="sv-SE" sz="3200" dirty="0"/>
-              <a:t> </a:t>
-            </a:r>
-            <a:r>
-              <a:rPr lang="sv-SE" sz="3200" dirty="0" err="1"/>
-              <a:t>during</a:t>
-            </a:r>
-            <a:r>
-              <a:rPr lang="sv-SE" sz="3200" dirty="0"/>
-              <a:t> copy).</a:t>
-            </a:r>
-          </a:p>
-          <a:p>
-            <a:r>
-              <a:rPr lang="sv-SE" sz="3200" dirty="0"/>
-              <a:t>It </a:t>
-            </a:r>
-            <a:r>
-              <a:rPr lang="sv-SE" sz="3200" dirty="0" err="1"/>
-              <a:t>seems</a:t>
-            </a:r>
-            <a:r>
-              <a:rPr lang="sv-SE" sz="3200" dirty="0"/>
-              <a:t> like ”</a:t>
-            </a:r>
-            <a:r>
-              <a:rPr lang="sv-SE" sz="3200" dirty="0" err="1"/>
-              <a:t>conditionally</a:t>
-            </a:r>
-            <a:r>
-              <a:rPr lang="sv-SE" sz="3200" dirty="0"/>
-              <a:t> </a:t>
-            </a:r>
-            <a:r>
-              <a:rPr lang="sv-SE" sz="3200" dirty="0" err="1"/>
-              <a:t>freestanding</a:t>
-            </a:r>
-            <a:r>
-              <a:rPr lang="sv-SE" sz="3200" dirty="0"/>
-              <a:t> </a:t>
-            </a:r>
-            <a:r>
-              <a:rPr lang="sv-SE" sz="3200" dirty="0" err="1"/>
-              <a:t>vector</a:t>
-            </a:r>
-            <a:r>
-              <a:rPr lang="sv-SE" sz="3200" dirty="0"/>
-              <a:t>” </a:t>
-            </a:r>
-            <a:r>
-              <a:rPr lang="sv-SE" sz="3200" dirty="0" err="1"/>
-              <a:t>may</a:t>
-            </a:r>
-            <a:r>
-              <a:rPr lang="sv-SE" sz="3200" dirty="0"/>
-              <a:t> be hard as </a:t>
-            </a:r>
-            <a:r>
-              <a:rPr lang="sv-SE" sz="3200" dirty="0" err="1"/>
-              <a:t>there</a:t>
-            </a:r>
-            <a:r>
-              <a:rPr lang="sv-SE" sz="3200" dirty="0"/>
-              <a:t> </a:t>
-            </a:r>
-            <a:r>
-              <a:rPr lang="sv-SE" sz="3200" dirty="0" err="1"/>
-              <a:t>may</a:t>
-            </a:r>
-            <a:r>
-              <a:rPr lang="sv-SE" sz="3200" dirty="0"/>
-              <a:t> be </a:t>
-            </a:r>
-            <a:r>
-              <a:rPr lang="sv-SE" sz="3200" dirty="0" err="1"/>
-              <a:t>throw</a:t>
-            </a:r>
-            <a:r>
-              <a:rPr lang="sv-SE" sz="3200" dirty="0"/>
-              <a:t>/</a:t>
-            </a:r>
-            <a:r>
-              <a:rPr lang="sv-SE" sz="3200" dirty="0" err="1"/>
-              <a:t>catch</a:t>
-            </a:r>
-            <a:r>
-              <a:rPr lang="sv-SE" sz="3200" dirty="0"/>
-              <a:t> </a:t>
-            </a:r>
-            <a:r>
-              <a:rPr lang="sv-SE" sz="3200" dirty="0" err="1"/>
-              <a:t>constructs</a:t>
-            </a:r>
-            <a:r>
-              <a:rPr lang="sv-SE" sz="3200" dirty="0"/>
-              <a:t> </a:t>
-            </a:r>
-            <a:r>
-              <a:rPr lang="sv-SE" sz="3200" dirty="0" err="1"/>
-              <a:t>needed</a:t>
-            </a:r>
-            <a:r>
-              <a:rPr lang="sv-SE" sz="3200" dirty="0"/>
-              <a:t> to </a:t>
-            </a:r>
-            <a:r>
-              <a:rPr lang="sv-SE" sz="3200" dirty="0" err="1"/>
-              <a:t>handle</a:t>
-            </a:r>
-            <a:r>
-              <a:rPr lang="sv-SE" sz="3200" dirty="0"/>
-              <a:t> T </a:t>
-            </a:r>
-            <a:r>
-              <a:rPr lang="sv-SE" sz="3200" dirty="0" err="1"/>
-              <a:t>constructor</a:t>
-            </a:r>
-            <a:r>
-              <a:rPr lang="sv-SE" sz="3200" dirty="0"/>
-              <a:t> </a:t>
-            </a:r>
-            <a:r>
-              <a:rPr lang="sv-SE" sz="3200" dirty="0" err="1"/>
-              <a:t>exceptions</a:t>
-            </a:r>
-            <a:r>
-              <a:rPr lang="sv-SE" sz="3200" dirty="0"/>
-              <a:t>.</a:t>
-            </a:r>
-          </a:p>
-          <a:p>
-            <a:r>
-              <a:rPr lang="sv-SE" sz="3200" dirty="0" err="1"/>
-              <a:t>Are</a:t>
-            </a:r>
-            <a:r>
-              <a:rPr lang="sv-SE" sz="3200" dirty="0"/>
-              <a:t> </a:t>
-            </a:r>
-            <a:r>
-              <a:rPr lang="sv-SE" sz="3200" dirty="0" err="1"/>
-              <a:t>throw</a:t>
-            </a:r>
-            <a:r>
-              <a:rPr lang="sv-SE" sz="3200" dirty="0"/>
-              <a:t>/try-</a:t>
-            </a:r>
-            <a:r>
-              <a:rPr lang="sv-SE" sz="3200" dirty="0" err="1"/>
-              <a:t>catch</a:t>
-            </a:r>
-            <a:r>
-              <a:rPr lang="sv-SE" sz="3200" dirty="0"/>
-              <a:t> </a:t>
-            </a:r>
-            <a:r>
-              <a:rPr lang="sv-SE" sz="3200" dirty="0" err="1"/>
-              <a:t>allowed</a:t>
-            </a:r>
-            <a:r>
-              <a:rPr lang="sv-SE" sz="3200" dirty="0"/>
-              <a:t> in a non-taken </a:t>
-            </a:r>
-            <a:r>
-              <a:rPr lang="sv-SE" sz="3200" dirty="0" err="1"/>
-              <a:t>if</a:t>
-            </a:r>
-            <a:r>
-              <a:rPr lang="sv-SE" sz="3200" dirty="0"/>
-              <a:t> </a:t>
-            </a:r>
-            <a:r>
-              <a:rPr lang="sv-SE" sz="3200" dirty="0" err="1"/>
-              <a:t>constexpr</a:t>
-            </a:r>
-            <a:r>
-              <a:rPr lang="sv-SE" sz="3200" dirty="0"/>
-              <a:t> </a:t>
-            </a:r>
-            <a:r>
-              <a:rPr lang="sv-SE" sz="3200" dirty="0" err="1"/>
-              <a:t>branch</a:t>
-            </a:r>
-            <a:r>
-              <a:rPr lang="sv-SE" sz="3200" dirty="0"/>
-              <a:t> </a:t>
-            </a:r>
-            <a:r>
-              <a:rPr lang="sv-SE" sz="3200" dirty="0" err="1"/>
-              <a:t>when</a:t>
-            </a:r>
-            <a:r>
-              <a:rPr lang="sv-SE" sz="3200" dirty="0"/>
-              <a:t> </a:t>
-            </a:r>
-            <a:r>
-              <a:rPr lang="sv-SE" sz="3200" dirty="0" err="1"/>
-              <a:t>compiling</a:t>
-            </a:r>
-            <a:r>
-              <a:rPr lang="sv-SE" sz="3200" dirty="0"/>
-              <a:t> </a:t>
-            </a:r>
-            <a:r>
-              <a:rPr lang="sv-SE" sz="3200" dirty="0" err="1"/>
-              <a:t>without</a:t>
-            </a:r>
-            <a:r>
-              <a:rPr lang="sv-SE" sz="3200" dirty="0"/>
-              <a:t> </a:t>
-            </a:r>
-            <a:r>
-              <a:rPr lang="sv-SE" sz="3200" dirty="0" err="1"/>
-              <a:t>exceptions</a:t>
-            </a:r>
-            <a:r>
-              <a:rPr lang="sv-SE" sz="3200" dirty="0"/>
-              <a:t>?</a:t>
-            </a:r>
-          </a:p>
-          <a:p>
-            <a:r>
-              <a:rPr lang="sv-SE" sz="3200" dirty="0"/>
-              <a:t>New </a:t>
-            </a:r>
-            <a:r>
-              <a:rPr lang="sv-SE" sz="3200" dirty="0" err="1"/>
-              <a:t>trait</a:t>
-            </a:r>
-            <a:r>
-              <a:rPr lang="sv-SE" sz="3200" dirty="0"/>
-              <a:t> for non-</a:t>
-            </a:r>
-            <a:r>
-              <a:rPr lang="sv-SE" sz="3200" dirty="0" err="1"/>
-              <a:t>throwing</a:t>
-            </a:r>
-            <a:r>
-              <a:rPr lang="sv-SE" sz="3200" dirty="0"/>
-              <a:t> </a:t>
-            </a:r>
-            <a:r>
-              <a:rPr lang="sv-SE" sz="3200" dirty="0" err="1"/>
-              <a:t>allocator</a:t>
-            </a:r>
-            <a:r>
-              <a:rPr lang="sv-SE" sz="3200" dirty="0"/>
-              <a:t> </a:t>
-            </a:r>
-            <a:r>
-              <a:rPr lang="sv-SE" sz="3200" dirty="0" err="1"/>
-              <a:t>may</a:t>
-            </a:r>
-            <a:r>
-              <a:rPr lang="sv-SE" sz="3200" dirty="0"/>
-              <a:t> </a:t>
-            </a:r>
-            <a:r>
-              <a:rPr lang="sv-SE" sz="3200" dirty="0" err="1"/>
-              <a:t>allow</a:t>
-            </a:r>
-            <a:r>
-              <a:rPr lang="sv-SE" sz="3200" dirty="0"/>
-              <a:t> </a:t>
-            </a:r>
-            <a:r>
-              <a:rPr lang="sv-SE" sz="3200" dirty="0" err="1"/>
-              <a:t>some</a:t>
-            </a:r>
-            <a:r>
-              <a:rPr lang="sv-SE" sz="3200" dirty="0"/>
-              <a:t> </a:t>
-            </a:r>
-            <a:r>
-              <a:rPr lang="sv-SE" sz="3200" dirty="0" err="1"/>
-              <a:t>optimizations</a:t>
-            </a:r>
-            <a:r>
-              <a:rPr lang="sv-SE" sz="3200" dirty="0"/>
-              <a:t>.</a:t>
-            </a:r>
-            <a:endParaRPr lang="LID4096" sz="3200" dirty="0"/>
+              <a:t>proposal</a:t>
+            </a:r>
+            <a:r>
+              <a:rPr lang="sv-SE" sz="3200" dirty="0"/>
+              <a:t>, R0)</a:t>
+            </a:r>
+          </a:p>
+          <a:p>
+            <a:r>
+              <a:rPr lang="sv-SE" sz="3200" dirty="0" err="1"/>
+              <a:t>Using</a:t>
+            </a:r>
+            <a:r>
+              <a:rPr lang="sv-SE" sz="3200" dirty="0"/>
+              <a:t> a </a:t>
+            </a:r>
+            <a:r>
+              <a:rPr lang="sv-SE" sz="3200" dirty="0" err="1"/>
+              <a:t>generalized</a:t>
+            </a:r>
+            <a:r>
+              <a:rPr lang="sv-SE" sz="3200" dirty="0"/>
+              <a:t> CFO system (P2547++)</a:t>
+            </a:r>
           </a:p>
         </p:txBody>
       </p:sp>
     </p:spTree>
     <p:extLst>
       <p:ext uri="{BB962C8B-B14F-4D97-AF65-F5344CB8AC3E}">
-        <p14:creationId xmlns:p14="http://schemas.microsoft.com/office/powerpoint/2010/main" val="2956286600"/>
+        <p14:creationId xmlns:p14="http://schemas.microsoft.com/office/powerpoint/2010/main" val="2519702489"/>
       </p:ext>
     </p:extLst>
   </p:cSld>
@@ -5875,7 +5574,7 @@
                   <a:srgbClr val="FFFFFF"/>
                 </a:solidFill>
               </a:rPr>
-              <a:t>Conclusion</a:t>
+              <a:t>Take</a:t>
             </a:r>
             <a:r>
               <a:rPr lang="sv-SE" sz="4000" dirty="0">
@@ -5883,7 +5582,7 @@
                   <a:srgbClr val="FFFFFF"/>
                 </a:solidFill>
               </a:rPr>
-              <a:t>, status, </a:t>
+              <a:t> </a:t>
             </a:r>
             <a:r>
               <a:rPr lang="sv-SE" sz="4000" dirty="0" err="1">
@@ -5891,7 +5590,7 @@
                   <a:srgbClr val="FFFFFF"/>
                 </a:solidFill>
               </a:rPr>
-              <a:t>discussions</a:t>
+              <a:t>aways</a:t>
             </a:r>
             <a:r>
               <a:rPr lang="sv-SE" sz="4000" dirty="0">
@@ -5899,7 +5598,7 @@
                   <a:srgbClr val="FFFFFF"/>
                 </a:solidFill>
               </a:rPr>
-              <a:t>.</a:t>
+              <a:t> from the demo implementation</a:t>
             </a:r>
             <a:endParaRPr lang="LID4096" sz="4000" dirty="0">
               <a:solidFill>
@@ -5928,22 +5627,167 @@
         <p:spPr>
           <a:xfrm>
             <a:off x="1371599" y="2318197"/>
-            <a:ext cx="9724031" cy="4074290"/>
+            <a:ext cx="9724031" cy="3683358"/>
           </a:xfrm>
         </p:spPr>
         <p:txBody>
           <a:bodyPr anchor="ctr">
-            <a:normAutofit fontScale="92500" lnSpcReduction="20000"/>
+            <a:normAutofit/>
           </a:bodyPr>
           <a:lstStyle/>
           <a:p>
             <a:r>
-              <a:rPr lang="sv-SE" sz="3200" dirty="0"/>
-              <a:t>It is </a:t>
-            </a:r>
-            <a:r>
-              <a:rPr lang="sv-SE" sz="3200" dirty="0" err="1"/>
-              <a:t>possible</a:t>
+              <a:rPr lang="sv-SE" sz="3200" dirty="0" err="1"/>
+              <a:t>Optimizing</a:t>
+            </a:r>
+            <a:r>
+              <a:rPr lang="sv-SE" sz="3200" dirty="0"/>
+              <a:t> for !</a:t>
+            </a:r>
+            <a:r>
+              <a:rPr lang="sv-SE" sz="3200" dirty="0" err="1"/>
+              <a:t>can_allocate</a:t>
+            </a:r>
+            <a:r>
+              <a:rPr lang="sv-SE" sz="3200" dirty="0"/>
+              <a:t> is </a:t>
+            </a:r>
+            <a:r>
+              <a:rPr lang="sv-SE" sz="3200" dirty="0" err="1"/>
+              <a:t>fairly</a:t>
+            </a:r>
+            <a:r>
+              <a:rPr lang="sv-SE" sz="3200" dirty="0"/>
+              <a:t> </a:t>
+            </a:r>
+            <a:r>
+              <a:rPr lang="sv-SE" sz="3200" dirty="0" err="1"/>
+              <a:t>easy</a:t>
+            </a:r>
+            <a:r>
+              <a:rPr lang="sv-SE" sz="3200" dirty="0"/>
+              <a:t>.</a:t>
+            </a:r>
+          </a:p>
+          <a:p>
+            <a:r>
+              <a:rPr lang="sv-SE" sz="3200" dirty="0"/>
+              <a:t>A </a:t>
+            </a:r>
+            <a:r>
+              <a:rPr lang="sv-SE" sz="3200" dirty="0" err="1"/>
+              <a:t>mechanism</a:t>
+            </a:r>
+            <a:r>
+              <a:rPr lang="sv-SE" sz="3200" dirty="0"/>
+              <a:t> for </a:t>
+            </a:r>
+            <a:r>
+              <a:rPr lang="sv-SE" sz="3200" dirty="0" err="1"/>
+              <a:t>conditional</a:t>
+            </a:r>
+            <a:r>
+              <a:rPr lang="sv-SE" sz="3200" dirty="0"/>
+              <a:t> data </a:t>
+            </a:r>
+            <a:r>
+              <a:rPr lang="sv-SE" sz="3200" dirty="0" err="1"/>
+              <a:t>members</a:t>
+            </a:r>
+            <a:r>
+              <a:rPr lang="sv-SE" sz="3200" dirty="0"/>
+              <a:t> </a:t>
+            </a:r>
+            <a:r>
+              <a:rPr lang="sv-SE" sz="3200" dirty="0" err="1"/>
+              <a:t>would</a:t>
+            </a:r>
+            <a:r>
+              <a:rPr lang="sv-SE" sz="3200" dirty="0"/>
+              <a:t> be </a:t>
+            </a:r>
+            <a:r>
+              <a:rPr lang="sv-SE" sz="3200" dirty="0" err="1"/>
+              <a:t>nice</a:t>
+            </a:r>
+            <a:r>
+              <a:rPr lang="sv-SE" sz="3200" dirty="0"/>
+              <a:t>: </a:t>
+            </a:r>
+            <a:r>
+              <a:rPr lang="sv-SE" sz="3200" i="1" dirty="0" err="1"/>
+              <a:t>constraints</a:t>
+            </a:r>
+            <a:r>
+              <a:rPr lang="sv-SE" sz="3200" i="1" dirty="0"/>
+              <a:t> on data </a:t>
+            </a:r>
+            <a:r>
+              <a:rPr lang="sv-SE" sz="3200" i="1" dirty="0" err="1"/>
+              <a:t>members</a:t>
+            </a:r>
+            <a:r>
+              <a:rPr lang="sv-SE" sz="3200" i="1" dirty="0"/>
+              <a:t> </a:t>
+            </a:r>
+            <a:r>
+              <a:rPr lang="sv-SE" sz="3200" i="1" dirty="0" err="1"/>
+              <a:t>would</a:t>
+            </a:r>
+            <a:r>
+              <a:rPr lang="sv-SE" sz="3200" i="1" dirty="0"/>
+              <a:t> </a:t>
+            </a:r>
+            <a:r>
+              <a:rPr lang="sv-SE" sz="3200" i="1" dirty="0" err="1"/>
+              <a:t>solve</a:t>
+            </a:r>
+            <a:r>
+              <a:rPr lang="sv-SE" sz="3200" i="1" dirty="0"/>
+              <a:t> </a:t>
+            </a:r>
+            <a:r>
+              <a:rPr lang="sv-SE" sz="3200" i="1" dirty="0" err="1"/>
+              <a:t>this</a:t>
+            </a:r>
+            <a:r>
+              <a:rPr lang="sv-SE" sz="3200" i="1" dirty="0"/>
+              <a:t>.</a:t>
+            </a:r>
+            <a:endParaRPr lang="sv-SE" sz="3200" dirty="0"/>
+          </a:p>
+          <a:p>
+            <a:r>
+              <a:rPr lang="sv-SE" sz="3200" b="1" dirty="0" err="1"/>
+              <a:t>if</a:t>
+            </a:r>
+            <a:r>
+              <a:rPr lang="sv-SE" sz="3200" b="1" dirty="0"/>
+              <a:t> </a:t>
+            </a:r>
+            <a:r>
+              <a:rPr lang="sv-SE" sz="3200" b="1" dirty="0" err="1"/>
+              <a:t>constexpr</a:t>
+            </a:r>
+            <a:r>
+              <a:rPr lang="sv-SE" sz="3200" b="1" dirty="0"/>
+              <a:t> </a:t>
+            </a:r>
+            <a:r>
+              <a:rPr lang="sv-SE" sz="3200" dirty="0"/>
+              <a:t>is </a:t>
+            </a:r>
+            <a:r>
+              <a:rPr lang="sv-SE" sz="3200" dirty="0" err="1"/>
+              <a:t>very</a:t>
+            </a:r>
+            <a:r>
+              <a:rPr lang="sv-SE" sz="3200" dirty="0"/>
+              <a:t> </a:t>
+            </a:r>
+            <a:r>
+              <a:rPr lang="sv-SE" sz="3200" dirty="0" err="1"/>
+              <a:t>handy</a:t>
             </a:r>
             <a:r>
               <a:rPr lang="sv-SE" sz="3200" dirty="0"/>
@@ -5951,7 +5795,25 @@
             </a:r>
             <a:r>
               <a:rPr lang="sv-SE" sz="3200" dirty="0" err="1"/>
-              <a:t>reuse</a:t>
+              <a:t>select</a:t>
+            </a:r>
+            <a:r>
+              <a:rPr lang="sv-SE" sz="3200" dirty="0"/>
+              <a:t> implementation.</a:t>
+            </a:r>
+          </a:p>
+          <a:p>
+            <a:r>
+              <a:rPr lang="sv-SE" sz="3200" dirty="0" err="1"/>
+              <a:t>Move</a:t>
+            </a:r>
+            <a:r>
+              <a:rPr lang="sv-SE" sz="3200" dirty="0"/>
+              <a:t> and copy is the </a:t>
+            </a:r>
+            <a:r>
+              <a:rPr lang="sv-SE" sz="3200" dirty="0" err="1"/>
+              <a:t>only</a:t>
             </a:r>
             <a:r>
               <a:rPr lang="sv-SE" sz="3200" dirty="0"/>
@@ -5959,23 +5821,7 @@
             </a:r>
             <a:r>
               <a:rPr lang="sv-SE" sz="3200" dirty="0" err="1"/>
-              <a:t>vector</a:t>
-            </a:r>
-            <a:r>
-              <a:rPr lang="sv-SE" sz="3200" dirty="0"/>
-              <a:t> for </a:t>
-            </a:r>
-            <a:r>
-              <a:rPr lang="sv-SE" sz="3200" dirty="0" err="1"/>
-              <a:t>static</a:t>
-            </a:r>
-            <a:r>
-              <a:rPr lang="sv-SE" sz="3200" dirty="0"/>
-              <a:t>- and </a:t>
-            </a:r>
-            <a:r>
-              <a:rPr lang="sv-SE" sz="3200" dirty="0" err="1"/>
-              <a:t>sbo</a:t>
+              <a:t>somewhat</a:t>
             </a:r>
             <a:r>
               <a:rPr lang="sv-SE" sz="3200" dirty="0"/>
@@ -5983,218 +5829,35 @@
             </a:r>
             <a:r>
               <a:rPr lang="sv-SE" sz="3200" dirty="0" err="1"/>
-              <a:t>cases</a:t>
+              <a:t>complex</a:t>
+            </a:r>
+            <a:r>
+              <a:rPr lang="sv-SE" sz="3200" dirty="0"/>
+              <a:t> </a:t>
+            </a:r>
+            <a:r>
+              <a:rPr lang="sv-SE" sz="3200" dirty="0" err="1"/>
+              <a:t>functionality</a:t>
+            </a:r>
+            <a:r>
+              <a:rPr lang="sv-SE" sz="3200" dirty="0"/>
+              <a:t> to </a:t>
+            </a:r>
+            <a:r>
+              <a:rPr lang="sv-SE" sz="3200" dirty="0" err="1"/>
+              <a:t>implement</a:t>
             </a:r>
             <a:r>
               <a:rPr lang="sv-SE" sz="3200" dirty="0"/>
               <a:t>.</a:t>
             </a:r>
-          </a:p>
-          <a:p>
-            <a:r>
-              <a:rPr lang="sv-SE" sz="3200" dirty="0" err="1"/>
-              <a:t>Where</a:t>
-            </a:r>
-            <a:r>
-              <a:rPr lang="sv-SE" sz="3200" dirty="0"/>
-              <a:t> to </a:t>
-            </a:r>
-            <a:r>
-              <a:rPr lang="sv-SE" sz="3200" dirty="0" err="1"/>
-              <a:t>put</a:t>
-            </a:r>
-            <a:r>
-              <a:rPr lang="sv-SE" sz="3200" dirty="0"/>
-              <a:t> the new </a:t>
-            </a:r>
-            <a:r>
-              <a:rPr lang="sv-SE" sz="3200" dirty="0" err="1"/>
-              <a:t>traits</a:t>
-            </a:r>
-            <a:r>
-              <a:rPr lang="sv-SE" sz="3200" dirty="0"/>
-              <a:t>? </a:t>
-            </a:r>
-            <a:r>
-              <a:rPr lang="sv-SE" sz="3200"/>
-              <a:t>(cf P2652).</a:t>
-            </a:r>
-            <a:endParaRPr lang="sv-SE" sz="3200" dirty="0"/>
-          </a:p>
-          <a:p>
-            <a:r>
-              <a:rPr lang="sv-SE" sz="3200" dirty="0"/>
-              <a:t>The new </a:t>
-            </a:r>
-            <a:r>
-              <a:rPr lang="sv-SE" sz="3200" dirty="0" err="1"/>
-              <a:t>allocators</a:t>
-            </a:r>
-            <a:r>
-              <a:rPr lang="sv-SE" sz="3200" dirty="0"/>
-              <a:t> </a:t>
-            </a:r>
-            <a:r>
-              <a:rPr lang="sv-SE" sz="3200" dirty="0" err="1"/>
-              <a:t>compose</a:t>
-            </a:r>
-            <a:r>
-              <a:rPr lang="sv-SE" sz="3200" dirty="0"/>
-              <a:t> </a:t>
-            </a:r>
-            <a:r>
-              <a:rPr lang="sv-SE" sz="3200" dirty="0" err="1"/>
-              <a:t>well</a:t>
-            </a:r>
-            <a:r>
-              <a:rPr lang="sv-SE" sz="3200" dirty="0"/>
-              <a:t>.</a:t>
-            </a:r>
-          </a:p>
-          <a:p>
-            <a:r>
-              <a:rPr lang="sv-SE" sz="3200" dirty="0" err="1"/>
-              <a:t>Useful</a:t>
-            </a:r>
-            <a:r>
-              <a:rPr lang="sv-SE" sz="3200" dirty="0"/>
-              <a:t> for </a:t>
-            </a:r>
-            <a:r>
-              <a:rPr lang="sv-SE" sz="3200" dirty="0" err="1"/>
-              <a:t>anything</a:t>
-            </a:r>
-            <a:r>
-              <a:rPr lang="sv-SE" sz="3200" dirty="0"/>
-              <a:t> </a:t>
-            </a:r>
-            <a:r>
-              <a:rPr lang="sv-SE" sz="3200" dirty="0" err="1"/>
-              <a:t>allocating</a:t>
-            </a:r>
-            <a:r>
-              <a:rPr lang="sv-SE" sz="3200" dirty="0"/>
-              <a:t> like a </a:t>
-            </a:r>
-            <a:r>
-              <a:rPr lang="sv-SE" sz="3200" dirty="0" err="1"/>
-              <a:t>vector</a:t>
-            </a:r>
-            <a:r>
-              <a:rPr lang="sv-SE" sz="3200" dirty="0"/>
-              <a:t>.</a:t>
-            </a:r>
-          </a:p>
-          <a:p>
-            <a:r>
-              <a:rPr lang="sv-SE" sz="3200" dirty="0"/>
-              <a:t>Implementation sketch at: </a:t>
-            </a:r>
-            <a:r>
-              <a:rPr lang="sv-SE" sz="3200" u="sng" dirty="0"/>
-              <a:t>github.com/</a:t>
-            </a:r>
-            <a:r>
-              <a:rPr lang="sv-SE" sz="3200" u="sng" dirty="0" err="1"/>
-              <a:t>BengtGustafsson</a:t>
-            </a:r>
-            <a:r>
-              <a:rPr lang="sv-SE" sz="3200" u="sng" dirty="0"/>
-              <a:t>/</a:t>
-            </a:r>
-            <a:r>
-              <a:rPr lang="sv-SE" sz="3200" u="sng" dirty="0" err="1"/>
-              <a:t>isocpp-proposals</a:t>
-            </a:r>
-            <a:endParaRPr lang="sv-SE" sz="3200" u="sng" dirty="0"/>
-          </a:p>
-          <a:p>
-            <a:r>
-              <a:rPr lang="sv-SE" sz="3200" dirty="0"/>
-              <a:t>Is </a:t>
-            </a:r>
-            <a:r>
-              <a:rPr lang="sv-SE" sz="3200" dirty="0" err="1"/>
-              <a:t>this</a:t>
-            </a:r>
-            <a:r>
-              <a:rPr lang="sv-SE" sz="3200" dirty="0"/>
-              <a:t> a </a:t>
-            </a:r>
-            <a:r>
-              <a:rPr lang="sv-SE" sz="3200" dirty="0" err="1"/>
-              <a:t>way</a:t>
-            </a:r>
-            <a:r>
-              <a:rPr lang="sv-SE" sz="3200" dirty="0"/>
-              <a:t> forward or </a:t>
-            </a:r>
-            <a:r>
-              <a:rPr lang="sv-SE" sz="3200" dirty="0" err="1"/>
-              <a:t>should</a:t>
-            </a:r>
-            <a:r>
-              <a:rPr lang="sv-SE" sz="3200" dirty="0"/>
-              <a:t> </a:t>
-            </a:r>
-            <a:r>
-              <a:rPr lang="sv-SE" sz="3200" dirty="0" err="1"/>
-              <a:t>we</a:t>
-            </a:r>
-            <a:r>
-              <a:rPr lang="sv-SE" sz="3200" dirty="0"/>
-              <a:t> stick to </a:t>
-            </a:r>
-            <a:r>
-              <a:rPr lang="sv-SE" sz="3200" dirty="0" err="1"/>
-              <a:t>static_vector</a:t>
-            </a:r>
-            <a:r>
-              <a:rPr lang="sv-SE" sz="3200" dirty="0"/>
-              <a:t> and </a:t>
-            </a:r>
-            <a:r>
-              <a:rPr lang="sv-SE" sz="3200" dirty="0" err="1"/>
-              <a:t>maybe</a:t>
-            </a:r>
-            <a:r>
-              <a:rPr lang="sv-SE" sz="3200" dirty="0"/>
-              <a:t> later </a:t>
-            </a:r>
-            <a:r>
-              <a:rPr lang="sv-SE" sz="3200" dirty="0" err="1"/>
-              <a:t>sbo_vector</a:t>
-            </a:r>
-            <a:r>
-              <a:rPr lang="sv-SE" sz="3200" dirty="0"/>
-              <a:t>?</a:t>
-            </a:r>
-          </a:p>
-          <a:p>
-            <a:r>
-              <a:rPr lang="sv-SE" sz="3200" dirty="0" err="1"/>
-              <a:t>Thoughts</a:t>
-            </a:r>
-            <a:r>
-              <a:rPr lang="sv-SE" sz="3200" dirty="0"/>
-              <a:t> on </a:t>
-            </a:r>
-            <a:r>
-              <a:rPr lang="sv-SE" sz="3200" dirty="0" err="1"/>
-              <a:t>freestanding</a:t>
-            </a:r>
-            <a:r>
-              <a:rPr lang="sv-SE" sz="3200" dirty="0"/>
-              <a:t>?</a:t>
-            </a:r>
-            <a:endParaRPr lang="LID4096" sz="3200" dirty="0"/>
           </a:p>
         </p:txBody>
       </p:sp>
     </p:spTree>
     <p:extLst>
       <p:ext uri="{BB962C8B-B14F-4D97-AF65-F5344CB8AC3E}">
-        <p14:creationId xmlns:p14="http://schemas.microsoft.com/office/powerpoint/2010/main" val="42298904"/>
+        <p14:creationId xmlns:p14="http://schemas.microsoft.com/office/powerpoint/2010/main" val="3523266528"/>
       </p:ext>
     </p:extLst>
   </p:cSld>
@@ -6204,7 +5867,7 @@
 </p:sld>
 </file>
 
-<file path=ppt/slides/slide2.xml><?xml version="1.0" encoding="utf-8"?>
+<file path=ppt/slides/slide12.xml><?xml version="1.0" encoding="utf-8"?>
 <p:sld xmlns:a="http://schemas.openxmlformats.org/drawingml/2006/main" xmlns:r="http://schemas.openxmlformats.org/officeDocument/2006/relationships" xmlns:p="http://schemas.openxmlformats.org/presentationml/2006/main">
   <p:cSld>
     <p:bg>
@@ -6779,12 +6442,20 @@
           <a:lstStyle/>
           <a:p>
             <a:r>
+              <a:rPr lang="sv-SE" sz="4000" dirty="0" err="1">
+                <a:solidFill>
+                  <a:srgbClr val="FFFFFF"/>
+                </a:solidFill>
+              </a:rPr>
+              <a:t>Concerns</a:t>
+            </a:r>
+            <a:r>
               <a:rPr lang="sv-SE" sz="4000" dirty="0">
                 <a:solidFill>
                   <a:srgbClr val="FFFFFF"/>
                 </a:solidFill>
               </a:rPr>
-              <a:t>Presentation </a:t>
+              <a:t> for </a:t>
             </a:r>
             <a:r>
               <a:rPr lang="sv-SE" sz="4000" dirty="0" err="1">
@@ -6792,7 +6463,7 @@
                   <a:srgbClr val="FFFFFF"/>
                 </a:solidFill>
               </a:rPr>
-              <a:t>contents</a:t>
+              <a:t>freestanding</a:t>
             </a:r>
             <a:endParaRPr lang="LID4096" sz="4000" dirty="0">
               <a:solidFill>
@@ -6820,57 +6491,403 @@
         </p:nvSpPr>
         <p:spPr>
           <a:xfrm>
-            <a:off x="1371599" y="1885279"/>
-            <a:ext cx="9724031" cy="4569462"/>
+            <a:off x="1371599" y="1753984"/>
+            <a:ext cx="9724031" cy="4871259"/>
           </a:xfrm>
         </p:spPr>
         <p:txBody>
           <a:bodyPr anchor="ctr">
-            <a:normAutofit/>
+            <a:normAutofit fontScale="92500" lnSpcReduction="10000"/>
           </a:bodyPr>
           <a:lstStyle/>
           <a:p>
             <a:r>
-              <a:rPr lang="sv-SE" sz="3200" dirty="0" err="1"/>
-              <a:t>Rationale</a:t>
-            </a:r>
-            <a:endParaRPr lang="sv-SE" sz="3200" dirty="0"/>
-          </a:p>
-          <a:p>
-            <a:r>
-              <a:rPr lang="sv-SE" sz="3200" dirty="0" err="1"/>
-              <a:t>Rules</a:t>
+              <a:rPr lang="sv-SE" sz="3200" b="1" dirty="0" err="1"/>
+              <a:t>static_vector</a:t>
+            </a:r>
+            <a:r>
+              <a:rPr lang="sv-SE" sz="3200" b="1" dirty="0"/>
+              <a:t> </a:t>
+            </a:r>
+            <a:r>
+              <a:rPr lang="sv-SE" sz="3200" dirty="0" err="1"/>
+              <a:t>can</a:t>
+            </a:r>
+            <a:r>
+              <a:rPr lang="sv-SE" sz="3200" dirty="0"/>
+              <a:t> </a:t>
+            </a:r>
+            <a:r>
+              <a:rPr lang="sv-SE" sz="3200" dirty="0" err="1"/>
+              <a:t>easily</a:t>
+            </a:r>
+            <a:r>
+              <a:rPr lang="sv-SE" sz="3200" dirty="0"/>
+              <a:t> be part </a:t>
+            </a:r>
+            <a:r>
+              <a:rPr lang="sv-SE" sz="3200" dirty="0" err="1"/>
+              <a:t>of</a:t>
+            </a:r>
+            <a:r>
+              <a:rPr lang="sv-SE" sz="3200" dirty="0"/>
+              <a:t> ’</a:t>
+            </a:r>
+            <a:r>
+              <a:rPr lang="sv-SE" sz="3200" dirty="0" err="1"/>
+              <a:t>freestanding</a:t>
+            </a:r>
+            <a:r>
+              <a:rPr lang="sv-SE" sz="3200" dirty="0"/>
+              <a:t>’.</a:t>
+            </a:r>
+          </a:p>
+          <a:p>
+            <a:r>
+              <a:rPr lang="sv-SE" sz="3200" dirty="0"/>
+              <a:t>It is </a:t>
+            </a:r>
+            <a:r>
+              <a:rPr lang="sv-SE" sz="3200" dirty="0" err="1"/>
+              <a:t>unclear</a:t>
+            </a:r>
+            <a:r>
+              <a:rPr lang="sv-SE" sz="3200" dirty="0"/>
+              <a:t> </a:t>
+            </a:r>
+            <a:r>
+              <a:rPr lang="sv-SE" sz="3200" dirty="0" err="1"/>
+              <a:t>whether</a:t>
+            </a:r>
+            <a:r>
+              <a:rPr lang="sv-SE" sz="3200" dirty="0"/>
+              <a:t> </a:t>
+            </a:r>
+            <a:r>
+              <a:rPr lang="sv-SE" sz="3200" dirty="0" err="1"/>
+              <a:t>this</a:t>
+            </a:r>
+            <a:r>
+              <a:rPr lang="sv-SE" sz="3200" dirty="0"/>
+              <a:t> is </a:t>
+            </a:r>
+            <a:r>
+              <a:rPr lang="sv-SE" sz="3200" dirty="0" err="1"/>
+              <a:t>possible</a:t>
             </a:r>
             <a:r>
               <a:rPr lang="sv-SE" sz="3200" dirty="0"/>
               <a:t> for </a:t>
             </a:r>
             <a:r>
-              <a:rPr lang="sv-SE" sz="3200" dirty="0" err="1"/>
+              <a:rPr lang="sv-SE" sz="3200" b="1" dirty="0" err="1"/>
               <a:t>vector</a:t>
             </a:r>
             <a:r>
               <a:rPr lang="sv-SE" sz="3200" dirty="0"/>
+              <a:t>, </a:t>
+            </a:r>
+            <a:r>
+              <a:rPr lang="sv-SE" sz="3200" dirty="0" err="1"/>
+              <a:t>even</a:t>
+            </a:r>
+            <a:r>
+              <a:rPr lang="sv-SE" sz="3200" dirty="0"/>
+              <a:t> </a:t>
+            </a:r>
+            <a:r>
+              <a:rPr lang="sv-SE" sz="3200" dirty="0" err="1"/>
+              <a:t>if</a:t>
+            </a:r>
+            <a:r>
+              <a:rPr lang="sv-SE" sz="3200" dirty="0"/>
+              <a:t> a non-</a:t>
+            </a:r>
+            <a:r>
+              <a:rPr lang="sv-SE" sz="3200" dirty="0" err="1"/>
+              <a:t>throwing</a:t>
+            </a:r>
+            <a:r>
+              <a:rPr lang="sv-SE" sz="3200" dirty="0"/>
+              <a:t> </a:t>
+            </a:r>
+            <a:r>
+              <a:rPr lang="sv-SE" sz="3200" dirty="0" err="1"/>
+              <a:t>allocator</a:t>
+            </a:r>
+            <a:r>
+              <a:rPr lang="sv-SE" sz="3200" dirty="0"/>
+              <a:t> is </a:t>
+            </a:r>
+            <a:r>
+              <a:rPr lang="sv-SE" sz="3200" dirty="0" err="1"/>
+              <a:t>used</a:t>
+            </a:r>
+            <a:r>
+              <a:rPr lang="sv-SE" sz="3200" dirty="0"/>
+              <a:t> (and T </a:t>
+            </a:r>
+            <a:r>
+              <a:rPr lang="sv-SE" sz="3200" dirty="0" err="1"/>
+              <a:t>that</a:t>
+            </a:r>
+            <a:r>
+              <a:rPr lang="sv-SE" sz="3200" dirty="0"/>
+              <a:t> </a:t>
+            </a:r>
+            <a:r>
+              <a:rPr lang="sv-SE" sz="3200" dirty="0" err="1"/>
+              <a:t>doesn’t</a:t>
+            </a:r>
+            <a:r>
+              <a:rPr lang="sv-SE" sz="3200" dirty="0"/>
+              <a:t> </a:t>
+            </a:r>
+            <a:r>
+              <a:rPr lang="sv-SE" sz="3200" dirty="0" err="1"/>
+              <a:t>throw</a:t>
+            </a:r>
+            <a:r>
+              <a:rPr lang="sv-SE" sz="3200" dirty="0"/>
+              <a:t> </a:t>
+            </a:r>
+            <a:r>
+              <a:rPr lang="sv-SE" sz="3200" dirty="0" err="1"/>
+              <a:t>during</a:t>
+            </a:r>
+            <a:r>
+              <a:rPr lang="sv-SE" sz="3200" dirty="0"/>
+              <a:t> copy).</a:t>
+            </a:r>
+          </a:p>
+          <a:p>
+            <a:r>
+              <a:rPr lang="sv-SE" sz="3200" dirty="0"/>
+              <a:t>It </a:t>
+            </a:r>
+            <a:r>
+              <a:rPr lang="sv-SE" sz="3200" dirty="0" err="1"/>
+              <a:t>seems</a:t>
+            </a:r>
+            <a:r>
+              <a:rPr lang="sv-SE" sz="3200" dirty="0"/>
+              <a:t> like ”</a:t>
+            </a:r>
+            <a:r>
+              <a:rPr lang="sv-SE" sz="3200" dirty="0" err="1"/>
+              <a:t>conditionally</a:t>
+            </a:r>
+            <a:r>
+              <a:rPr lang="sv-SE" sz="3200" dirty="0"/>
+              <a:t> </a:t>
+            </a:r>
+            <a:r>
+              <a:rPr lang="sv-SE" sz="3200" dirty="0" err="1"/>
+              <a:t>freestanding</a:t>
+            </a:r>
+            <a:r>
+              <a:rPr lang="sv-SE" sz="3200" dirty="0"/>
+              <a:t> </a:t>
+            </a:r>
+            <a:r>
+              <a:rPr lang="sv-SE" sz="3200" dirty="0" err="1"/>
+              <a:t>vector</a:t>
+            </a:r>
+            <a:r>
+              <a:rPr lang="sv-SE" sz="3200" dirty="0"/>
+              <a:t>” </a:t>
+            </a:r>
+            <a:r>
+              <a:rPr lang="sv-SE" sz="3200" dirty="0" err="1"/>
+              <a:t>may</a:t>
+            </a:r>
+            <a:r>
+              <a:rPr lang="sv-SE" sz="3200" dirty="0"/>
+              <a:t> be hard as </a:t>
+            </a:r>
+            <a:r>
+              <a:rPr lang="sv-SE" sz="3200" dirty="0" err="1"/>
+              <a:t>there</a:t>
+            </a:r>
+            <a:r>
+              <a:rPr lang="sv-SE" sz="3200" dirty="0"/>
+              <a:t> </a:t>
+            </a:r>
+            <a:r>
+              <a:rPr lang="sv-SE" sz="3200" dirty="0" err="1"/>
+              <a:t>may</a:t>
+            </a:r>
+            <a:r>
+              <a:rPr lang="sv-SE" sz="3200" dirty="0"/>
+              <a:t> be </a:t>
+            </a:r>
+            <a:r>
+              <a:rPr lang="sv-SE" sz="3200" dirty="0" err="1"/>
+              <a:t>throw</a:t>
+            </a:r>
+            <a:r>
+              <a:rPr lang="sv-SE" sz="3200" dirty="0"/>
+              <a:t>/</a:t>
+            </a:r>
+            <a:r>
+              <a:rPr lang="sv-SE" sz="3200" dirty="0" err="1"/>
+              <a:t>catch</a:t>
+            </a:r>
+            <a:r>
+              <a:rPr lang="sv-SE" sz="3200" dirty="0"/>
+              <a:t> </a:t>
+            </a:r>
+            <a:r>
+              <a:rPr lang="sv-SE" sz="3200" dirty="0" err="1"/>
+              <a:t>constructs</a:t>
+            </a:r>
+            <a:r>
+              <a:rPr lang="sv-SE" sz="3200" dirty="0"/>
+              <a:t> </a:t>
+            </a:r>
+            <a:r>
+              <a:rPr lang="sv-SE" sz="3200" dirty="0" err="1"/>
+              <a:t>needed</a:t>
+            </a:r>
+            <a:r>
+              <a:rPr lang="sv-SE" sz="3200" dirty="0"/>
               <a:t> to </a:t>
             </a:r>
             <a:r>
               <a:rPr lang="sv-SE" sz="3200" dirty="0" err="1"/>
-              <a:t>follow</a:t>
-            </a:r>
-            <a:endParaRPr lang="sv-SE" sz="3200" dirty="0"/>
-          </a:p>
-          <a:p>
-            <a:r>
-              <a:rPr lang="sv-SE" sz="3200" dirty="0"/>
-              <a:t>A </a:t>
-            </a:r>
-            <a:r>
-              <a:rPr lang="sv-SE" sz="3200" dirty="0" err="1"/>
-              <a:t>few</a:t>
-            </a:r>
-            <a:r>
-              <a:rPr lang="sv-SE" sz="3200" dirty="0"/>
-              <a:t> new </a:t>
+              <a:t>handle</a:t>
+            </a:r>
+            <a:r>
+              <a:rPr lang="sv-SE" sz="3200" dirty="0"/>
+              <a:t> T </a:t>
+            </a:r>
+            <a:r>
+              <a:rPr lang="sv-SE" sz="3200" dirty="0" err="1"/>
+              <a:t>constructor</a:t>
+            </a:r>
+            <a:r>
+              <a:rPr lang="sv-SE" sz="3200" dirty="0"/>
+              <a:t> </a:t>
+            </a:r>
+            <a:r>
+              <a:rPr lang="sv-SE" sz="3200" dirty="0" err="1"/>
+              <a:t>exceptions</a:t>
+            </a:r>
+            <a:r>
+              <a:rPr lang="sv-SE" sz="3200" dirty="0"/>
+              <a:t>.</a:t>
+            </a:r>
+          </a:p>
+          <a:p>
+            <a:r>
+              <a:rPr lang="sv-SE" sz="3200" dirty="0" err="1"/>
+              <a:t>Are</a:t>
+            </a:r>
+            <a:r>
+              <a:rPr lang="sv-SE" sz="3200" dirty="0"/>
+              <a:t> </a:t>
+            </a:r>
+            <a:r>
+              <a:rPr lang="sv-SE" sz="3200" dirty="0" err="1"/>
+              <a:t>throw</a:t>
+            </a:r>
+            <a:r>
+              <a:rPr lang="sv-SE" sz="3200" dirty="0"/>
+              <a:t>/try-</a:t>
+            </a:r>
+            <a:r>
+              <a:rPr lang="sv-SE" sz="3200" dirty="0" err="1"/>
+              <a:t>catch</a:t>
+            </a:r>
+            <a:r>
+              <a:rPr lang="sv-SE" sz="3200" dirty="0"/>
+              <a:t> </a:t>
+            </a:r>
+            <a:r>
+              <a:rPr lang="sv-SE" sz="3200" dirty="0" err="1"/>
+              <a:t>allowed</a:t>
+            </a:r>
+            <a:r>
+              <a:rPr lang="sv-SE" sz="3200" dirty="0"/>
+              <a:t> in a non-taken </a:t>
+            </a:r>
+            <a:r>
+              <a:rPr lang="sv-SE" sz="3200" b="1" dirty="0" err="1"/>
+              <a:t>if</a:t>
+            </a:r>
+            <a:r>
+              <a:rPr lang="sv-SE" sz="3200" b="1" dirty="0"/>
+              <a:t> </a:t>
+            </a:r>
+            <a:r>
+              <a:rPr lang="sv-SE" sz="3200" b="1" dirty="0" err="1"/>
+              <a:t>constexpr</a:t>
+            </a:r>
+            <a:r>
+              <a:rPr lang="sv-SE" sz="3200" b="1" dirty="0"/>
+              <a:t> </a:t>
+            </a:r>
+            <a:r>
+              <a:rPr lang="sv-SE" sz="3200" dirty="0" err="1"/>
+              <a:t>branch</a:t>
+            </a:r>
+            <a:r>
+              <a:rPr lang="sv-SE" sz="3200" dirty="0"/>
+              <a:t> </a:t>
+            </a:r>
+            <a:r>
+              <a:rPr lang="sv-SE" sz="3200" dirty="0" err="1"/>
+              <a:t>when</a:t>
+            </a:r>
+            <a:r>
+              <a:rPr lang="sv-SE" sz="3200" dirty="0"/>
+              <a:t> </a:t>
+            </a:r>
+            <a:r>
+              <a:rPr lang="sv-SE" sz="3200" dirty="0" err="1"/>
+              <a:t>compiling</a:t>
+            </a:r>
+            <a:r>
+              <a:rPr lang="sv-SE" sz="3200" dirty="0"/>
+              <a:t> </a:t>
+            </a:r>
+            <a:r>
+              <a:rPr lang="sv-SE" sz="3200" dirty="0" err="1"/>
+              <a:t>without</a:t>
+            </a:r>
+            <a:r>
+              <a:rPr lang="sv-SE" sz="3200" dirty="0"/>
+              <a:t> </a:t>
+            </a:r>
+            <a:r>
+              <a:rPr lang="sv-SE" sz="3200" dirty="0" err="1"/>
+              <a:t>exceptions</a:t>
+            </a:r>
+            <a:r>
+              <a:rPr lang="sv-SE" sz="3200" dirty="0"/>
+              <a:t>?</a:t>
+            </a:r>
+          </a:p>
+          <a:p>
+            <a:r>
+              <a:rPr lang="sv-SE" sz="3200" dirty="0"/>
+              <a:t>New </a:t>
+            </a:r>
+            <a:r>
+              <a:rPr lang="sv-SE" sz="3200" dirty="0" err="1"/>
+              <a:t>trait</a:t>
+            </a:r>
+            <a:r>
+              <a:rPr lang="sv-SE" sz="3200" dirty="0"/>
+              <a:t> for non-</a:t>
+            </a:r>
+            <a:r>
+              <a:rPr lang="sv-SE" sz="3200" dirty="0" err="1"/>
+              <a:t>throwing</a:t>
+            </a:r>
+            <a:r>
+              <a:rPr lang="sv-SE" sz="3200" dirty="0"/>
+              <a:t> </a:t>
             </a:r>
             <a:r>
               <a:rPr lang="sv-SE" sz="3200" dirty="0" err="1"/>
@@ -6882,14 +6899,7 @@
             </a:r>
             <a:r>
               <a:rPr lang="sv-SE" sz="3200" dirty="0" err="1"/>
-              <a:t>traits</a:t>
-            </a:r>
-            <a:endParaRPr lang="sv-SE" sz="3200" dirty="0"/>
-          </a:p>
-          <a:p>
-            <a:r>
-              <a:rPr lang="sv-SE" sz="3200" dirty="0" err="1"/>
-              <a:t>Some</a:t>
+              <a:t>may</a:t>
             </a:r>
             <a:r>
               <a:rPr lang="sv-SE" sz="3200" dirty="0"/>
@@ -6897,15 +6907,7 @@
             </a:r>
             <a:r>
               <a:rPr lang="sv-SE" sz="3200" dirty="0" err="1"/>
-              <a:t>allocators</a:t>
-            </a:r>
-            <a:r>
-              <a:rPr lang="sv-SE" sz="3200" dirty="0"/>
-              <a:t> to </a:t>
-            </a:r>
-            <a:r>
-              <a:rPr lang="sv-SE" sz="3200" dirty="0" err="1"/>
-              <a:t>implement</a:t>
+              <a:t>allow</a:t>
             </a:r>
             <a:r>
               <a:rPr lang="sv-SE" sz="3200" dirty="0"/>
@@ -6913,15 +6915,7 @@
             </a:r>
             <a:r>
               <a:rPr lang="sv-SE" sz="3200" dirty="0" err="1"/>
-              <a:t>static</a:t>
-            </a:r>
-            <a:r>
-              <a:rPr lang="sv-SE" sz="3200" dirty="0"/>
-              <a:t> and </a:t>
-            </a:r>
-            <a:r>
-              <a:rPr lang="sv-SE" sz="3200" dirty="0" err="1"/>
-              <a:t>sbo</a:t>
+              <a:t>some</a:t>
             </a:r>
             <a:r>
               <a:rPr lang="sv-SE" sz="3200" dirty="0"/>
@@ -6929,82 +6923,11 @@
             </a:r>
             <a:r>
               <a:rPr lang="sv-SE" sz="3200" dirty="0" err="1"/>
-              <a:t>vectors</a:t>
-            </a:r>
-            <a:endParaRPr lang="sv-SE" sz="3200" dirty="0"/>
-          </a:p>
-          <a:p>
-            <a:r>
-              <a:rPr lang="sv-SE" sz="3200" dirty="0" err="1"/>
-              <a:t>Convenient</a:t>
-            </a:r>
-            <a:r>
-              <a:rPr lang="sv-SE" sz="3200" dirty="0"/>
-              <a:t> </a:t>
-            </a:r>
-            <a:r>
-              <a:rPr lang="sv-SE" sz="3200" dirty="0" err="1"/>
-              <a:t>type</a:t>
-            </a:r>
-            <a:r>
-              <a:rPr lang="sv-SE" sz="3200" dirty="0"/>
-              <a:t> </a:t>
-            </a:r>
-            <a:r>
-              <a:rPr lang="sv-SE" sz="3200" dirty="0" err="1"/>
-              <a:t>aliases</a:t>
-            </a:r>
-            <a:endParaRPr lang="sv-SE" sz="3200" dirty="0"/>
-          </a:p>
-          <a:p>
-            <a:r>
-              <a:rPr lang="sv-SE" sz="3200" dirty="0"/>
-              <a:t>Extension </a:t>
-            </a:r>
-            <a:r>
-              <a:rPr lang="sv-SE" sz="3200" dirty="0" err="1"/>
-              <a:t>of</a:t>
-            </a:r>
-            <a:r>
-              <a:rPr lang="sv-SE" sz="3200" dirty="0"/>
-              <a:t> copy/</a:t>
-            </a:r>
-            <a:r>
-              <a:rPr lang="sv-SE" sz="3200" dirty="0" err="1"/>
-              <a:t>move</a:t>
-            </a:r>
-            <a:r>
-              <a:rPr lang="sv-SE" sz="3200" dirty="0"/>
-              <a:t> to </a:t>
-            </a:r>
-            <a:r>
-              <a:rPr lang="sv-SE" sz="3200" dirty="0" err="1"/>
-              <a:t>allow</a:t>
-            </a:r>
-            <a:r>
-              <a:rPr lang="sv-SE" sz="3200" dirty="0"/>
-              <a:t> different </a:t>
-            </a:r>
-            <a:r>
-              <a:rPr lang="sv-SE" sz="3200" dirty="0" err="1"/>
-              <a:t>allocators</a:t>
-            </a:r>
-            <a:endParaRPr lang="sv-SE" sz="3200" dirty="0"/>
-          </a:p>
-          <a:p>
-            <a:r>
-              <a:rPr lang="sv-SE" sz="3200" dirty="0" err="1"/>
-              <a:t>Freestanding</a:t>
-            </a:r>
-            <a:r>
-              <a:rPr lang="sv-SE" sz="3200" dirty="0"/>
-              <a:t>?</a:t>
-            </a:r>
-          </a:p>
-          <a:p>
-            <a:r>
-              <a:rPr lang="sv-SE" sz="3200" dirty="0" err="1"/>
-              <a:t>Conclusions</a:t>
+              <a:t>optimizations</a:t>
+            </a:r>
+            <a:r>
+              <a:rPr lang="sv-SE" sz="3200" dirty="0"/>
+              <a:t>.</a:t>
             </a:r>
             <a:endParaRPr lang="LID4096" sz="3200" dirty="0"/>
           </a:p>
@@ -7013,7 +6936,7 @@
     </p:spTree>
     <p:extLst>
       <p:ext uri="{BB962C8B-B14F-4D97-AF65-F5344CB8AC3E}">
-        <p14:creationId xmlns:p14="http://schemas.microsoft.com/office/powerpoint/2010/main" val="67853453"/>
+        <p14:creationId xmlns:p14="http://schemas.microsoft.com/office/powerpoint/2010/main" val="2956286600"/>
       </p:ext>
     </p:extLst>
   </p:cSld>
@@ -7023,7 +6946,7 @@
 </p:sld>
 </file>
 
-<file path=ppt/slides/slide3.xml><?xml version="1.0" encoding="utf-8"?>
+<file path=ppt/slides/slide13.xml><?xml version="1.0" encoding="utf-8"?>
 <p:sld xmlns:a="http://schemas.openxmlformats.org/drawingml/2006/main" xmlns:r="http://schemas.openxmlformats.org/officeDocument/2006/relationships" xmlns:p="http://schemas.openxmlformats.org/presentationml/2006/main">
   <p:cSld>
     <p:bg>
@@ -7603,7 +7526,31 @@
                   <a:srgbClr val="FFFFFF"/>
                 </a:solidFill>
               </a:rPr>
-              <a:t>Rationale</a:t>
+              <a:t>Conclusion</a:t>
+            </a:r>
+            <a:r>
+              <a:rPr lang="sv-SE" sz="4000" dirty="0">
+                <a:solidFill>
+                  <a:srgbClr val="FFFFFF"/>
+                </a:solidFill>
+              </a:rPr>
+              <a:t>, status, </a:t>
+            </a:r>
+            <a:r>
+              <a:rPr lang="sv-SE" sz="4000" dirty="0" err="1">
+                <a:solidFill>
+                  <a:srgbClr val="FFFFFF"/>
+                </a:solidFill>
+              </a:rPr>
+              <a:t>discussions</a:t>
+            </a:r>
+            <a:r>
+              <a:rPr lang="sv-SE" sz="4000" dirty="0">
+                <a:solidFill>
+                  <a:srgbClr val="FFFFFF"/>
+                </a:solidFill>
+              </a:rPr>
+              <a:t>.</a:t>
             </a:r>
             <a:endParaRPr lang="LID4096" sz="4000" dirty="0">
               <a:solidFill>
@@ -7632,7 +7579,7 @@
         <p:spPr>
           <a:xfrm>
             <a:off x="1371599" y="2318197"/>
-            <a:ext cx="9724031" cy="3683358"/>
+            <a:ext cx="9724031" cy="4074290"/>
           </a:xfrm>
         </p:spPr>
         <p:txBody>
@@ -7641,12 +7588,98 @@
           </a:bodyPr>
           <a:lstStyle/>
           <a:p>
+            <a:r>
+              <a:rPr lang="sv-SE" sz="3200" dirty="0"/>
+              <a:t>It is </a:t>
+            </a:r>
+            <a:r>
+              <a:rPr lang="sv-SE" sz="3200" dirty="0" err="1"/>
+              <a:t>possible</a:t>
+            </a:r>
+            <a:r>
+              <a:rPr lang="sv-SE" sz="3200" dirty="0"/>
+              <a:t> to </a:t>
+            </a:r>
+            <a:r>
+              <a:rPr lang="sv-SE" sz="3200" dirty="0" err="1"/>
+              <a:t>reuse</a:t>
+            </a:r>
+            <a:r>
+              <a:rPr lang="sv-SE" sz="3200" dirty="0"/>
+              <a:t> </a:t>
+            </a:r>
+            <a:r>
+              <a:rPr lang="sv-SE" sz="3200" dirty="0" err="1"/>
+              <a:t>vector</a:t>
+            </a:r>
+            <a:r>
+              <a:rPr lang="sv-SE" sz="3200" dirty="0"/>
+              <a:t> for </a:t>
+            </a:r>
+            <a:r>
+              <a:rPr lang="sv-SE" sz="3200" dirty="0" err="1"/>
+              <a:t>static</a:t>
+            </a:r>
+            <a:r>
+              <a:rPr lang="sv-SE" sz="3200" dirty="0"/>
+              <a:t>- and </a:t>
+            </a:r>
+            <a:r>
+              <a:rPr lang="sv-SE" sz="3200" dirty="0" err="1"/>
+              <a:t>sbo</a:t>
+            </a:r>
+            <a:r>
+              <a:rPr lang="sv-SE" sz="3200" dirty="0"/>
+              <a:t> </a:t>
+            </a:r>
+            <a:r>
+              <a:rPr lang="sv-SE" sz="3200" dirty="0" err="1"/>
+              <a:t>cases</a:t>
+            </a:r>
+            <a:r>
+              <a:rPr lang="sv-SE" sz="3200" dirty="0"/>
+              <a:t>.</a:t>
+            </a:r>
+          </a:p>
+          <a:p>
+            <a:r>
+              <a:rPr lang="sv-SE" sz="3200" dirty="0" err="1"/>
+              <a:t>Where</a:t>
+            </a:r>
+            <a:r>
+              <a:rPr lang="sv-SE" sz="3200" dirty="0"/>
+              <a:t> to </a:t>
+            </a:r>
+            <a:r>
+              <a:rPr lang="sv-SE" sz="3200" dirty="0" err="1"/>
+              <a:t>put</a:t>
+            </a:r>
+            <a:r>
+              <a:rPr lang="sv-SE" sz="3200" dirty="0"/>
+              <a:t> the new </a:t>
+            </a:r>
+            <a:r>
+              <a:rPr lang="sv-SE" sz="3200" dirty="0" err="1"/>
+              <a:t>traits</a:t>
+            </a:r>
+            <a:r>
+              <a:rPr lang="sv-SE" sz="3200" dirty="0"/>
+              <a:t>? </a:t>
+            </a:r>
+            <a:r>
+              <a:rPr lang="sv-SE" sz="3200"/>
+              <a:t>(cf P2652).</a:t>
+            </a:r>
             <a:endParaRPr lang="sv-SE" sz="3200" dirty="0"/>
           </a:p>
           <a:p>
             <a:r>
-              <a:rPr lang="sv-SE" sz="3200" dirty="0" err="1"/>
-              <a:t>We</a:t>
+              <a:rPr lang="sv-SE" sz="3200" dirty="0"/>
+              <a:t>The new </a:t>
+            </a:r>
+            <a:r>
+              <a:rPr lang="sv-SE" sz="3200" dirty="0" err="1"/>
+              <a:t>allocators</a:t>
             </a:r>
             <a:r>
               <a:rPr lang="sv-SE" sz="3200" dirty="0"/>
@@ -7654,7 +7687,7 @@
             </a:r>
             <a:r>
               <a:rPr lang="sv-SE" sz="3200" dirty="0" err="1"/>
-              <a:t>see</a:t>
+              <a:t>compose</a:t>
             </a:r>
             <a:r>
               <a:rPr lang="sv-SE" sz="3200" dirty="0"/>
@@ -7662,7 +7695,17 @@
             </a:r>
             <a:r>
               <a:rPr lang="sv-SE" sz="3200" dirty="0" err="1"/>
-              <a:t>demand</a:t>
+              <a:t>well</a:t>
+            </a:r>
+            <a:r>
+              <a:rPr lang="sv-SE" sz="3200" dirty="0"/>
+              <a:t>.</a:t>
+            </a:r>
+          </a:p>
+          <a:p>
+            <a:r>
+              <a:rPr lang="sv-SE" sz="3200" dirty="0" err="1"/>
+              <a:t>Useful</a:t>
             </a:r>
             <a:r>
               <a:rPr lang="sv-SE" sz="3200" dirty="0"/>
@@ -7670,6 +7713,91 @@
             </a:r>
             <a:r>
               <a:rPr lang="sv-SE" sz="3200" dirty="0" err="1"/>
+              <a:t>anything</a:t>
+            </a:r>
+            <a:r>
+              <a:rPr lang="sv-SE" sz="3200" dirty="0"/>
+              <a:t> </a:t>
+            </a:r>
+            <a:r>
+              <a:rPr lang="sv-SE" sz="3200" dirty="0" err="1"/>
+              <a:t>allocating</a:t>
+            </a:r>
+            <a:r>
+              <a:rPr lang="sv-SE" sz="3200" dirty="0"/>
+              <a:t> like a </a:t>
+            </a:r>
+            <a:r>
+              <a:rPr lang="sv-SE" sz="3200" dirty="0" err="1"/>
+              <a:t>vector</a:t>
+            </a:r>
+            <a:r>
+              <a:rPr lang="sv-SE" sz="3200" dirty="0"/>
+              <a:t>.</a:t>
+            </a:r>
+          </a:p>
+          <a:p>
+            <a:r>
+              <a:rPr lang="sv-SE" sz="3200" dirty="0"/>
+              <a:t>Implementation sketch at: </a:t>
+            </a:r>
+            <a:r>
+              <a:rPr lang="sv-SE" sz="3200" u="sng" dirty="0"/>
+              <a:t>github.com/</a:t>
+            </a:r>
+            <a:r>
+              <a:rPr lang="sv-SE" sz="3200" u="sng" dirty="0" err="1"/>
+              <a:t>BengtGustafsson</a:t>
+            </a:r>
+            <a:r>
+              <a:rPr lang="sv-SE" sz="3200" u="sng" dirty="0"/>
+              <a:t>/</a:t>
+            </a:r>
+            <a:r>
+              <a:rPr lang="sv-SE" sz="3200" u="sng" dirty="0" err="1"/>
+              <a:t>isocpp-proposals</a:t>
+            </a:r>
+            <a:endParaRPr lang="sv-SE" sz="3200" u="sng" dirty="0"/>
+          </a:p>
+          <a:p>
+            <a:r>
+              <a:rPr lang="sv-SE" sz="3200" dirty="0"/>
+              <a:t>Is </a:t>
+            </a:r>
+            <a:r>
+              <a:rPr lang="sv-SE" sz="3200" dirty="0" err="1"/>
+              <a:t>this</a:t>
+            </a:r>
+            <a:r>
+              <a:rPr lang="sv-SE" sz="3200" dirty="0"/>
+              <a:t> a </a:t>
+            </a:r>
+            <a:r>
+              <a:rPr lang="sv-SE" sz="3200" dirty="0" err="1"/>
+              <a:t>way</a:t>
+            </a:r>
+            <a:r>
+              <a:rPr lang="sv-SE" sz="3200" dirty="0"/>
+              <a:t> forward or </a:t>
+            </a:r>
+            <a:r>
+              <a:rPr lang="sv-SE" sz="3200" dirty="0" err="1"/>
+              <a:t>should</a:t>
+            </a:r>
+            <a:r>
+              <a:rPr lang="sv-SE" sz="3200" dirty="0"/>
+              <a:t> </a:t>
+            </a:r>
+            <a:r>
+              <a:rPr lang="sv-SE" sz="3200" dirty="0" err="1"/>
+              <a:t>we</a:t>
+            </a:r>
+            <a:r>
+              <a:rPr lang="sv-SE" sz="3200" dirty="0"/>
+              <a:t> stick to </a:t>
+            </a:r>
+            <a:r>
+              <a:rPr lang="sv-SE" sz="3200" dirty="0" err="1"/>
               <a:t>static_vector</a:t>
             </a:r>
             <a:r>
@@ -7678,70 +7806,15 @@
             </a:r>
             <a:r>
               <a:rPr lang="sv-SE" sz="3200" dirty="0" err="1"/>
-              <a:t>sbo-enabled</a:t>
-            </a:r>
-            <a:r>
-              <a:rPr lang="sv-SE" sz="3200" dirty="0"/>
-              <a:t> </a:t>
-            </a:r>
-            <a:r>
-              <a:rPr lang="sv-SE" sz="3200" dirty="0" err="1"/>
-              <a:t>vector</a:t>
-            </a:r>
-            <a:endParaRPr lang="sv-SE" sz="3200" dirty="0"/>
-          </a:p>
-          <a:p>
-            <a:r>
-              <a:rPr lang="sv-SE" sz="3200" dirty="0" err="1"/>
-              <a:t>Why</a:t>
-            </a:r>
-            <a:r>
-              <a:rPr lang="sv-SE" sz="3200" dirty="0"/>
-              <a:t> </a:t>
-            </a:r>
-            <a:r>
-              <a:rPr lang="sv-SE" sz="3200" dirty="0" err="1"/>
-              <a:t>don’t</a:t>
-            </a:r>
-            <a:r>
-              <a:rPr lang="sv-SE" sz="3200" dirty="0"/>
-              <a:t> </a:t>
-            </a:r>
-            <a:r>
-              <a:rPr lang="sv-SE" sz="3200" dirty="0" err="1"/>
-              <a:t>we</a:t>
-            </a:r>
-            <a:r>
-              <a:rPr lang="sv-SE" sz="3200" dirty="0"/>
-              <a:t> </a:t>
-            </a:r>
-            <a:r>
-              <a:rPr lang="sv-SE" sz="3200" dirty="0" err="1"/>
-              <a:t>use</a:t>
-            </a:r>
-            <a:r>
-              <a:rPr lang="sv-SE" sz="3200" dirty="0"/>
-              <a:t> the </a:t>
-            </a:r>
-            <a:r>
-              <a:rPr lang="sv-SE" sz="3200" b="1" dirty="0" err="1"/>
-              <a:t>vector</a:t>
-            </a:r>
-            <a:r>
-              <a:rPr lang="sv-SE" sz="3200" dirty="0"/>
-              <a:t> </a:t>
-            </a:r>
-            <a:r>
-              <a:rPr lang="sv-SE" sz="3200" dirty="0" err="1"/>
-              <a:t>we</a:t>
-            </a:r>
-            <a:r>
-              <a:rPr lang="sv-SE" sz="3200" dirty="0"/>
-              <a:t> </a:t>
-            </a:r>
-            <a:r>
-              <a:rPr lang="sv-SE" sz="3200" dirty="0" err="1"/>
-              <a:t>have</a:t>
+              <a:t>maybe</a:t>
+            </a:r>
+            <a:r>
+              <a:rPr lang="sv-SE" sz="3200" dirty="0"/>
+              <a:t> later </a:t>
+            </a:r>
+            <a:r>
+              <a:rPr lang="sv-SE" sz="3200" dirty="0" err="1"/>
+              <a:t>sbo_vector</a:t>
             </a:r>
             <a:r>
               <a:rPr lang="sv-SE" sz="3200" dirty="0"/>
@@ -7751,201 +7824,20 @@
           <a:p>
             <a:r>
               <a:rPr lang="sv-SE" sz="3200" dirty="0" err="1"/>
-              <a:t>Generic</a:t>
-            </a:r>
-            <a:r>
-              <a:rPr lang="sv-SE" sz="3200" dirty="0"/>
-              <a:t> </a:t>
-            </a:r>
-            <a:r>
-              <a:rPr lang="sv-SE" sz="3200" dirty="0" err="1"/>
-              <a:t>code</a:t>
-            </a:r>
-            <a:r>
-              <a:rPr lang="sv-SE" sz="3200" dirty="0"/>
-              <a:t> </a:t>
-            </a:r>
-            <a:r>
-              <a:rPr lang="sv-SE" sz="3200" dirty="0" err="1"/>
-              <a:t>templated</a:t>
+              <a:t>Thoughts</a:t>
             </a:r>
             <a:r>
               <a:rPr lang="sv-SE" sz="3200" dirty="0"/>
               <a:t> on </a:t>
             </a:r>
             <a:r>
-              <a:rPr lang="sv-SE" sz="3200" b="1" dirty="0" err="1"/>
-              <a:t>vector</a:t>
-            </a:r>
-            <a:r>
-              <a:rPr lang="sv-SE" sz="3200" b="1" dirty="0"/>
-              <a:t>&lt;T, A&gt; </a:t>
-            </a:r>
-            <a:r>
-              <a:rPr lang="sv-SE" sz="3200" dirty="0"/>
-              <a:t>just </a:t>
-            </a:r>
-            <a:r>
-              <a:rPr lang="sv-SE" sz="3200" dirty="0" err="1"/>
-              <a:t>works</a:t>
-            </a:r>
-            <a:r>
-              <a:rPr lang="sv-SE" sz="3200" dirty="0"/>
-              <a:t>.</a:t>
-            </a:r>
-          </a:p>
-          <a:p>
-            <a:r>
-              <a:rPr lang="sv-SE" sz="3200" dirty="0" err="1"/>
-              <a:t>Shorter</a:t>
-            </a:r>
-            <a:r>
-              <a:rPr lang="sv-SE" sz="3200" dirty="0"/>
-              <a:t> standard text (?)</a:t>
-            </a:r>
-          </a:p>
-          <a:p>
-            <a:r>
-              <a:rPr lang="sv-SE" sz="3200" dirty="0"/>
-              <a:t>New </a:t>
-            </a:r>
-            <a:r>
-              <a:rPr lang="sv-SE" sz="3200" dirty="0" err="1"/>
-              <a:t>allocators</a:t>
-            </a:r>
-            <a:r>
-              <a:rPr lang="sv-SE" sz="3200" dirty="0"/>
-              <a:t> </a:t>
-            </a:r>
-            <a:r>
-              <a:rPr lang="sv-SE" sz="3200" dirty="0" err="1"/>
-              <a:t>can</a:t>
-            </a:r>
-            <a:r>
-              <a:rPr lang="sv-SE" sz="3200" dirty="0"/>
-              <a:t> be </a:t>
-            </a:r>
-            <a:r>
-              <a:rPr lang="sv-SE" sz="3200" dirty="0" err="1"/>
-              <a:t>used</a:t>
-            </a:r>
-            <a:r>
-              <a:rPr lang="sv-SE" sz="3200" dirty="0"/>
-              <a:t> for </a:t>
-            </a:r>
-            <a:r>
-              <a:rPr lang="sv-SE" sz="3200" dirty="0" err="1"/>
-              <a:t>some</a:t>
-            </a:r>
-            <a:r>
-              <a:rPr lang="sv-SE" sz="3200" dirty="0"/>
-              <a:t> </a:t>
-            </a:r>
-            <a:r>
-              <a:rPr lang="sv-SE" sz="3200" dirty="0" err="1"/>
-              <a:t>other</a:t>
-            </a:r>
-            <a:r>
-              <a:rPr lang="sv-SE" sz="3200" dirty="0"/>
-              <a:t> containers.</a:t>
-            </a:r>
-          </a:p>
-          <a:p>
-            <a:pPr marL="0" indent="0">
-              <a:buNone/>
-            </a:pPr>
-            <a:r>
-              <a:rPr lang="sv-SE" sz="3200" dirty="0"/>
-              <a:t>- </a:t>
-            </a:r>
-            <a:r>
-              <a:rPr lang="sv-SE" sz="3200" dirty="0" err="1"/>
-              <a:t>Iterators</a:t>
-            </a:r>
-            <a:r>
-              <a:rPr lang="sv-SE" sz="3200" dirty="0"/>
-              <a:t> </a:t>
-            </a:r>
-            <a:r>
-              <a:rPr lang="sv-SE" sz="3200" dirty="0" err="1"/>
-              <a:t>potentially</a:t>
-            </a:r>
-            <a:r>
-              <a:rPr lang="sv-SE" sz="3200" dirty="0"/>
-              <a:t> </a:t>
-            </a:r>
-            <a:r>
-              <a:rPr lang="sv-SE" sz="3200" dirty="0" err="1"/>
-              <a:t>invalidated</a:t>
-            </a:r>
-            <a:r>
-              <a:rPr lang="sv-SE" sz="3200" dirty="0"/>
-              <a:t> by </a:t>
-            </a:r>
-            <a:r>
-              <a:rPr lang="sv-SE" sz="3200" dirty="0" err="1"/>
-              <a:t>move</a:t>
-            </a:r>
-            <a:r>
-              <a:rPr lang="sv-SE" sz="3200" dirty="0"/>
-              <a:t>/copy (</a:t>
-            </a:r>
-            <a:r>
-              <a:rPr lang="sv-SE" sz="3200" dirty="0" err="1"/>
-              <a:t>but</a:t>
-            </a:r>
-            <a:r>
-              <a:rPr lang="sv-SE" sz="3200" dirty="0"/>
-              <a:t> </a:t>
-            </a:r>
-            <a:r>
-              <a:rPr lang="sv-SE" sz="3200" dirty="0" err="1"/>
-              <a:t>this</a:t>
-            </a:r>
-            <a:br>
-              <a:rPr lang="sv-SE" sz="3200" dirty="0"/>
-            </a:br>
-            <a:r>
-              <a:rPr lang="sv-SE" sz="3200" dirty="0"/>
-              <a:t>  </a:t>
-            </a:r>
-            <a:r>
-              <a:rPr lang="sv-SE" sz="3200" dirty="0" err="1"/>
-              <a:t>case</a:t>
-            </a:r>
-            <a:r>
-              <a:rPr lang="sv-SE" sz="3200" dirty="0"/>
-              <a:t> </a:t>
-            </a:r>
-            <a:r>
-              <a:rPr lang="sv-SE" sz="3200" dirty="0" err="1"/>
-              <a:t>already</a:t>
-            </a:r>
-            <a:r>
-              <a:rPr lang="sv-SE" sz="3200" dirty="0"/>
-              <a:t> </a:t>
-            </a:r>
-            <a:r>
-              <a:rPr lang="sv-SE" sz="3200" dirty="0" err="1"/>
-              <a:t>exists</a:t>
-            </a:r>
-            <a:r>
-              <a:rPr lang="sv-SE" sz="3200" dirty="0"/>
-              <a:t> for </a:t>
-            </a:r>
-            <a:r>
-              <a:rPr lang="sv-SE" sz="3200" dirty="0" err="1"/>
-              <a:t>assigmnent</a:t>
-            </a:r>
-            <a:r>
-              <a:rPr lang="sv-SE" sz="3200" dirty="0"/>
-              <a:t>).</a:t>
-            </a:r>
-          </a:p>
-          <a:p>
-            <a:pPr marL="0" indent="0">
-              <a:buNone/>
-            </a:pPr>
+              <a:rPr lang="sv-SE" sz="3200" dirty="0" err="1"/>
+              <a:t>freestanding</a:t>
+            </a:r>
+            <a:r>
+              <a:rPr lang="sv-SE" sz="3200" dirty="0"/>
+              <a:t>?</a:t>
+            </a:r>
             <a:endParaRPr lang="LID4096" sz="3200" dirty="0"/>
           </a:p>
         </p:txBody>
@@ -7953,7 +7845,7 @@
     </p:spTree>
     <p:extLst>
       <p:ext uri="{BB962C8B-B14F-4D97-AF65-F5344CB8AC3E}">
-        <p14:creationId xmlns:p14="http://schemas.microsoft.com/office/powerpoint/2010/main" val="1409560430"/>
+        <p14:creationId xmlns:p14="http://schemas.microsoft.com/office/powerpoint/2010/main" val="42298904"/>
       </p:ext>
     </p:extLst>
   </p:cSld>
@@ -7963,7 +7855,7 @@
 </p:sld>
 </file>
 
-<file path=ppt/slides/slide4.xml><?xml version="1.0" encoding="utf-8"?>
+<file path=ppt/slides/slide2.xml><?xml version="1.0" encoding="utf-8"?>
 <p:sld xmlns:a="http://schemas.openxmlformats.org/drawingml/2006/main" xmlns:r="http://schemas.openxmlformats.org/officeDocument/2006/relationships" xmlns:p="http://schemas.openxmlformats.org/presentationml/2006/main">
   <p:cSld>
     <p:bg>
@@ -8543,7 +8435,7 @@
                   <a:srgbClr val="FFFFFF"/>
                 </a:solidFill>
               </a:rPr>
-              <a:t>Minimum </a:t>
+              <a:t>Presentation </a:t>
             </a:r>
             <a:r>
               <a:rPr lang="sv-SE" sz="4000" dirty="0" err="1">
@@ -8551,39 +8443,7 @@
                   <a:srgbClr val="FFFFFF"/>
                 </a:solidFill>
               </a:rPr>
-              <a:t>rules</a:t>
-            </a:r>
-            <a:r>
-              <a:rPr lang="sv-SE" sz="4000" dirty="0">
-                <a:solidFill>
-                  <a:srgbClr val="FFFFFF"/>
-                </a:solidFill>
-              </a:rPr>
-              <a:t> for </a:t>
-            </a:r>
-            <a:r>
-              <a:rPr lang="sv-SE" sz="4000" dirty="0" err="1">
-                <a:solidFill>
-                  <a:srgbClr val="FFFFFF"/>
-                </a:solidFill>
-              </a:rPr>
-              <a:t>vector</a:t>
-            </a:r>
-            <a:r>
-              <a:rPr lang="sv-SE" sz="4000" dirty="0">
-                <a:solidFill>
-                  <a:srgbClr val="FFFFFF"/>
-                </a:solidFill>
-              </a:rPr>
-              <a:t> to </a:t>
-            </a:r>
-            <a:r>
-              <a:rPr lang="sv-SE" sz="4000" dirty="0" err="1">
-                <a:solidFill>
-                  <a:srgbClr val="FFFFFF"/>
-                </a:solidFill>
-              </a:rPr>
-              <a:t>follow</a:t>
+              <a:t>contents</a:t>
             </a:r>
             <a:endParaRPr lang="LID4096" sz="4000" dirty="0">
               <a:solidFill>
@@ -8611,8 +8471,8 @@
         </p:nvSpPr>
         <p:spPr>
           <a:xfrm>
-            <a:off x="1371599" y="2318197"/>
-            <a:ext cx="9724031" cy="3683358"/>
+            <a:off x="1371599" y="1885279"/>
+            <a:ext cx="9724031" cy="4569462"/>
           </a:xfrm>
         </p:spPr>
         <p:txBody>
@@ -8623,23 +8483,80 @@
           <a:p>
             <a:r>
               <a:rPr lang="sv-SE" sz="3200" dirty="0" err="1"/>
-              <a:t>Use</a:t>
+              <a:t>Rationale</a:t>
+            </a:r>
+            <a:endParaRPr lang="sv-SE" sz="3200" dirty="0"/>
+          </a:p>
+          <a:p>
+            <a:r>
+              <a:rPr lang="sv-SE" sz="3200" dirty="0" err="1"/>
+              <a:t>Rules</a:t>
+            </a:r>
+            <a:r>
+              <a:rPr lang="sv-SE" sz="3200" dirty="0"/>
+              <a:t> for </a:t>
+            </a:r>
+            <a:r>
+              <a:rPr lang="sv-SE" sz="3200" dirty="0" err="1"/>
+              <a:t>vector</a:t>
+            </a:r>
+            <a:r>
+              <a:rPr lang="sv-SE" sz="3200" dirty="0"/>
+              <a:t> to </a:t>
+            </a:r>
+            <a:r>
+              <a:rPr lang="sv-SE" sz="3200" dirty="0" err="1"/>
+              <a:t>follow</a:t>
+            </a:r>
+            <a:endParaRPr lang="sv-SE" sz="3200" dirty="0"/>
+          </a:p>
+          <a:p>
+            <a:r>
+              <a:rPr lang="sv-SE" sz="3200" dirty="0"/>
+              <a:t>A </a:t>
+            </a:r>
+            <a:r>
+              <a:rPr lang="sv-SE" sz="3200" dirty="0" err="1"/>
+              <a:t>few</a:t>
+            </a:r>
+            <a:r>
+              <a:rPr lang="sv-SE" sz="3200" dirty="0"/>
+              <a:t> new </a:t>
+            </a:r>
+            <a:r>
+              <a:rPr lang="sv-SE" sz="3200" dirty="0" err="1"/>
+              <a:t>allocator</a:t>
             </a:r>
             <a:r>
               <a:rPr lang="sv-SE" sz="3200" dirty="0"/>
               <a:t> </a:t>
             </a:r>
             <a:r>
-              <a:rPr lang="sv-SE" sz="3200" b="1" dirty="0" err="1"/>
-              <a:t>allocate_at_least</a:t>
-            </a:r>
-            <a:r>
-              <a:rPr lang="sv-SE" sz="3200" b="1" dirty="0"/>
+              <a:rPr lang="sv-SE" sz="3200" dirty="0" err="1"/>
+              <a:t>traits</a:t>
+            </a:r>
+            <a:endParaRPr lang="sv-SE" sz="3200" dirty="0"/>
+          </a:p>
+          <a:p>
+            <a:r>
+              <a:rPr lang="sv-SE" sz="3200" dirty="0" err="1"/>
+              <a:t>Some</a:t>
+            </a:r>
+            <a:r>
+              <a:rPr lang="sv-SE" sz="3200" dirty="0"/>
               <a:t> </a:t>
             </a:r>
             <a:r>
               <a:rPr lang="sv-SE" sz="3200" dirty="0" err="1"/>
-              <a:t>when</a:t>
+              <a:t>allocators</a:t>
+            </a:r>
+            <a:r>
+              <a:rPr lang="sv-SE" sz="3200" dirty="0"/>
+              <a:t> to </a:t>
+            </a:r>
+            <a:r>
+              <a:rPr lang="sv-SE" sz="3200" dirty="0" err="1"/>
+              <a:t>implement</a:t>
             </a:r>
             <a:r>
               <a:rPr lang="sv-SE" sz="3200" dirty="0"/>
@@ -8647,14 +8564,30 @@
             </a:r>
             <a:r>
               <a:rPr lang="sv-SE" sz="3200" dirty="0" err="1"/>
-              <a:t>allocating</a:t>
+              <a:t>static</a:t>
+            </a:r>
+            <a:r>
+              <a:rPr lang="sv-SE" sz="3200" dirty="0"/>
+              <a:t> and </a:t>
+            </a:r>
+            <a:r>
+              <a:rPr lang="sv-SE" sz="3200" dirty="0" err="1"/>
+              <a:t>sbo</a:t>
+            </a:r>
+            <a:r>
+              <a:rPr lang="sv-SE" sz="3200" dirty="0"/>
+              <a:t> </a:t>
+            </a:r>
+            <a:r>
+              <a:rPr lang="sv-SE" sz="3200" dirty="0" err="1"/>
+              <a:t>vectors</a:t>
             </a:r>
             <a:endParaRPr lang="sv-SE" sz="3200" dirty="0"/>
           </a:p>
           <a:p>
             <a:r>
               <a:rPr lang="sv-SE" sz="3200" dirty="0" err="1"/>
-              <a:t>Don’t</a:t>
+              <a:t>Convenient</a:t>
             </a:r>
             <a:r>
               <a:rPr lang="sv-SE" sz="3200" dirty="0"/>
@@ -8662,7 +8595,7 @@
             </a:r>
             <a:r>
               <a:rPr lang="sv-SE" sz="3200" dirty="0" err="1"/>
-              <a:t>allocate</a:t>
+              <a:t>type</a:t>
             </a:r>
             <a:r>
               <a:rPr lang="sv-SE" sz="3200" dirty="0"/>
@@ -8670,42 +8603,22 @@
             </a:r>
             <a:r>
               <a:rPr lang="sv-SE" sz="3200" dirty="0" err="1"/>
-              <a:t>unless</a:t>
-            </a:r>
-            <a:r>
-              <a:rPr lang="sv-SE" sz="3200" dirty="0"/>
-              <a:t> </a:t>
-            </a:r>
-            <a:r>
-              <a:rPr lang="sv-SE" sz="3200" dirty="0" err="1"/>
-              <a:t>capacity</a:t>
-            </a:r>
-            <a:r>
-              <a:rPr lang="sv-SE" sz="3200" dirty="0"/>
-              <a:t> is </a:t>
-            </a:r>
-            <a:r>
-              <a:rPr lang="sv-SE" sz="3200" dirty="0" err="1"/>
-              <a:t>too</a:t>
-            </a:r>
-            <a:r>
-              <a:rPr lang="sv-SE" sz="3200" dirty="0"/>
-              <a:t> </a:t>
-            </a:r>
-            <a:r>
-              <a:rPr lang="sv-SE" sz="3200" dirty="0" err="1"/>
-              <a:t>low</a:t>
+              <a:t>aliases</a:t>
             </a:r>
             <a:endParaRPr lang="sv-SE" sz="3200" dirty="0"/>
           </a:p>
           <a:p>
             <a:r>
-              <a:rPr lang="sv-SE" sz="3200" dirty="0" err="1"/>
-              <a:t>Handle</a:t>
-            </a:r>
-            <a:r>
-              <a:rPr lang="sv-SE" sz="3200" dirty="0"/>
-              <a:t> </a:t>
+              <a:rPr lang="sv-SE" sz="3200" dirty="0"/>
+              <a:t>Extension </a:t>
+            </a:r>
+            <a:r>
+              <a:rPr lang="sv-SE" sz="3200" dirty="0" err="1"/>
+              <a:t>of</a:t>
+            </a:r>
+            <a:r>
+              <a:rPr lang="sv-SE" sz="3200" dirty="0"/>
+              <a:t> copy/</a:t>
             </a:r>
             <a:r>
               <a:rPr lang="sv-SE" sz="3200" dirty="0" err="1"/>
@@ -8713,71 +8626,45 @@
             </a:r>
             <a:r>
               <a:rPr lang="sv-SE" sz="3200" dirty="0"/>
-              <a:t>/copy </a:t>
-            </a:r>
-            <a:r>
-              <a:rPr lang="sv-SE" sz="3200" dirty="0" err="1"/>
-              <a:t>when</a:t>
-            </a:r>
-            <a:r>
-              <a:rPr lang="sv-SE" sz="3200" dirty="0"/>
-              <a:t> source data is in SBO </a:t>
-            </a:r>
-            <a:r>
-              <a:rPr lang="sv-SE" sz="3200" dirty="0" err="1"/>
-              <a:t>buffer</a:t>
-            </a:r>
-            <a:r>
-              <a:rPr lang="sv-SE" sz="3200" dirty="0"/>
-              <a:t>. </a:t>
-            </a:r>
-            <a:r>
-              <a:rPr lang="sv-SE" sz="3200" dirty="0" err="1"/>
-              <a:t>This</a:t>
-            </a:r>
-            <a:r>
-              <a:rPr lang="sv-SE" sz="3200" dirty="0"/>
-              <a:t> </a:t>
-            </a:r>
-            <a:r>
-              <a:rPr lang="sv-SE" sz="3200" dirty="0" err="1"/>
-              <a:t>uses</a:t>
-            </a:r>
-            <a:r>
-              <a:rPr lang="sv-SE" sz="3200" dirty="0"/>
-              <a:t> a new </a:t>
-            </a:r>
-            <a:r>
-              <a:rPr lang="sv-SE" sz="3200" dirty="0" err="1"/>
-              <a:t>allocator</a:t>
-            </a:r>
-            <a:r>
-              <a:rPr lang="sv-SE" sz="3200" dirty="0"/>
-              <a:t> </a:t>
-            </a:r>
-            <a:r>
-              <a:rPr lang="sv-SE" sz="3200" dirty="0" err="1"/>
-              <a:t>trait</a:t>
-            </a:r>
-            <a:r>
-              <a:rPr lang="sv-SE" sz="3200" dirty="0"/>
-              <a:t> </a:t>
-            </a:r>
-            <a:r>
-              <a:rPr lang="sv-SE" sz="3200" b="1" dirty="0" err="1"/>
-              <a:t>buffer_capacity</a:t>
-            </a:r>
-            <a:r>
-              <a:rPr lang="sv-SE" sz="3200" dirty="0"/>
-              <a:t>.</a:t>
-            </a:r>
+              <a:t> to </a:t>
+            </a:r>
+            <a:r>
+              <a:rPr lang="sv-SE" sz="3200" dirty="0" err="1"/>
+              <a:t>allow</a:t>
+            </a:r>
+            <a:r>
+              <a:rPr lang="sv-SE" sz="3200" dirty="0"/>
+              <a:t> different </a:t>
+            </a:r>
+            <a:r>
+              <a:rPr lang="sv-SE" sz="3200" dirty="0" err="1"/>
+              <a:t>allocators</a:t>
+            </a:r>
+            <a:endParaRPr lang="sv-SE" sz="3200" dirty="0"/>
+          </a:p>
+          <a:p>
+            <a:r>
+              <a:rPr lang="sv-SE" sz="3200" dirty="0" err="1"/>
+              <a:t>Freestanding</a:t>
+            </a:r>
+            <a:r>
+              <a:rPr lang="sv-SE" sz="3200" dirty="0"/>
+              <a:t>?</a:t>
+            </a:r>
+          </a:p>
+          <a:p>
+            <a:r>
+              <a:rPr lang="sv-SE" sz="3200" dirty="0" err="1"/>
+              <a:t>Conclusions</a:t>
+            </a:r>
+            <a:endParaRPr lang="LID4096" sz="3200" dirty="0"/>
           </a:p>
         </p:txBody>
       </p:sp>
     </p:spTree>
     <p:extLst>
       <p:ext uri="{BB962C8B-B14F-4D97-AF65-F5344CB8AC3E}">
-        <p14:creationId xmlns:p14="http://schemas.microsoft.com/office/powerpoint/2010/main" val="338641806"/>
+        <p14:creationId xmlns:p14="http://schemas.microsoft.com/office/powerpoint/2010/main" val="67853453"/>
       </p:ext>
     </p:extLst>
   </p:cSld>
@@ -8787,7 +8674,7 @@
 </p:sld>
 </file>
 
-<file path=ppt/slides/slide5.xml><?xml version="1.0" encoding="utf-8"?>
+<file path=ppt/slides/slide3.xml><?xml version="1.0" encoding="utf-8"?>
 <p:sld xmlns:a="http://schemas.openxmlformats.org/drawingml/2006/main" xmlns:r="http://schemas.openxmlformats.org/officeDocument/2006/relationships" xmlns:p="http://schemas.openxmlformats.org/presentationml/2006/main">
   <p:cSld>
     <p:bg>
@@ -9367,47 +9254,7 @@
                   <a:srgbClr val="FFFFFF"/>
                 </a:solidFill>
               </a:rPr>
-              <a:t>Optimizations</a:t>
-            </a:r>
-            <a:r>
-              <a:rPr lang="sv-SE" sz="4000" dirty="0">
-                <a:solidFill>
-                  <a:srgbClr val="FFFFFF"/>
-                </a:solidFill>
-              </a:rPr>
-              <a:t> </a:t>
-            </a:r>
-            <a:r>
-              <a:rPr lang="sv-SE" sz="4000" dirty="0" err="1">
-                <a:solidFill>
-                  <a:srgbClr val="FFFFFF"/>
-                </a:solidFill>
-              </a:rPr>
-              <a:t>vector</a:t>
-            </a:r>
-            <a:r>
-              <a:rPr lang="sv-SE" sz="4000" dirty="0">
-                <a:solidFill>
-                  <a:srgbClr val="FFFFFF"/>
-                </a:solidFill>
-              </a:rPr>
-              <a:t> </a:t>
-            </a:r>
-            <a:r>
-              <a:rPr lang="sv-SE" sz="4000" dirty="0" err="1">
-                <a:solidFill>
-                  <a:srgbClr val="FFFFFF"/>
-                </a:solidFill>
-              </a:rPr>
-              <a:t>can</a:t>
-            </a:r>
-            <a:r>
-              <a:rPr lang="sv-SE" sz="4000" dirty="0">
-                <a:solidFill>
-                  <a:srgbClr val="FFFFFF"/>
-                </a:solidFill>
-              </a:rPr>
-              <a:t> do</a:t>
+              <a:t>Rationale</a:t>
             </a:r>
             <a:endParaRPr lang="LID4096" sz="4000" dirty="0">
               <a:solidFill>
@@ -9441,13 +9288,137 @@
         </p:spPr>
         <p:txBody>
           <a:bodyPr anchor="ctr">
-            <a:normAutofit/>
+            <a:normAutofit fontScale="85000" lnSpcReduction="20000"/>
           </a:bodyPr>
           <a:lstStyle/>
           <a:p>
-            <a:r>
-              <a:rPr lang="sv-SE" sz="3200" dirty="0" err="1"/>
-              <a:t>Specialize</a:t>
+            <a:endParaRPr lang="sv-SE" sz="3200" dirty="0"/>
+          </a:p>
+          <a:p>
+            <a:r>
+              <a:rPr lang="sv-SE" sz="3200" dirty="0" err="1"/>
+              <a:t>We</a:t>
+            </a:r>
+            <a:r>
+              <a:rPr lang="sv-SE" sz="3200" dirty="0"/>
+              <a:t> </a:t>
+            </a:r>
+            <a:r>
+              <a:rPr lang="sv-SE" sz="3200" dirty="0" err="1"/>
+              <a:t>see</a:t>
+            </a:r>
+            <a:r>
+              <a:rPr lang="sv-SE" sz="3200" dirty="0"/>
+              <a:t> </a:t>
+            </a:r>
+            <a:r>
+              <a:rPr lang="sv-SE" sz="3200" dirty="0" err="1"/>
+              <a:t>demand</a:t>
+            </a:r>
+            <a:r>
+              <a:rPr lang="sv-SE" sz="3200" dirty="0"/>
+              <a:t> for </a:t>
+            </a:r>
+            <a:r>
+              <a:rPr lang="sv-SE" sz="3200" dirty="0" err="1"/>
+              <a:t>static_vector</a:t>
+            </a:r>
+            <a:r>
+              <a:rPr lang="sv-SE" sz="3200" dirty="0"/>
+              <a:t> and </a:t>
+            </a:r>
+            <a:r>
+              <a:rPr lang="sv-SE" sz="3200" dirty="0" err="1"/>
+              <a:t>sbo-enabled</a:t>
+            </a:r>
+            <a:r>
+              <a:rPr lang="sv-SE" sz="3200" dirty="0"/>
+              <a:t> </a:t>
+            </a:r>
+            <a:r>
+              <a:rPr lang="sv-SE" sz="3200" dirty="0" err="1"/>
+              <a:t>vector</a:t>
+            </a:r>
+            <a:endParaRPr lang="sv-SE" sz="3200" dirty="0"/>
+          </a:p>
+          <a:p>
+            <a:r>
+              <a:rPr lang="sv-SE" sz="3200" dirty="0" err="1"/>
+              <a:t>Why</a:t>
+            </a:r>
+            <a:r>
+              <a:rPr lang="sv-SE" sz="3200" dirty="0"/>
+              <a:t> </a:t>
+            </a:r>
+            <a:r>
+              <a:rPr lang="sv-SE" sz="3200" dirty="0" err="1"/>
+              <a:t>don’t</a:t>
+            </a:r>
+            <a:r>
+              <a:rPr lang="sv-SE" sz="3200" dirty="0"/>
+              <a:t> </a:t>
+            </a:r>
+            <a:r>
+              <a:rPr lang="sv-SE" sz="3200" dirty="0" err="1"/>
+              <a:t>we</a:t>
+            </a:r>
+            <a:r>
+              <a:rPr lang="sv-SE" sz="3200" dirty="0"/>
+              <a:t> </a:t>
+            </a:r>
+            <a:r>
+              <a:rPr lang="sv-SE" sz="3200" dirty="0" err="1"/>
+              <a:t>use</a:t>
+            </a:r>
+            <a:r>
+              <a:rPr lang="sv-SE" sz="3200" dirty="0"/>
+              <a:t> the </a:t>
+            </a:r>
+            <a:r>
+              <a:rPr lang="sv-SE" sz="3200" b="1" dirty="0" err="1"/>
+              <a:t>vector</a:t>
+            </a:r>
+            <a:r>
+              <a:rPr lang="sv-SE" sz="3200" dirty="0"/>
+              <a:t> </a:t>
+            </a:r>
+            <a:r>
+              <a:rPr lang="sv-SE" sz="3200" dirty="0" err="1"/>
+              <a:t>we</a:t>
+            </a:r>
+            <a:r>
+              <a:rPr lang="sv-SE" sz="3200" dirty="0"/>
+              <a:t> </a:t>
+            </a:r>
+            <a:r>
+              <a:rPr lang="sv-SE" sz="3200" dirty="0" err="1"/>
+              <a:t>have</a:t>
+            </a:r>
+            <a:r>
+              <a:rPr lang="sv-SE" sz="3200" dirty="0"/>
+              <a:t>?</a:t>
+            </a:r>
+          </a:p>
+          <a:p>
+            <a:r>
+              <a:rPr lang="sv-SE" sz="3200" dirty="0" err="1"/>
+              <a:t>Generic</a:t>
+            </a:r>
+            <a:r>
+              <a:rPr lang="sv-SE" sz="3200" dirty="0"/>
+              <a:t> </a:t>
+            </a:r>
+            <a:r>
+              <a:rPr lang="sv-SE" sz="3200" dirty="0" err="1"/>
+              <a:t>code</a:t>
+            </a:r>
+            <a:r>
+              <a:rPr lang="sv-SE" sz="3200" dirty="0"/>
+              <a:t> </a:t>
+            </a:r>
+            <a:r>
+              <a:rPr lang="sv-SE" sz="3200" dirty="0" err="1"/>
+              <a:t>templated</a:t>
             </a:r>
             <a:r>
               <a:rPr lang="sv-SE" sz="3200" dirty="0"/>
@@ -9455,15 +9426,67 @@
             </a:r>
             <a:r>
               <a:rPr lang="sv-SE" sz="3200" b="1" dirty="0" err="1"/>
-              <a:t>can_allocate</a:t>
+              <a:t>vector</a:t>
             </a:r>
             <a:r>
               <a:rPr lang="sv-SE" sz="3200" b="1" dirty="0"/>
+              <a:t>&lt;T, A&gt; </a:t>
+            </a:r>
+            <a:r>
+              <a:rPr lang="sv-SE" sz="3200" dirty="0"/>
+              <a:t>just </a:t>
+            </a:r>
+            <a:r>
+              <a:rPr lang="sv-SE" sz="3200" dirty="0" err="1"/>
+              <a:t>works</a:t>
+            </a:r>
+            <a:r>
+              <a:rPr lang="sv-SE" sz="3200" dirty="0"/>
+              <a:t>.</a:t>
+            </a:r>
+          </a:p>
+          <a:p>
+            <a:r>
+              <a:rPr lang="sv-SE" sz="3200" dirty="0" err="1"/>
+              <a:t>Shorter</a:t>
+            </a:r>
+            <a:r>
+              <a:rPr lang="sv-SE" sz="3200" dirty="0"/>
+              <a:t> standard text (?)</a:t>
+            </a:r>
+          </a:p>
+          <a:p>
+            <a:r>
+              <a:rPr lang="sv-SE" sz="3200" dirty="0"/>
+              <a:t>New </a:t>
+            </a:r>
+            <a:r>
+              <a:rPr lang="sv-SE" sz="3200" dirty="0" err="1"/>
+              <a:t>allocators</a:t>
+            </a:r>
+            <a:r>
+              <a:rPr lang="sv-SE" sz="3200" dirty="0"/>
               <a:t> </a:t>
             </a:r>
             <a:r>
               <a:rPr lang="sv-SE" sz="3200" dirty="0" err="1"/>
-              <a:t>trait</a:t>
+              <a:t>can</a:t>
+            </a:r>
+            <a:r>
+              <a:rPr lang="sv-SE" sz="3200" dirty="0"/>
+              <a:t> be </a:t>
+            </a:r>
+            <a:r>
+              <a:rPr lang="sv-SE" sz="3200" dirty="0" err="1"/>
+              <a:t>used</a:t>
+            </a:r>
+            <a:r>
+              <a:rPr lang="sv-SE" sz="3200" dirty="0"/>
+              <a:t> for </a:t>
+            </a:r>
+            <a:r>
+              <a:rPr lang="sv-SE" sz="3200" dirty="0" err="1"/>
+              <a:t>some</a:t>
             </a:r>
             <a:r>
               <a:rPr lang="sv-SE" sz="3200" dirty="0"/>
@@ -9471,7 +9494,21 @@
             </a:r>
             <a:r>
               <a:rPr lang="sv-SE" sz="3200" dirty="0" err="1"/>
-              <a:t>of</a:t>
+              <a:t>other</a:t>
+            </a:r>
+            <a:r>
+              <a:rPr lang="sv-SE" sz="3200" dirty="0"/>
+              <a:t> containers.</a:t>
+            </a:r>
+          </a:p>
+          <a:p>
+            <a:pPr>
+              <a:buFontTx/>
+              <a:buChar char="-"/>
+            </a:pPr>
+            <a:r>
+              <a:rPr lang="sv-SE" sz="3200" dirty="0" err="1"/>
+              <a:t>Iterators</a:t>
             </a:r>
             <a:r>
               <a:rPr lang="sv-SE" sz="3200" dirty="0"/>
@@ -9479,129 +9516,113 @@
             </a:r>
             <a:r>
               <a:rPr lang="sv-SE" sz="3200" dirty="0" err="1"/>
+              <a:t>potentially</a:t>
+            </a:r>
+            <a:r>
+              <a:rPr lang="sv-SE" sz="3200" dirty="0"/>
+              <a:t> </a:t>
+            </a:r>
+            <a:r>
+              <a:rPr lang="sv-SE" sz="3200" dirty="0" err="1"/>
+              <a:t>invalidated</a:t>
+            </a:r>
+            <a:r>
+              <a:rPr lang="sv-SE" sz="3200" dirty="0"/>
+              <a:t> by </a:t>
+            </a:r>
+            <a:r>
+              <a:rPr lang="sv-SE" sz="3200" dirty="0" err="1"/>
+              <a:t>move</a:t>
+            </a:r>
+            <a:r>
+              <a:rPr lang="sv-SE" sz="3200" dirty="0"/>
+              <a:t>/copy (</a:t>
+            </a:r>
+            <a:r>
+              <a:rPr lang="sv-SE" sz="3200" dirty="0" err="1"/>
+              <a:t>but</a:t>
+            </a:r>
+            <a:r>
+              <a:rPr lang="sv-SE" sz="3200" dirty="0"/>
+              <a:t> </a:t>
+            </a:r>
+            <a:r>
+              <a:rPr lang="sv-SE" sz="3200" dirty="0" err="1"/>
+              <a:t>this</a:t>
+            </a:r>
+            <a:br>
+              <a:rPr lang="sv-SE" sz="3200" dirty="0"/>
+            </a:br>
+            <a:r>
+              <a:rPr lang="sv-SE" sz="3200" dirty="0"/>
+              <a:t>  </a:t>
+            </a:r>
+            <a:r>
+              <a:rPr lang="sv-SE" sz="3200" dirty="0" err="1"/>
+              <a:t>case</a:t>
+            </a:r>
+            <a:r>
+              <a:rPr lang="sv-SE" sz="3200" dirty="0"/>
+              <a:t> </a:t>
+            </a:r>
+            <a:r>
+              <a:rPr lang="sv-SE" sz="3200" dirty="0" err="1"/>
+              <a:t>already</a:t>
+            </a:r>
+            <a:r>
+              <a:rPr lang="sv-SE" sz="3200" dirty="0"/>
+              <a:t> </a:t>
+            </a:r>
+            <a:r>
+              <a:rPr lang="sv-SE" sz="3200" dirty="0" err="1"/>
+              <a:t>exists</a:t>
+            </a:r>
+            <a:r>
+              <a:rPr lang="sv-SE" sz="3200" dirty="0"/>
+              <a:t> for </a:t>
+            </a:r>
+            <a:r>
+              <a:rPr lang="sv-SE" sz="3200" dirty="0" err="1"/>
+              <a:t>assigmnent</a:t>
+            </a:r>
+            <a:r>
+              <a:rPr lang="sv-SE" sz="3200" dirty="0"/>
+              <a:t>).</a:t>
+            </a:r>
+          </a:p>
+          <a:p>
+            <a:pPr>
+              <a:buFontTx/>
+              <a:buChar char="-"/>
+            </a:pPr>
+            <a:r>
+              <a:rPr lang="sv-SE" sz="3200" dirty="0"/>
+              <a:t>Does not </a:t>
+            </a:r>
+            <a:r>
+              <a:rPr lang="sv-SE" sz="3200" dirty="0" err="1"/>
+              <a:t>work</a:t>
+            </a:r>
+            <a:r>
+              <a:rPr lang="sv-SE" sz="3200" dirty="0"/>
+              <a:t> as a </a:t>
+            </a:r>
+            <a:r>
+              <a:rPr lang="sv-SE" sz="3200" dirty="0" err="1"/>
+              <a:t>scoped</a:t>
+            </a:r>
+            <a:r>
+              <a:rPr lang="sv-SE" sz="3200" dirty="0"/>
+              <a:t> </a:t>
+            </a:r>
+            <a:r>
+              <a:rPr lang="sv-SE" sz="3200" dirty="0" err="1"/>
               <a:t>allocator</a:t>
             </a:r>
             <a:r>
               <a:rPr lang="sv-SE" sz="3200" dirty="0"/>
               <a:t>.</a:t>
             </a:r>
-          </a:p>
-          <a:p>
-            <a:r>
-              <a:rPr lang="sv-SE" sz="3200" dirty="0" err="1"/>
-              <a:t>Only</a:t>
-            </a:r>
-            <a:r>
-              <a:rPr lang="sv-SE" sz="3200" dirty="0"/>
-              <a:t> store a </a:t>
-            </a:r>
-            <a:r>
-              <a:rPr lang="sv-SE" sz="3200" dirty="0" err="1"/>
-              <a:t>size</a:t>
-            </a:r>
-            <a:r>
-              <a:rPr lang="sv-SE" sz="3200" dirty="0"/>
-              <a:t> </a:t>
-            </a:r>
-            <a:r>
-              <a:rPr lang="sv-SE" sz="3200" dirty="0" err="1"/>
-              <a:t>member</a:t>
-            </a:r>
-            <a:r>
-              <a:rPr lang="sv-SE" sz="3200" dirty="0"/>
-              <a:t> </a:t>
-            </a:r>
-            <a:r>
-              <a:rPr lang="sv-SE" sz="3200" dirty="0" err="1"/>
-              <a:t>allocator</a:t>
-            </a:r>
-            <a:r>
-              <a:rPr lang="sv-SE" sz="3200" dirty="0"/>
-              <a:t> </a:t>
-            </a:r>
-            <a:r>
-              <a:rPr lang="sv-SE" sz="3200" dirty="0" err="1"/>
-              <a:t>can’t</a:t>
-            </a:r>
-            <a:r>
-              <a:rPr lang="sv-SE" sz="3200" dirty="0"/>
-              <a:t> </a:t>
-            </a:r>
-            <a:r>
-              <a:rPr lang="sv-SE" sz="3200" dirty="0" err="1"/>
-              <a:t>allocate</a:t>
-            </a:r>
-            <a:r>
-              <a:rPr lang="sv-SE" sz="3200" dirty="0"/>
-              <a:t>.</a:t>
-            </a:r>
-          </a:p>
-          <a:p>
-            <a:r>
-              <a:rPr lang="sv-SE" sz="3200" dirty="0" err="1"/>
-              <a:t>Adjust</a:t>
-            </a:r>
-            <a:r>
-              <a:rPr lang="sv-SE" sz="3200" dirty="0"/>
-              <a:t> </a:t>
-            </a:r>
-            <a:r>
-              <a:rPr lang="sv-SE" sz="3200" dirty="0" err="1"/>
-              <a:t>type</a:t>
-            </a:r>
-            <a:r>
-              <a:rPr lang="sv-SE" sz="3200" dirty="0"/>
-              <a:t> </a:t>
-            </a:r>
-            <a:r>
-              <a:rPr lang="sv-SE" sz="3200" dirty="0" err="1"/>
-              <a:t>of</a:t>
-            </a:r>
-            <a:r>
-              <a:rPr lang="sv-SE" sz="3200" dirty="0"/>
-              <a:t> </a:t>
-            </a:r>
-            <a:r>
-              <a:rPr lang="sv-SE" sz="3200" dirty="0" err="1"/>
-              <a:t>size</a:t>
-            </a:r>
-            <a:r>
-              <a:rPr lang="sv-SE" sz="3200" dirty="0"/>
-              <a:t> </a:t>
-            </a:r>
-            <a:r>
-              <a:rPr lang="sv-SE" sz="3200" dirty="0" err="1"/>
-              <a:t>member</a:t>
-            </a:r>
-            <a:r>
-              <a:rPr lang="sv-SE" sz="3200" dirty="0"/>
-              <a:t> </a:t>
-            </a:r>
-            <a:r>
-              <a:rPr lang="sv-SE" sz="3200" dirty="0" err="1"/>
-              <a:t>depending</a:t>
-            </a:r>
-            <a:r>
-              <a:rPr lang="sv-SE" sz="3200" dirty="0"/>
-              <a:t> on </a:t>
-            </a:r>
-            <a:r>
-              <a:rPr lang="sv-SE" sz="3200" dirty="0" err="1"/>
-              <a:t>buffer</a:t>
-            </a:r>
-            <a:r>
-              <a:rPr lang="sv-SE" sz="3200" dirty="0"/>
-              <a:t> </a:t>
-            </a:r>
-            <a:r>
-              <a:rPr lang="sv-SE" sz="3200" dirty="0" err="1"/>
-              <a:t>size</a:t>
-            </a:r>
-            <a:r>
-              <a:rPr lang="sv-SE" sz="3200" dirty="0"/>
-              <a:t>.</a:t>
-            </a:r>
-            <a:endParaRPr lang="LID4096" sz="3200" dirty="0"/>
           </a:p>
           <a:p>
             <a:pPr marL="0" indent="0">
@@ -9614,7 +9635,7 @@
     </p:spTree>
     <p:extLst>
       <p:ext uri="{BB962C8B-B14F-4D97-AF65-F5344CB8AC3E}">
-        <p14:creationId xmlns:p14="http://schemas.microsoft.com/office/powerpoint/2010/main" val="1840643792"/>
+        <p14:creationId xmlns:p14="http://schemas.microsoft.com/office/powerpoint/2010/main" val="1409560430"/>
       </p:ext>
     </p:extLst>
   </p:cSld>
@@ -9624,7 +9645,7 @@
 </p:sld>
 </file>
 
-<file path=ppt/slides/slide6.xml><?xml version="1.0" encoding="utf-8"?>
+<file path=ppt/slides/slide4.xml><?xml version="1.0" encoding="utf-8"?>
 <p:sld xmlns:a="http://schemas.openxmlformats.org/drawingml/2006/main" xmlns:r="http://schemas.openxmlformats.org/officeDocument/2006/relationships" xmlns:p="http://schemas.openxmlformats.org/presentationml/2006/main">
   <p:cSld>
     <p:bg>
@@ -10204,7 +10225,7 @@
                   <a:srgbClr val="FFFFFF"/>
                 </a:solidFill>
               </a:rPr>
-              <a:t>New </a:t>
+              <a:t>Minimum </a:t>
             </a:r>
             <a:r>
               <a:rPr lang="sv-SE" sz="4000" dirty="0" err="1">
@@ -10212,7 +10233,39 @@
                   <a:srgbClr val="FFFFFF"/>
                 </a:solidFill>
               </a:rPr>
-              <a:t>allocators</a:t>
+              <a:t>rules</a:t>
+            </a:r>
+            <a:r>
+              <a:rPr lang="sv-SE" sz="4000" dirty="0">
+                <a:solidFill>
+                  <a:srgbClr val="FFFFFF"/>
+                </a:solidFill>
+              </a:rPr>
+              <a:t> for </a:t>
+            </a:r>
+            <a:r>
+              <a:rPr lang="sv-SE" sz="4000" dirty="0" err="1">
+                <a:solidFill>
+                  <a:srgbClr val="FFFFFF"/>
+                </a:solidFill>
+              </a:rPr>
+              <a:t>vector</a:t>
+            </a:r>
+            <a:r>
+              <a:rPr lang="sv-SE" sz="4000" dirty="0">
+                <a:solidFill>
+                  <a:srgbClr val="FFFFFF"/>
+                </a:solidFill>
+              </a:rPr>
+              <a:t> to </a:t>
+            </a:r>
+            <a:r>
+              <a:rPr lang="sv-SE" sz="4000" dirty="0" err="1">
+                <a:solidFill>
+                  <a:srgbClr val="FFFFFF"/>
+                </a:solidFill>
+              </a:rPr>
+              <a:t>follow</a:t>
             </a:r>
             <a:endParaRPr lang="LID4096" sz="4000" dirty="0">
               <a:solidFill>
@@ -10241,18 +10294,18 @@
         <p:spPr>
           <a:xfrm>
             <a:off x="1371599" y="2318197"/>
-            <a:ext cx="10474037" cy="3683358"/>
+            <a:ext cx="9724031" cy="3683358"/>
           </a:xfrm>
         </p:spPr>
         <p:txBody>
           <a:bodyPr anchor="ctr">
-            <a:normAutofit fontScale="92500" lnSpcReduction="10000"/>
+            <a:normAutofit/>
           </a:bodyPr>
           <a:lstStyle/>
           <a:p>
             <a:r>
               <a:rPr lang="sv-SE" sz="3200" dirty="0" err="1"/>
-              <a:t>One</a:t>
+              <a:t>Use</a:t>
             </a:r>
             <a:r>
               <a:rPr lang="sv-SE" sz="3200" dirty="0"/>
@@ -10260,7 +10313,7 @@
             </a:r>
             <a:r>
               <a:rPr lang="sv-SE" sz="3200" b="1" dirty="0" err="1"/>
-              <a:t>buffered_allocator</a:t>
+              <a:t>allocate_at_least</a:t>
             </a:r>
             <a:r>
               <a:rPr lang="sv-SE" sz="3200" b="1" dirty="0"/>
@@ -10268,15 +10321,7 @@
             </a:r>
             <a:r>
               <a:rPr lang="sv-SE" sz="3200" dirty="0" err="1"/>
-              <a:t>which</a:t>
-            </a:r>
-            <a:r>
-              <a:rPr lang="sv-SE" sz="3200" dirty="0"/>
-              <a:t> has a </a:t>
-            </a:r>
-            <a:r>
-              <a:rPr lang="sv-SE" sz="3200" dirty="0" err="1"/>
-              <a:t>backing</a:t>
+              <a:t>when</a:t>
             </a:r>
             <a:r>
               <a:rPr lang="sv-SE" sz="3200" dirty="0"/>
@@ -10284,499 +10329,171 @@
             </a:r>
             <a:r>
               <a:rPr lang="sv-SE" sz="3200" dirty="0" err="1"/>
+              <a:t>allocating</a:t>
+            </a:r>
+            <a:endParaRPr lang="sv-SE" sz="3200" dirty="0"/>
+          </a:p>
+          <a:p>
+            <a:r>
+              <a:rPr lang="sv-SE" sz="3200" dirty="0" err="1"/>
+              <a:t>Don’t</a:t>
+            </a:r>
+            <a:r>
+              <a:rPr lang="sv-SE" sz="3200" dirty="0"/>
+              <a:t> </a:t>
+            </a:r>
+            <a:r>
+              <a:rPr lang="sv-SE" sz="3200" dirty="0" err="1"/>
+              <a:t>allocate</a:t>
+            </a:r>
+            <a:r>
+              <a:rPr lang="sv-SE" sz="3200" dirty="0"/>
+              <a:t> </a:t>
+            </a:r>
+            <a:r>
+              <a:rPr lang="sv-SE" sz="3200" dirty="0" err="1"/>
+              <a:t>unless</a:t>
+            </a:r>
+            <a:r>
+              <a:rPr lang="sv-SE" sz="3200" dirty="0"/>
+              <a:t> </a:t>
+            </a:r>
+            <a:r>
+              <a:rPr lang="sv-SE" sz="3200" dirty="0" err="1"/>
+              <a:t>capacity</a:t>
+            </a:r>
+            <a:r>
+              <a:rPr lang="sv-SE" sz="3200" dirty="0"/>
+              <a:t> is </a:t>
+            </a:r>
+            <a:r>
+              <a:rPr lang="sv-SE" sz="3200" dirty="0" err="1"/>
+              <a:t>too</a:t>
+            </a:r>
+            <a:r>
+              <a:rPr lang="sv-SE" sz="3200" dirty="0"/>
+              <a:t> </a:t>
+            </a:r>
+            <a:r>
+              <a:rPr lang="sv-SE" sz="3200" dirty="0" err="1"/>
+              <a:t>low</a:t>
+            </a:r>
+            <a:endParaRPr lang="sv-SE" sz="3200" dirty="0"/>
+          </a:p>
+          <a:p>
+            <a:r>
+              <a:rPr lang="sv-SE" sz="3200" dirty="0" err="1"/>
+              <a:t>Handle</a:t>
+            </a:r>
+            <a:r>
+              <a:rPr lang="sv-SE" sz="3200" dirty="0"/>
+              <a:t> </a:t>
+            </a:r>
+            <a:r>
+              <a:rPr lang="sv-SE" sz="3200" dirty="0" err="1"/>
+              <a:t>move</a:t>
+            </a:r>
+            <a:r>
+              <a:rPr lang="sv-SE" sz="3200" dirty="0"/>
+              <a:t>/copy </a:t>
+            </a:r>
+            <a:r>
+              <a:rPr lang="sv-SE" sz="3200" dirty="0" err="1"/>
+              <a:t>when</a:t>
+            </a:r>
+            <a:r>
+              <a:rPr lang="sv-SE" sz="3200" dirty="0"/>
+              <a:t> source data is in SBO </a:t>
+            </a:r>
+            <a:r>
+              <a:rPr lang="sv-SE" sz="3200" dirty="0" err="1"/>
+              <a:t>buffer</a:t>
+            </a:r>
+            <a:r>
+              <a:rPr lang="sv-SE" sz="3200" dirty="0"/>
+              <a:t>. </a:t>
+            </a:r>
+            <a:r>
+              <a:rPr lang="sv-SE" sz="3200" dirty="0" err="1"/>
+              <a:t>This</a:t>
+            </a:r>
+            <a:r>
+              <a:rPr lang="sv-SE" sz="3200" dirty="0"/>
+              <a:t> </a:t>
+            </a:r>
+            <a:r>
+              <a:rPr lang="sv-SE" sz="3200" dirty="0" err="1"/>
+              <a:t>uses</a:t>
+            </a:r>
+            <a:r>
+              <a:rPr lang="sv-SE" sz="3200" dirty="0"/>
+              <a:t> a new </a:t>
+            </a:r>
+            <a:r>
+              <a:rPr lang="sv-SE" sz="3200" dirty="0" err="1"/>
               <a:t>allocator</a:t>
             </a:r>
-            <a:endParaRPr lang="sv-SE" sz="3200" dirty="0"/>
-          </a:p>
-          <a:p>
-            <a:r>
-              <a:rPr lang="sv-SE" sz="3200" dirty="0" err="1"/>
-              <a:t>One</a:t>
-            </a:r>
-            <a:r>
-              <a:rPr lang="sv-SE" sz="3200" dirty="0"/>
-              <a:t> or </a:t>
-            </a:r>
-            <a:r>
-              <a:rPr lang="sv-SE" sz="3200" dirty="0" err="1"/>
-              <a:t>more</a:t>
-            </a:r>
-            <a:r>
-              <a:rPr lang="sv-SE" sz="3200" dirty="0"/>
-              <a:t> non-</a:t>
-            </a:r>
-            <a:r>
-              <a:rPr lang="sv-SE" sz="3200" dirty="0" err="1"/>
-              <a:t>allocating</a:t>
-            </a:r>
             <a:r>
               <a:rPr lang="sv-SE" sz="3200" dirty="0"/>
               <a:t> </a:t>
             </a:r>
             <a:r>
               <a:rPr lang="sv-SE" sz="3200" dirty="0" err="1"/>
-              <a:t>allocators</a:t>
-            </a:r>
-            <a:r>
-              <a:rPr lang="sv-SE" sz="3200" dirty="0"/>
-              <a:t> for </a:t>
+              <a:t>trait</a:t>
+            </a:r>
+            <a:r>
+              <a:rPr lang="sv-SE" sz="3200" dirty="0"/>
+              <a:t> </a:t>
             </a:r>
             <a:r>
               <a:rPr lang="sv-SE" sz="3200" b="1" dirty="0" err="1"/>
-              <a:t>static_vector</a:t>
-            </a:r>
-            <a:endParaRPr lang="sv-SE" sz="3200" b="1" dirty="0"/>
-          </a:p>
-          <a:p>
-            <a:pPr marL="0" marR="0" lvl="0" indent="0" algn="l" defTabSz="914400" rtl="0" eaLnBrk="1" fontAlgn="auto" latinLnBrk="0" hangingPunct="1">
-              <a:lnSpc>
-                <a:spcPct val="90000"/>
-              </a:lnSpc>
-              <a:spcBef>
-                <a:spcPts val="1000"/>
-              </a:spcBef>
-              <a:spcAft>
-                <a:spcPts val="0"/>
-              </a:spcAft>
-              <a:buClrTx/>
-              <a:buSzTx/>
-              <a:buFont typeface="Arial" panose="020B0604020202020204" pitchFamily="34" charset="0"/>
-              <a:buNone/>
-              <a:tabLst/>
-              <a:defRPr/>
-            </a:pPr>
-            <a:endParaRPr lang="sv-SE" sz="1600" dirty="0">
-              <a:solidFill>
-                <a:prstClr val="black"/>
-              </a:solidFill>
-              <a:latin typeface="Consolas" panose="020B0609020204030204" pitchFamily="49" charset="0"/>
-            </a:endParaRPr>
-          </a:p>
-          <a:p>
-            <a:pPr marL="0" indent="0">
-              <a:buNone/>
-            </a:pPr>
-            <a:r>
-              <a:rPr lang="sv-SE" sz="1600" dirty="0">
-                <a:latin typeface="Consolas" panose="020B0609020204030204" pitchFamily="49" charset="0"/>
-              </a:rPr>
-              <a:t>Template&lt;</a:t>
-            </a:r>
-            <a:r>
-              <a:rPr lang="sv-SE" sz="1600" dirty="0" err="1">
-                <a:latin typeface="Consolas" panose="020B0609020204030204" pitchFamily="49" charset="0"/>
-              </a:rPr>
-              <a:t>typename</a:t>
-            </a:r>
-            <a:r>
-              <a:rPr lang="sv-SE" sz="1600" dirty="0">
-                <a:latin typeface="Consolas" panose="020B0609020204030204" pitchFamily="49" charset="0"/>
-              </a:rPr>
-              <a:t> T, </a:t>
-            </a:r>
-            <a:r>
-              <a:rPr lang="sv-SE" sz="1600" dirty="0" err="1">
-                <a:latin typeface="Consolas" panose="020B0609020204030204" pitchFamily="49" charset="0"/>
-              </a:rPr>
-              <a:t>size_t</a:t>
-            </a:r>
-            <a:r>
-              <a:rPr lang="sv-SE" sz="1600" dirty="0">
-                <a:latin typeface="Consolas" panose="020B0609020204030204" pitchFamily="49" charset="0"/>
-              </a:rPr>
-              <a:t> SZ, </a:t>
-            </a:r>
-            <a:r>
-              <a:rPr lang="sv-SE" sz="1600" dirty="0" err="1">
-                <a:latin typeface="Consolas" panose="020B0609020204030204" pitchFamily="49" charset="0"/>
-              </a:rPr>
-              <a:t>typename</a:t>
-            </a:r>
-            <a:r>
-              <a:rPr lang="sv-SE" sz="1600" dirty="0">
-                <a:latin typeface="Consolas" panose="020B0609020204030204" pitchFamily="49" charset="0"/>
-              </a:rPr>
+              <a:t>buffer_capacity</a:t>
+            </a:r>
+            <a:r>
+              <a:rPr lang="sv-SE" sz="3200" dirty="0"/>
+              <a:t>.</a:t>
+            </a:r>
+          </a:p>
+          <a:p>
+            <a:r>
+              <a:rPr lang="sv-SE" sz="3200" dirty="0" err="1"/>
+              <a:t>Detect</a:t>
+            </a:r>
+            <a:r>
+              <a:rPr lang="sv-SE" sz="3200" dirty="0"/>
               <a:t> </a:t>
             </a:r>
             <a:r>
-              <a:rPr lang="sv-SE" sz="1600" dirty="0" err="1">
-                <a:latin typeface="Consolas" panose="020B0609020204030204" pitchFamily="49" charset="0"/>
-              </a:rPr>
-              <a:t>Backing</a:t>
-            </a:r>
-            <a:r>
-              <a:rPr lang="sv-SE" sz="1600" dirty="0">
-                <a:latin typeface="Consolas" panose="020B0609020204030204" pitchFamily="49" charset="0"/>
-              </a:rPr>
-              <a:t>&gt; </a:t>
-            </a:r>
-            <a:r>
-              <a:rPr lang="sv-SE" sz="1600" dirty="0" err="1">
-                <a:latin typeface="Consolas" panose="020B0609020204030204" pitchFamily="49" charset="0"/>
-              </a:rPr>
-              <a:t>std</a:t>
-            </a:r>
-            <a:r>
-              <a:rPr lang="sv-SE" sz="1600" dirty="0">
-                <a:latin typeface="Consolas" panose="020B0609020204030204" pitchFamily="49" charset="0"/>
-              </a:rPr>
-              <a:t>::</a:t>
-            </a:r>
-            <a:r>
-              <a:rPr lang="sv-SE" sz="1600" dirty="0" err="1">
-                <a:latin typeface="Consolas" panose="020B0609020204030204" pitchFamily="49" charset="0"/>
-              </a:rPr>
-              <a:t>buffered_allocator</a:t>
-            </a:r>
-            <a:r>
-              <a:rPr lang="sv-SE" sz="1600" dirty="0">
-                <a:latin typeface="Consolas" panose="020B0609020204030204" pitchFamily="49" charset="0"/>
-              </a:rPr>
-              <a:t> {</a:t>
-            </a:r>
-          </a:p>
-          <a:p>
-            <a:pPr marL="0" indent="0">
-              <a:buNone/>
-            </a:pPr>
-            <a:r>
-              <a:rPr lang="sv-SE" sz="1600" dirty="0">
-                <a:latin typeface="Consolas" panose="020B0609020204030204" pitchFamily="49" charset="0"/>
-              </a:rPr>
-              <a:t>    // </a:t>
-            </a:r>
-            <a:r>
-              <a:rPr lang="sv-SE" sz="1600" dirty="0" err="1">
-                <a:latin typeface="Consolas" panose="020B0609020204030204" pitchFamily="49" charset="0"/>
-              </a:rPr>
-              <a:t>Contains</a:t>
-            </a:r>
-            <a:r>
-              <a:rPr lang="sv-SE" sz="1600" dirty="0">
-                <a:latin typeface="Consolas" panose="020B0609020204030204" pitchFamily="49" charset="0"/>
-              </a:rPr>
-              <a:t> a </a:t>
-            </a:r>
-            <a:r>
-              <a:rPr lang="sv-SE" sz="1600" dirty="0" err="1">
-                <a:latin typeface="Consolas" panose="020B0609020204030204" pitchFamily="49" charset="0"/>
-              </a:rPr>
-              <a:t>buffer</a:t>
-            </a:r>
-            <a:r>
-              <a:rPr lang="sv-SE" sz="1600" dirty="0">
-                <a:latin typeface="Consolas" panose="020B0609020204030204" pitchFamily="49" charset="0"/>
-              </a:rPr>
-              <a:t> and forwards </a:t>
-            </a:r>
-            <a:r>
-              <a:rPr lang="sv-SE" sz="1600" dirty="0" err="1">
-                <a:latin typeface="Consolas" panose="020B0609020204030204" pitchFamily="49" charset="0"/>
-              </a:rPr>
-              <a:t>overflowing</a:t>
-            </a:r>
-            <a:r>
-              <a:rPr lang="sv-SE" sz="1600" dirty="0">
-                <a:latin typeface="Consolas" panose="020B0609020204030204" pitchFamily="49" charset="0"/>
-              </a:rPr>
+              <a:rPr lang="sv-SE" sz="3200" dirty="0" err="1"/>
+              <a:t>attempts</a:t>
+            </a:r>
+            <a:r>
+              <a:rPr lang="sv-SE" sz="3200" dirty="0"/>
+              <a:t> to </a:t>
+            </a:r>
+            <a:r>
+              <a:rPr lang="sv-SE" sz="3200" dirty="0" err="1"/>
+              <a:t>use</a:t>
+            </a:r>
+            <a:r>
+              <a:rPr lang="sv-SE" sz="3200" dirty="0"/>
               <a:t> </a:t>
             </a:r>
             <a:r>
-              <a:rPr lang="sv-SE" sz="1600" dirty="0" err="1">
-                <a:latin typeface="Consolas" panose="020B0609020204030204" pitchFamily="49" charset="0"/>
-              </a:rPr>
-              <a:t>allocatíons</a:t>
-            </a:r>
-            <a:r>
-              <a:rPr lang="sv-SE" sz="1600" dirty="0">
-                <a:latin typeface="Consolas" panose="020B0609020204030204" pitchFamily="49" charset="0"/>
-              </a:rPr>
-              <a:t> to </a:t>
-            </a:r>
-            <a:r>
-              <a:rPr lang="sv-SE" sz="1600" dirty="0" err="1">
-                <a:latin typeface="Consolas" panose="020B0609020204030204" pitchFamily="49" charset="0"/>
-              </a:rPr>
-              <a:t>Backing</a:t>
-            </a:r>
-            <a:r>
-              <a:rPr lang="sv-SE" sz="1600" dirty="0">
-                <a:latin typeface="Consolas" panose="020B0609020204030204" pitchFamily="49" charset="0"/>
-              </a:rPr>
-              <a:t> </a:t>
-            </a:r>
-            <a:r>
-              <a:rPr lang="sv-SE" sz="1600" dirty="0" err="1">
-                <a:latin typeface="Consolas" panose="020B0609020204030204" pitchFamily="49" charset="0"/>
-              </a:rPr>
+              <a:rPr lang="sv-SE" sz="3200" dirty="0" err="1"/>
               <a:t>allocator</a:t>
             </a:r>
-            <a:endParaRPr lang="sv-SE" sz="1600" dirty="0">
-              <a:solidFill>
-                <a:schemeClr val="accent1"/>
-              </a:solidFill>
-              <a:latin typeface="Consolas" panose="020B0609020204030204" pitchFamily="49" charset="0"/>
-            </a:endParaRPr>
-          </a:p>
-          <a:p>
-            <a:pPr marL="0" indent="0">
-              <a:buNone/>
-            </a:pPr>
-            <a:r>
-              <a:rPr lang="sv-SE" sz="1600" dirty="0">
-                <a:latin typeface="Consolas" panose="020B0609020204030204" pitchFamily="49" charset="0"/>
-              </a:rPr>
-              <a:t>};</a:t>
-            </a:r>
-            <a:br>
-              <a:rPr lang="sv-SE" sz="1600" dirty="0">
-                <a:latin typeface="Consolas" panose="020B0609020204030204" pitchFamily="49" charset="0"/>
-              </a:rPr>
-            </a:br>
-            <a:br>
-              <a:rPr lang="sv-SE" sz="1600" dirty="0">
-                <a:latin typeface="Consolas" panose="020B0609020204030204" pitchFamily="49" charset="0"/>
-              </a:rPr>
-            </a:br>
-            <a:endParaRPr lang="sv-SE" sz="1600" dirty="0">
-              <a:latin typeface="Consolas" panose="020B0609020204030204" pitchFamily="49" charset="0"/>
-            </a:endParaRPr>
-          </a:p>
-          <a:p>
-            <a:pPr marL="0" indent="0">
-              <a:buNone/>
-            </a:pPr>
-            <a:r>
-              <a:rPr lang="sv-SE" sz="1600" dirty="0">
-                <a:latin typeface="Consolas" panose="020B0609020204030204" pitchFamily="49" charset="0"/>
-              </a:rPr>
-              <a:t>template&lt;</a:t>
-            </a:r>
-            <a:r>
-              <a:rPr lang="sv-SE" sz="1600" dirty="0" err="1">
-                <a:latin typeface="Consolas" panose="020B0609020204030204" pitchFamily="49" charset="0"/>
-              </a:rPr>
-              <a:t>typename</a:t>
-            </a:r>
-            <a:r>
-              <a:rPr lang="sv-SE" sz="1600" dirty="0">
-                <a:latin typeface="Consolas" panose="020B0609020204030204" pitchFamily="49" charset="0"/>
-              </a:rPr>
-              <a:t> T&gt; </a:t>
-            </a:r>
-            <a:r>
-              <a:rPr lang="sv-SE" sz="1600" dirty="0" err="1">
-                <a:latin typeface="Consolas" panose="020B0609020204030204" pitchFamily="49" charset="0"/>
-              </a:rPr>
-              <a:t>struct</a:t>
-            </a:r>
-            <a:r>
-              <a:rPr lang="sv-SE" sz="1600" dirty="0">
-                <a:latin typeface="Consolas" panose="020B0609020204030204" pitchFamily="49" charset="0"/>
-              </a:rPr>
-              <a:t> </a:t>
-            </a:r>
-            <a:r>
-              <a:rPr lang="sv-SE" sz="1600" dirty="0" err="1">
-                <a:latin typeface="Consolas" panose="020B0609020204030204" pitchFamily="49" charset="0"/>
-              </a:rPr>
-              <a:t>terminating_allocator</a:t>
-            </a:r>
-            <a:r>
-              <a:rPr lang="sv-SE" sz="1600" dirty="0">
-                <a:latin typeface="Consolas" panose="020B0609020204030204" pitchFamily="49" charset="0"/>
-              </a:rPr>
-              <a:t>;   // </a:t>
-            </a:r>
-            <a:r>
-              <a:rPr lang="sv-SE" sz="1600" dirty="0" err="1">
-                <a:latin typeface="Consolas" panose="020B0609020204030204" pitchFamily="49" charset="0"/>
-              </a:rPr>
-              <a:t>Terminate</a:t>
-            </a:r>
-            <a:r>
-              <a:rPr lang="sv-SE" sz="1600" dirty="0">
-                <a:latin typeface="Consolas" panose="020B0609020204030204" pitchFamily="49" charset="0"/>
-              </a:rPr>
-              <a:t> in </a:t>
-            </a:r>
-            <a:r>
-              <a:rPr lang="sv-SE" sz="1600" dirty="0" err="1">
-                <a:latin typeface="Consolas" panose="020B0609020204030204" pitchFamily="49" charset="0"/>
-              </a:rPr>
-              <a:t>alloc</a:t>
-            </a:r>
-            <a:r>
-              <a:rPr lang="sv-SE" sz="1600" dirty="0">
-                <a:latin typeface="Consolas" panose="020B0609020204030204" pitchFamily="49" charset="0"/>
-              </a:rPr>
-              <a:t>()</a:t>
-            </a:r>
-          </a:p>
-          <a:p>
-            <a:pPr marL="0" indent="0">
-              <a:buNone/>
-            </a:pPr>
-            <a:r>
-              <a:rPr lang="sv-SE" sz="1600" dirty="0">
-                <a:latin typeface="Consolas" panose="020B0609020204030204" pitchFamily="49" charset="0"/>
-              </a:rPr>
-              <a:t>template&lt;</a:t>
-            </a:r>
-            <a:r>
-              <a:rPr lang="sv-SE" sz="1600" dirty="0" err="1">
-                <a:latin typeface="Consolas" panose="020B0609020204030204" pitchFamily="49" charset="0"/>
-              </a:rPr>
-              <a:t>typename</a:t>
-            </a:r>
-            <a:r>
-              <a:rPr lang="sv-SE" sz="1600" dirty="0">
-                <a:latin typeface="Consolas" panose="020B0609020204030204" pitchFamily="49" charset="0"/>
-              </a:rPr>
-              <a:t> T&gt; </a:t>
-            </a:r>
-            <a:r>
-              <a:rPr lang="sv-SE" sz="1600" dirty="0" err="1">
-                <a:latin typeface="Consolas" panose="020B0609020204030204" pitchFamily="49" charset="0"/>
-              </a:rPr>
-              <a:t>struct</a:t>
-            </a:r>
-            <a:r>
-              <a:rPr lang="sv-SE" sz="1600" dirty="0">
-                <a:latin typeface="Consolas" panose="020B0609020204030204" pitchFamily="49" charset="0"/>
-              </a:rPr>
-              <a:t> </a:t>
-            </a:r>
-            <a:r>
-              <a:rPr lang="sv-SE" sz="1600" dirty="0" err="1">
-                <a:latin typeface="Consolas" panose="020B0609020204030204" pitchFamily="49" charset="0"/>
-              </a:rPr>
-              <a:t>throwing_allocator</a:t>
-            </a:r>
-            <a:r>
-              <a:rPr lang="sv-SE" sz="1600" dirty="0">
-                <a:latin typeface="Consolas" panose="020B0609020204030204" pitchFamily="49" charset="0"/>
-              </a:rPr>
-              <a:t>;	    // </a:t>
-            </a:r>
-            <a:r>
-              <a:rPr lang="sv-SE" sz="1600" dirty="0" err="1">
-                <a:latin typeface="Consolas" panose="020B0609020204030204" pitchFamily="49" charset="0"/>
-              </a:rPr>
-              <a:t>Throw</a:t>
-            </a:r>
-            <a:r>
-              <a:rPr lang="sv-SE" sz="1600" dirty="0">
-                <a:latin typeface="Consolas" panose="020B0609020204030204" pitchFamily="49" charset="0"/>
-              </a:rPr>
-              <a:t> </a:t>
-            </a:r>
-            <a:r>
-              <a:rPr lang="sv-SE" sz="1600" dirty="0" err="1">
-                <a:latin typeface="Consolas" panose="020B0609020204030204" pitchFamily="49" charset="0"/>
-              </a:rPr>
-              <a:t>bad_alloc</a:t>
-            </a:r>
-            <a:r>
-              <a:rPr lang="sv-SE" sz="1600" dirty="0">
-                <a:latin typeface="Consolas" panose="020B0609020204030204" pitchFamily="49" charset="0"/>
-              </a:rPr>
-              <a:t> in </a:t>
-            </a:r>
-            <a:r>
-              <a:rPr lang="sv-SE" sz="1600" dirty="0" err="1">
-                <a:latin typeface="Consolas" panose="020B0609020204030204" pitchFamily="49" charset="0"/>
-              </a:rPr>
-              <a:t>alloc</a:t>
-            </a:r>
-            <a:r>
-              <a:rPr lang="sv-SE" sz="1600" dirty="0">
-                <a:latin typeface="Consolas" panose="020B0609020204030204" pitchFamily="49" charset="0"/>
-              </a:rPr>
-              <a:t>()</a:t>
-            </a:r>
-          </a:p>
-          <a:p>
-            <a:pPr marL="0" indent="0">
-              <a:buNone/>
-            </a:pPr>
-            <a:r>
-              <a:rPr lang="sv-SE" sz="1600" dirty="0">
-                <a:latin typeface="Consolas" panose="020B0609020204030204" pitchFamily="49" charset="0"/>
-              </a:rPr>
-              <a:t>template&lt;</a:t>
-            </a:r>
-            <a:r>
-              <a:rPr lang="sv-SE" sz="1600" dirty="0" err="1">
-                <a:latin typeface="Consolas" panose="020B0609020204030204" pitchFamily="49" charset="0"/>
-              </a:rPr>
-              <a:t>typename</a:t>
-            </a:r>
-            <a:r>
-              <a:rPr lang="sv-SE" sz="1600" dirty="0">
-                <a:latin typeface="Consolas" panose="020B0609020204030204" pitchFamily="49" charset="0"/>
-              </a:rPr>
-              <a:t> T&gt; </a:t>
-            </a:r>
-            <a:r>
-              <a:rPr lang="sv-SE" sz="1600" dirty="0" err="1">
-                <a:latin typeface="Consolas" panose="020B0609020204030204" pitchFamily="49" charset="0"/>
-              </a:rPr>
-              <a:t>struct</a:t>
-            </a:r>
-            <a:r>
-              <a:rPr lang="sv-SE" sz="1600" dirty="0">
-                <a:latin typeface="Consolas" panose="020B0609020204030204" pitchFamily="49" charset="0"/>
-              </a:rPr>
-              <a:t> </a:t>
-            </a:r>
-            <a:r>
-              <a:rPr lang="sv-SE" sz="1600" dirty="0" err="1">
-                <a:latin typeface="Consolas" panose="020B0609020204030204" pitchFamily="49" charset="0"/>
-              </a:rPr>
-              <a:t>unchecked_allocator</a:t>
-            </a:r>
-            <a:r>
-              <a:rPr lang="sv-SE" sz="1600" dirty="0">
-                <a:latin typeface="Consolas" panose="020B0609020204030204" pitchFamily="49" charset="0"/>
-              </a:rPr>
-              <a:t>;	    // </a:t>
-            </a:r>
-            <a:r>
-              <a:rPr lang="sv-SE" sz="1600" dirty="0" err="1">
-                <a:latin typeface="Consolas" panose="020B0609020204030204" pitchFamily="49" charset="0"/>
-              </a:rPr>
-              <a:t>Return</a:t>
-            </a:r>
-            <a:r>
-              <a:rPr lang="sv-SE" sz="1600" dirty="0">
-                <a:latin typeface="Consolas" panose="020B0609020204030204" pitchFamily="49" charset="0"/>
-              </a:rPr>
-              <a:t> </a:t>
-            </a:r>
-            <a:r>
-              <a:rPr lang="sv-SE" sz="1600" dirty="0" err="1">
-                <a:latin typeface="Consolas" panose="020B0609020204030204" pitchFamily="49" charset="0"/>
-              </a:rPr>
-              <a:t>nullptr</a:t>
-            </a:r>
-            <a:r>
-              <a:rPr lang="sv-SE" sz="1600" dirty="0">
-                <a:latin typeface="Consolas" panose="020B0609020204030204" pitchFamily="49" charset="0"/>
-              </a:rPr>
-              <a:t> from </a:t>
-            </a:r>
-            <a:r>
-              <a:rPr lang="sv-SE" sz="1600" dirty="0" err="1">
-                <a:latin typeface="Consolas" panose="020B0609020204030204" pitchFamily="49" charset="0"/>
-              </a:rPr>
-              <a:t>alloc</a:t>
-            </a:r>
-            <a:r>
-              <a:rPr lang="sv-SE" sz="1600" dirty="0">
-                <a:latin typeface="Consolas" panose="020B0609020204030204" pitchFamily="49" charset="0"/>
-              </a:rPr>
-              <a:t>().</a:t>
+            <a:r>
+              <a:rPr lang="sv-SE" sz="3200" dirty="0"/>
+              <a:t> as </a:t>
+            </a:r>
+            <a:r>
+              <a:rPr lang="sv-SE" sz="3200" dirty="0" err="1"/>
+              <a:t>scoped</a:t>
+            </a:r>
+            <a:r>
+              <a:rPr lang="sv-SE" sz="3200" dirty="0"/>
+              <a:t>.</a:t>
             </a:r>
           </a:p>
         </p:txBody>
@@ -10784,7 +10501,7 @@
     </p:spTree>
     <p:extLst>
       <p:ext uri="{BB962C8B-B14F-4D97-AF65-F5344CB8AC3E}">
-        <p14:creationId xmlns:p14="http://schemas.microsoft.com/office/powerpoint/2010/main" val="1124886138"/>
+        <p14:creationId xmlns:p14="http://schemas.microsoft.com/office/powerpoint/2010/main" val="338641806"/>
       </p:ext>
     </p:extLst>
   </p:cSld>
@@ -10794,7 +10511,7 @@
 </p:sld>
 </file>
 
-<file path=ppt/slides/slide7.xml><?xml version="1.0" encoding="utf-8"?>
+<file path=ppt/slides/slide5.xml><?xml version="1.0" encoding="utf-8"?>
 <p:sld xmlns:a="http://schemas.openxmlformats.org/drawingml/2006/main" xmlns:r="http://schemas.openxmlformats.org/officeDocument/2006/relationships" xmlns:p="http://schemas.openxmlformats.org/presentationml/2006/main">
   <p:cSld>
     <p:bg>
@@ -11374,7 +11091,7 @@
                   <a:srgbClr val="FFFFFF"/>
                 </a:solidFill>
               </a:rPr>
-              <a:t>Convenient</a:t>
+              <a:t>Optimizations</a:t>
             </a:r>
             <a:r>
               <a:rPr lang="sv-SE" sz="4000" dirty="0">
@@ -11390,7 +11107,7 @@
                   <a:srgbClr val="FFFFFF"/>
                 </a:solidFill>
               </a:rPr>
-              <a:t>type</a:t>
+              <a:t>vector</a:t>
             </a:r>
             <a:r>
               <a:rPr lang="sv-SE" sz="4000" dirty="0">
@@ -11406,7 +11123,15 @@
                   <a:srgbClr val="FFFFFF"/>
                 </a:solidFill>
               </a:rPr>
-              <a:t>aliases</a:t>
+              <a:t>can</a:t>
+            </a:r>
+            <a:r>
+              <a:rPr lang="sv-SE" sz="4000" dirty="0">
+                <a:solidFill>
+                  <a:srgbClr val="FFFFFF"/>
+                </a:solidFill>
+              </a:rPr>
+              <a:t> do</a:t>
             </a:r>
             <a:endParaRPr lang="LID4096" sz="4000" dirty="0">
               <a:solidFill>
@@ -11435,7 +11160,7 @@
         <p:spPr>
           <a:xfrm>
             <a:off x="1371599" y="2318197"/>
-            <a:ext cx="10474037" cy="3683358"/>
+            <a:ext cx="9724031" cy="3683358"/>
           </a:xfrm>
         </p:spPr>
         <p:txBody>
@@ -11444,264 +11169,184 @@
           </a:bodyPr>
           <a:lstStyle/>
           <a:p>
+            <a:r>
+              <a:rPr lang="sv-SE" sz="3200" dirty="0" err="1"/>
+              <a:t>Specialize</a:t>
+            </a:r>
+            <a:r>
+              <a:rPr lang="sv-SE" sz="3200" dirty="0"/>
+              <a:t> on </a:t>
+            </a:r>
+            <a:r>
+              <a:rPr lang="sv-SE" sz="3200" b="1" dirty="0" err="1"/>
+              <a:t>can_allocate</a:t>
+            </a:r>
+            <a:r>
+              <a:rPr lang="sv-SE" sz="3200" b="1" dirty="0"/>
+              <a:t> </a:t>
+            </a:r>
+            <a:r>
+              <a:rPr lang="sv-SE" sz="3200" dirty="0" err="1"/>
+              <a:t>trait</a:t>
+            </a:r>
+            <a:r>
+              <a:rPr lang="sv-SE" sz="3200" dirty="0"/>
+              <a:t> </a:t>
+            </a:r>
+            <a:r>
+              <a:rPr lang="sv-SE" sz="3200" dirty="0" err="1"/>
+              <a:t>of</a:t>
+            </a:r>
+            <a:r>
+              <a:rPr lang="sv-SE" sz="3200" dirty="0"/>
+              <a:t> </a:t>
+            </a:r>
+            <a:r>
+              <a:rPr lang="sv-SE" sz="3200" dirty="0" err="1"/>
+              <a:t>allocator</a:t>
+            </a:r>
+            <a:r>
+              <a:rPr lang="sv-SE" sz="3200" dirty="0"/>
+              <a:t>.</a:t>
+            </a:r>
+          </a:p>
+          <a:p>
+            <a:r>
+              <a:rPr lang="sv-SE" sz="3200" dirty="0" err="1"/>
+              <a:t>Only</a:t>
+            </a:r>
+            <a:r>
+              <a:rPr lang="sv-SE" sz="3200" dirty="0"/>
+              <a:t> store a </a:t>
+            </a:r>
+            <a:r>
+              <a:rPr lang="sv-SE" sz="3200" dirty="0" err="1"/>
+              <a:t>size</a:t>
+            </a:r>
+            <a:r>
+              <a:rPr lang="sv-SE" sz="3200" dirty="0"/>
+              <a:t> </a:t>
+            </a:r>
+            <a:r>
+              <a:rPr lang="sv-SE" sz="3200" dirty="0" err="1"/>
+              <a:t>member</a:t>
+            </a:r>
+            <a:r>
+              <a:rPr lang="sv-SE" sz="3200" dirty="0"/>
+              <a:t> </a:t>
+            </a:r>
+            <a:r>
+              <a:rPr lang="sv-SE" sz="3200" dirty="0" err="1"/>
+              <a:t>if</a:t>
+            </a:r>
+            <a:r>
+              <a:rPr lang="sv-SE" sz="3200" dirty="0"/>
+              <a:t> </a:t>
+            </a:r>
+            <a:r>
+              <a:rPr lang="sv-SE" sz="3200" dirty="0" err="1"/>
+              <a:t>allocator</a:t>
+            </a:r>
+            <a:r>
+              <a:rPr lang="sv-SE" sz="3200" dirty="0"/>
+              <a:t> </a:t>
+            </a:r>
+            <a:r>
+              <a:rPr lang="sv-SE" sz="3200" dirty="0" err="1"/>
+              <a:t>can’t</a:t>
+            </a:r>
+            <a:r>
+              <a:rPr lang="sv-SE" sz="3200" dirty="0"/>
+              <a:t> </a:t>
+            </a:r>
+            <a:r>
+              <a:rPr lang="sv-SE" sz="3200" dirty="0" err="1"/>
+              <a:t>allocate</a:t>
+            </a:r>
+            <a:r>
+              <a:rPr lang="sv-SE" sz="3200" dirty="0"/>
+              <a:t>.</a:t>
+            </a:r>
+          </a:p>
+          <a:p>
+            <a:r>
+              <a:rPr lang="sv-SE" sz="3200" dirty="0" err="1"/>
+              <a:t>Adjust</a:t>
+            </a:r>
+            <a:r>
+              <a:rPr lang="sv-SE" sz="3200" dirty="0"/>
+              <a:t> </a:t>
+            </a:r>
+            <a:r>
+              <a:rPr lang="sv-SE" sz="3200" dirty="0" err="1"/>
+              <a:t>type</a:t>
+            </a:r>
+            <a:r>
+              <a:rPr lang="sv-SE" sz="3200" dirty="0"/>
+              <a:t> </a:t>
+            </a:r>
+            <a:r>
+              <a:rPr lang="sv-SE" sz="3200" dirty="0" err="1"/>
+              <a:t>of</a:t>
+            </a:r>
+            <a:r>
+              <a:rPr lang="sv-SE" sz="3200" dirty="0"/>
+              <a:t> </a:t>
+            </a:r>
+            <a:r>
+              <a:rPr lang="sv-SE" sz="3200" dirty="0" err="1"/>
+              <a:t>size</a:t>
+            </a:r>
+            <a:r>
+              <a:rPr lang="sv-SE" sz="3200" dirty="0"/>
+              <a:t> </a:t>
+            </a:r>
+            <a:r>
+              <a:rPr lang="sv-SE" sz="3200" dirty="0" err="1"/>
+              <a:t>member</a:t>
+            </a:r>
+            <a:r>
+              <a:rPr lang="sv-SE" sz="3200" dirty="0"/>
+              <a:t> </a:t>
+            </a:r>
+            <a:r>
+              <a:rPr lang="sv-SE" sz="3200" dirty="0" err="1"/>
+              <a:t>depending</a:t>
+            </a:r>
+            <a:r>
+              <a:rPr lang="sv-SE" sz="3200" dirty="0"/>
+              <a:t> on </a:t>
+            </a:r>
+            <a:r>
+              <a:rPr lang="sv-SE" sz="3200" dirty="0" err="1"/>
+              <a:t>buffer</a:t>
+            </a:r>
+            <a:r>
+              <a:rPr lang="sv-SE" sz="3200" dirty="0"/>
+              <a:t> </a:t>
+            </a:r>
+            <a:r>
+              <a:rPr lang="sv-SE" sz="3200" dirty="0" err="1"/>
+              <a:t>size</a:t>
+            </a:r>
+            <a:r>
+              <a:rPr lang="sv-SE" sz="3200" dirty="0"/>
+              <a:t>.</a:t>
+            </a:r>
+            <a:endParaRPr lang="LID4096" sz="3200" dirty="0"/>
+          </a:p>
+          <a:p>
             <a:pPr marL="0" indent="0">
               <a:buNone/>
             </a:pPr>
-            <a:r>
-              <a:rPr lang="sv-SE" sz="1600" dirty="0">
-                <a:latin typeface="Consolas" panose="020B0609020204030204" pitchFamily="49" charset="0"/>
-              </a:rPr>
-              <a:t>template&lt;</a:t>
-            </a:r>
-            <a:r>
-              <a:rPr lang="sv-SE" sz="1600" dirty="0" err="1">
-                <a:latin typeface="Consolas" panose="020B0609020204030204" pitchFamily="49" charset="0"/>
-              </a:rPr>
-              <a:t>typename</a:t>
-            </a:r>
-            <a:r>
-              <a:rPr lang="sv-SE" sz="1600" dirty="0">
-                <a:latin typeface="Consolas" panose="020B0609020204030204" pitchFamily="49" charset="0"/>
-              </a:rPr>
-              <a:t> T, </a:t>
-            </a:r>
-            <a:r>
-              <a:rPr lang="sv-SE" sz="1600" dirty="0" err="1">
-                <a:latin typeface="Consolas" panose="020B0609020204030204" pitchFamily="49" charset="0"/>
-              </a:rPr>
-              <a:t>size_t</a:t>
-            </a:r>
-            <a:r>
-              <a:rPr lang="sv-SE" sz="1600" dirty="0">
-                <a:latin typeface="Consolas" panose="020B0609020204030204" pitchFamily="49" charset="0"/>
-              </a:rPr>
-              <a:t> SZ&gt; </a:t>
-            </a:r>
-            <a:r>
-              <a:rPr lang="sv-SE" sz="1600" dirty="0" err="1">
-                <a:latin typeface="Consolas" panose="020B0609020204030204" pitchFamily="49" charset="0"/>
-              </a:rPr>
-              <a:t>using</a:t>
-            </a:r>
-            <a:r>
-              <a:rPr lang="sv-SE" sz="1600" dirty="0">
-                <a:latin typeface="Consolas" panose="020B0609020204030204" pitchFamily="49" charset="0"/>
-              </a:rPr>
-              <a:t> </a:t>
-            </a:r>
-            <a:r>
-              <a:rPr lang="sv-SE" sz="1600" dirty="0" err="1">
-                <a:latin typeface="Consolas" panose="020B0609020204030204" pitchFamily="49" charset="0"/>
-              </a:rPr>
-              <a:t>sbo_vector</a:t>
-            </a:r>
-            <a:r>
-              <a:rPr lang="sv-SE" sz="1600" dirty="0">
-                <a:latin typeface="Consolas" panose="020B0609020204030204" pitchFamily="49" charset="0"/>
-              </a:rPr>
-              <a:t>;		// Bike </a:t>
-            </a:r>
-            <a:r>
-              <a:rPr lang="sv-SE" sz="1600" dirty="0" err="1">
-                <a:latin typeface="Consolas" panose="020B0609020204030204" pitchFamily="49" charset="0"/>
-              </a:rPr>
-              <a:t>shedding</a:t>
-            </a:r>
-            <a:r>
-              <a:rPr lang="sv-SE" sz="1600" dirty="0">
-                <a:latin typeface="Consolas" panose="020B0609020204030204" pitchFamily="49" charset="0"/>
-              </a:rPr>
-              <a:t> </a:t>
-            </a:r>
-            <a:r>
-              <a:rPr lang="sv-SE" sz="1600" dirty="0" err="1">
-                <a:latin typeface="Consolas" panose="020B0609020204030204" pitchFamily="49" charset="0"/>
-              </a:rPr>
-              <a:t>needed</a:t>
-            </a:r>
-            <a:r>
-              <a:rPr lang="sv-SE" sz="1600" dirty="0">
-                <a:latin typeface="Consolas" panose="020B0609020204030204" pitchFamily="49" charset="0"/>
-              </a:rPr>
-              <a:t>!</a:t>
-            </a:r>
-          </a:p>
-          <a:p>
-            <a:pPr marL="0" indent="0">
-              <a:buNone/>
-            </a:pPr>
-            <a:r>
-              <a:rPr lang="sv-SE" sz="1600" dirty="0">
-                <a:latin typeface="Consolas" panose="020B0609020204030204" pitchFamily="49" charset="0"/>
-              </a:rPr>
-              <a:t>template&lt;</a:t>
-            </a:r>
-            <a:r>
-              <a:rPr lang="sv-SE" sz="1600" dirty="0" err="1">
-                <a:latin typeface="Consolas" panose="020B0609020204030204" pitchFamily="49" charset="0"/>
-              </a:rPr>
-              <a:t>typename</a:t>
-            </a:r>
-            <a:r>
-              <a:rPr lang="sv-SE" sz="1600" dirty="0">
-                <a:latin typeface="Consolas" panose="020B0609020204030204" pitchFamily="49" charset="0"/>
-              </a:rPr>
-              <a:t> T, </a:t>
-            </a:r>
-            <a:r>
-              <a:rPr lang="sv-SE" sz="1600" dirty="0" err="1">
-                <a:latin typeface="Consolas" panose="020B0609020204030204" pitchFamily="49" charset="0"/>
-              </a:rPr>
-              <a:t>size_t</a:t>
-            </a:r>
-            <a:r>
-              <a:rPr lang="sv-SE" sz="1600" dirty="0">
-                <a:latin typeface="Consolas" panose="020B0609020204030204" pitchFamily="49" charset="0"/>
-              </a:rPr>
-              <a:t> SZ&gt; </a:t>
-            </a:r>
-            <a:r>
-              <a:rPr lang="sv-SE" sz="1600" dirty="0" err="1">
-                <a:latin typeface="Consolas" panose="020B0609020204030204" pitchFamily="49" charset="0"/>
-              </a:rPr>
-              <a:t>using</a:t>
-            </a:r>
-            <a:r>
-              <a:rPr lang="sv-SE" sz="1600" dirty="0">
-                <a:latin typeface="Consolas" panose="020B0609020204030204" pitchFamily="49" charset="0"/>
-              </a:rPr>
-              <a:t> </a:t>
-            </a:r>
-            <a:r>
-              <a:rPr lang="sv-SE" sz="1600" dirty="0" err="1">
-                <a:latin typeface="Consolas" panose="020B0609020204030204" pitchFamily="49" charset="0"/>
-              </a:rPr>
-              <a:t>static_vector</a:t>
-            </a:r>
-            <a:r>
-              <a:rPr lang="sv-SE" sz="1600" dirty="0">
-                <a:latin typeface="Consolas" panose="020B0609020204030204" pitchFamily="49" charset="0"/>
-              </a:rPr>
-              <a:t>;	// Bike-</a:t>
-            </a:r>
-            <a:r>
-              <a:rPr lang="sv-SE" sz="1600" dirty="0" err="1">
-                <a:latin typeface="Consolas" panose="020B0609020204030204" pitchFamily="49" charset="0"/>
-              </a:rPr>
-              <a:t>shedded</a:t>
-            </a:r>
-            <a:r>
-              <a:rPr lang="sv-SE" sz="1600" dirty="0">
-                <a:latin typeface="Consolas" panose="020B0609020204030204" pitchFamily="49" charset="0"/>
-              </a:rPr>
-              <a:t>!</a:t>
-            </a:r>
-          </a:p>
-          <a:p>
-            <a:pPr marL="0" indent="0">
-              <a:buNone/>
-            </a:pPr>
-            <a:endParaRPr lang="sv-SE" sz="1600" dirty="0">
-              <a:latin typeface="Consolas" panose="020B0609020204030204" pitchFamily="49" charset="0"/>
-            </a:endParaRPr>
-          </a:p>
-          <a:p>
-            <a:pPr marL="0" indent="0">
-              <a:buNone/>
-            </a:pPr>
-            <a:endParaRPr lang="sv-SE" sz="3200" dirty="0"/>
-          </a:p>
-          <a:p>
-            <a:pPr marL="0" indent="0">
-              <a:buNone/>
-            </a:pPr>
-            <a:r>
-              <a:rPr lang="sv-SE" sz="3200" dirty="0" err="1"/>
-              <a:t>What</a:t>
-            </a:r>
-            <a:r>
-              <a:rPr lang="sv-SE" sz="3200" dirty="0"/>
-              <a:t> is the </a:t>
-            </a:r>
-            <a:r>
-              <a:rPr lang="sv-SE" sz="3200" dirty="0" err="1"/>
-              <a:t>overflow</a:t>
-            </a:r>
-            <a:r>
-              <a:rPr lang="sv-SE" sz="3200" dirty="0"/>
-              <a:t> policy </a:t>
-            </a:r>
-            <a:r>
-              <a:rPr lang="sv-SE" sz="3200" dirty="0" err="1"/>
-              <a:t>of</a:t>
-            </a:r>
-            <a:r>
-              <a:rPr lang="sv-SE" sz="3200" dirty="0"/>
-              <a:t> </a:t>
-            </a:r>
-            <a:r>
-              <a:rPr lang="sv-SE" sz="3200" b="1" dirty="0" err="1"/>
-              <a:t>static_vector</a:t>
-            </a:r>
-            <a:r>
-              <a:rPr lang="sv-SE" sz="3200" b="1" dirty="0"/>
-              <a:t> </a:t>
-            </a:r>
-            <a:r>
-              <a:rPr lang="sv-SE" sz="3200" dirty="0" err="1"/>
-              <a:t>if</a:t>
-            </a:r>
-            <a:r>
-              <a:rPr lang="sv-SE" sz="3200" dirty="0"/>
-              <a:t> </a:t>
-            </a:r>
-            <a:r>
-              <a:rPr lang="sv-SE" sz="3200" dirty="0" err="1"/>
-              <a:t>there</a:t>
-            </a:r>
-            <a:r>
-              <a:rPr lang="sv-SE" sz="3200" dirty="0"/>
-              <a:t> is </a:t>
-            </a:r>
-            <a:r>
-              <a:rPr lang="sv-SE" sz="3200" dirty="0" err="1"/>
-              <a:t>only</a:t>
-            </a:r>
-            <a:r>
-              <a:rPr lang="sv-SE" sz="3200" dirty="0"/>
-              <a:t> </a:t>
-            </a:r>
-            <a:r>
-              <a:rPr lang="sv-SE" sz="3200" dirty="0" err="1"/>
-              <a:t>one</a:t>
-            </a:r>
-            <a:r>
-              <a:rPr lang="sv-SE" sz="3200" dirty="0"/>
-              <a:t> </a:t>
-            </a:r>
-            <a:r>
-              <a:rPr lang="sv-SE" sz="3200" dirty="0" err="1"/>
-              <a:t>such</a:t>
-            </a:r>
-            <a:r>
-              <a:rPr lang="sv-SE" sz="3200" dirty="0"/>
-              <a:t> </a:t>
-            </a:r>
-            <a:r>
-              <a:rPr lang="sv-SE" sz="3200" dirty="0" err="1"/>
-              <a:t>type</a:t>
-            </a:r>
-            <a:r>
-              <a:rPr lang="sv-SE" sz="3200" dirty="0"/>
-              <a:t> alias?</a:t>
-            </a:r>
+            <a:endParaRPr lang="LID4096" sz="3200" dirty="0"/>
           </a:p>
         </p:txBody>
       </p:sp>
     </p:spTree>
     <p:extLst>
       <p:ext uri="{BB962C8B-B14F-4D97-AF65-F5344CB8AC3E}">
-        <p14:creationId xmlns:p14="http://schemas.microsoft.com/office/powerpoint/2010/main" val="3234989932"/>
+        <p14:creationId xmlns:p14="http://schemas.microsoft.com/office/powerpoint/2010/main" val="1840643792"/>
       </p:ext>
     </p:extLst>
   </p:cSld>
@@ -11711,7 +11356,7 @@
 </p:sld>
 </file>
 
-<file path=ppt/slides/slide8.xml><?xml version="1.0" encoding="utf-8"?>
+<file path=ppt/slides/slide6.xml><?xml version="1.0" encoding="utf-8"?>
 <p:sld xmlns:a="http://schemas.openxmlformats.org/drawingml/2006/main" xmlns:r="http://schemas.openxmlformats.org/officeDocument/2006/relationships" xmlns:p="http://schemas.openxmlformats.org/presentationml/2006/main">
   <p:cSld>
     <p:bg>
@@ -12286,36 +11931,12 @@
           <a:lstStyle/>
           <a:p>
             <a:r>
-              <a:rPr lang="sv-SE" sz="4000" dirty="0" err="1">
-                <a:solidFill>
-                  <a:srgbClr val="FFFFFF"/>
-                </a:solidFill>
-              </a:rPr>
-              <a:t>Move</a:t>
-            </a:r>
-            <a:r>
               <a:rPr lang="sv-SE" sz="4000" dirty="0">
                 <a:solidFill>
                   <a:srgbClr val="FFFFFF"/>
                 </a:solidFill>
               </a:rPr>
-              <a:t>/Copy </a:t>
-            </a:r>
-            <a:r>
-              <a:rPr lang="sv-SE" sz="4000" dirty="0" err="1">
-                <a:solidFill>
-                  <a:srgbClr val="FFFFFF"/>
-                </a:solidFill>
-              </a:rPr>
-              <a:t>with</a:t>
-            </a:r>
-            <a:r>
-              <a:rPr lang="sv-SE" sz="4000" dirty="0">
-                <a:solidFill>
-                  <a:srgbClr val="FFFFFF"/>
-                </a:solidFill>
-              </a:rPr>
-              <a:t> different </a:t>
+              <a:t>New </a:t>
             </a:r>
             <a:r>
               <a:rPr lang="sv-SE" sz="4000" dirty="0" err="1">
@@ -12351,286 +11972,347 @@
         </p:nvSpPr>
         <p:spPr>
           <a:xfrm>
-            <a:off x="1371599" y="2318196"/>
-            <a:ext cx="9724031" cy="4245265"/>
+            <a:off x="1371599" y="2318197"/>
+            <a:ext cx="10474037" cy="3683358"/>
           </a:xfrm>
         </p:spPr>
         <p:txBody>
           <a:bodyPr anchor="ctr">
-            <a:normAutofit fontScale="77500" lnSpcReduction="20000"/>
+            <a:normAutofit fontScale="92500" lnSpcReduction="10000"/>
           </a:bodyPr>
           <a:lstStyle/>
           <a:p>
             <a:r>
-              <a:rPr lang="sv-SE" sz="3800" dirty="0"/>
-              <a:t>If T is same </a:t>
-            </a:r>
-            <a:r>
-              <a:rPr lang="sv-SE" sz="3800" dirty="0" err="1"/>
-              <a:t>we</a:t>
-            </a:r>
-            <a:r>
-              <a:rPr lang="sv-SE" sz="3800" dirty="0"/>
+              <a:rPr lang="sv-SE" sz="3200" dirty="0" err="1"/>
+              <a:t>One</a:t>
+            </a:r>
+            <a:r>
+              <a:rPr lang="sv-SE" sz="3200" dirty="0"/>
               <a:t> </a:t>
             </a:r>
             <a:r>
-              <a:rPr lang="sv-SE" sz="3800" dirty="0" err="1"/>
-              <a:t>should</a:t>
-            </a:r>
-            <a:r>
-              <a:rPr lang="sv-SE" sz="3800" dirty="0"/>
-              <a:t> be </a:t>
-            </a:r>
-            <a:r>
-              <a:rPr lang="sv-SE" sz="3800" dirty="0" err="1"/>
-              <a:t>able</a:t>
-            </a:r>
-            <a:r>
-              <a:rPr lang="sv-SE" sz="3800" dirty="0"/>
-              <a:t> to copy/</a:t>
-            </a:r>
-            <a:r>
-              <a:rPr lang="sv-SE" sz="3800" dirty="0" err="1"/>
-              <a:t>move</a:t>
-            </a:r>
-            <a:r>
-              <a:rPr lang="sv-SE" sz="3800" dirty="0"/>
+              <a:rPr lang="sv-SE" sz="3200" b="1" dirty="0" err="1"/>
+              <a:t>buffered_allocator</a:t>
+            </a:r>
+            <a:r>
+              <a:rPr lang="sv-SE" sz="3200" b="1" dirty="0"/>
               <a:t> </a:t>
             </a:r>
             <a:r>
-              <a:rPr lang="sv-SE" sz="3800" dirty="0" err="1"/>
-              <a:t>between</a:t>
-            </a:r>
-            <a:r>
-              <a:rPr lang="sv-SE" sz="3800" dirty="0"/>
+              <a:rPr lang="sv-SE" sz="3200" dirty="0" err="1"/>
+              <a:t>which</a:t>
+            </a:r>
+            <a:r>
+              <a:rPr lang="sv-SE" sz="3200" dirty="0"/>
+              <a:t> has a </a:t>
+            </a:r>
+            <a:r>
+              <a:rPr lang="sv-SE" sz="3200" dirty="0" err="1"/>
+              <a:t>backing</a:t>
+            </a:r>
+            <a:r>
+              <a:rPr lang="sv-SE" sz="3200" dirty="0"/>
               <a:t> </a:t>
             </a:r>
             <a:r>
-              <a:rPr lang="sv-SE" sz="3800" dirty="0" err="1"/>
-              <a:t>vectors</a:t>
-            </a:r>
-            <a:r>
-              <a:rPr lang="sv-SE" sz="3800" dirty="0"/>
+              <a:rPr lang="sv-SE" sz="3200" dirty="0" err="1"/>
+              <a:t>allocator</a:t>
+            </a:r>
+            <a:endParaRPr lang="sv-SE" sz="3200" dirty="0"/>
+          </a:p>
+          <a:p>
+            <a:r>
+              <a:rPr lang="sv-SE" sz="3200" dirty="0" err="1"/>
+              <a:t>One</a:t>
+            </a:r>
+            <a:r>
+              <a:rPr lang="sv-SE" sz="3200" dirty="0"/>
+              <a:t> or </a:t>
+            </a:r>
+            <a:r>
+              <a:rPr lang="sv-SE" sz="3200" dirty="0" err="1"/>
+              <a:t>more</a:t>
+            </a:r>
+            <a:r>
+              <a:rPr lang="sv-SE" sz="3200" dirty="0"/>
+              <a:t> non-</a:t>
+            </a:r>
+            <a:r>
+              <a:rPr lang="sv-SE" sz="3200" dirty="0" err="1"/>
+              <a:t>allocating</a:t>
+            </a:r>
+            <a:r>
+              <a:rPr lang="sv-SE" sz="3200" dirty="0"/>
               <a:t> </a:t>
             </a:r>
             <a:r>
-              <a:rPr lang="sv-SE" sz="3800" dirty="0" err="1"/>
-              <a:t>even</a:t>
-            </a:r>
-            <a:r>
-              <a:rPr lang="sv-SE" sz="3800" dirty="0"/>
-              <a:t> </a:t>
-            </a:r>
-            <a:r>
-              <a:rPr lang="sv-SE" sz="3800" dirty="0" err="1"/>
-              <a:t>if</a:t>
-            </a:r>
-            <a:r>
-              <a:rPr lang="sv-SE" sz="3800" dirty="0"/>
-              <a:t> </a:t>
-            </a:r>
-            <a:r>
-              <a:rPr lang="sv-SE" sz="3800" dirty="0" err="1"/>
+              <a:rPr lang="sv-SE" sz="3200" dirty="0" err="1"/>
               <a:t>allocators</a:t>
             </a:r>
             <a:r>
-              <a:rPr lang="sv-SE" sz="3800" dirty="0"/>
-              <a:t> </a:t>
-            </a:r>
-            <a:r>
-              <a:rPr lang="sv-SE" sz="3800" dirty="0" err="1"/>
-              <a:t>differ</a:t>
-            </a:r>
-            <a:r>
-              <a:rPr lang="sv-SE" sz="3800" dirty="0"/>
-              <a:t>.</a:t>
-            </a:r>
-          </a:p>
-          <a:p>
-            <a:r>
-              <a:rPr lang="sv-SE" sz="3800" dirty="0" err="1"/>
-              <a:t>More</a:t>
-            </a:r>
-            <a:r>
-              <a:rPr lang="sv-SE" sz="3800" dirty="0"/>
-              <a:t> </a:t>
-            </a:r>
-            <a:r>
-              <a:rPr lang="sv-SE" sz="3800" dirty="0" err="1"/>
-              <a:t>important</a:t>
-            </a:r>
-            <a:r>
-              <a:rPr lang="sv-SE" sz="3800" dirty="0"/>
-              <a:t> </a:t>
-            </a:r>
-            <a:r>
-              <a:rPr lang="sv-SE" sz="3800" dirty="0" err="1"/>
-              <a:t>with</a:t>
-            </a:r>
-            <a:r>
-              <a:rPr lang="sv-SE" sz="3800" dirty="0"/>
-              <a:t> SBO </a:t>
-            </a:r>
-            <a:r>
-              <a:rPr lang="sv-SE" sz="3800" dirty="0" err="1"/>
-              <a:t>buffers</a:t>
-            </a:r>
-            <a:r>
-              <a:rPr lang="sv-SE" sz="3800" dirty="0"/>
-              <a:t> </a:t>
-            </a:r>
-            <a:r>
-              <a:rPr lang="sv-SE" sz="3800" dirty="0" err="1"/>
-              <a:t>of</a:t>
-            </a:r>
-            <a:r>
-              <a:rPr lang="sv-SE" sz="3800" dirty="0"/>
-              <a:t> different </a:t>
-            </a:r>
-            <a:r>
-              <a:rPr lang="sv-SE" sz="3800" dirty="0" err="1"/>
-              <a:t>sizes</a:t>
-            </a:r>
-            <a:r>
-              <a:rPr lang="sv-SE" sz="3800" dirty="0"/>
-              <a:t>.</a:t>
-            </a:r>
-          </a:p>
-          <a:p>
-            <a:r>
-              <a:rPr lang="sv-SE" sz="3800" dirty="0"/>
-              <a:t>If </a:t>
-            </a:r>
-            <a:r>
-              <a:rPr lang="sv-SE" sz="3800" dirty="0" err="1"/>
-              <a:t>Backing</a:t>
-            </a:r>
-            <a:r>
-              <a:rPr lang="sv-SE" sz="3800" dirty="0"/>
-              <a:t> </a:t>
-            </a:r>
-            <a:r>
-              <a:rPr lang="sv-SE" sz="3800" dirty="0" err="1"/>
-              <a:t>allocators</a:t>
-            </a:r>
-            <a:r>
-              <a:rPr lang="sv-SE" sz="3800" dirty="0"/>
-              <a:t> </a:t>
-            </a:r>
-            <a:r>
-              <a:rPr lang="sv-SE" sz="3800" dirty="0" err="1"/>
-              <a:t>are</a:t>
-            </a:r>
-            <a:r>
-              <a:rPr lang="sv-SE" sz="3800" dirty="0"/>
-              <a:t> </a:t>
-            </a:r>
-            <a:r>
-              <a:rPr lang="sv-SE" sz="3800" dirty="0" err="1"/>
-              <a:t>equal</a:t>
-            </a:r>
-            <a:r>
-              <a:rPr lang="sv-SE" sz="3800" dirty="0"/>
-              <a:t> </a:t>
-            </a:r>
-            <a:r>
-              <a:rPr lang="sv-SE" sz="3800" dirty="0" err="1"/>
-              <a:t>moves</a:t>
-            </a:r>
-            <a:r>
-              <a:rPr lang="sv-SE" sz="3800" dirty="0"/>
-              <a:t> </a:t>
-            </a:r>
-            <a:r>
-              <a:rPr lang="sv-SE" sz="3800" dirty="0" err="1"/>
-              <a:t>can</a:t>
-            </a:r>
-            <a:r>
-              <a:rPr lang="sv-SE" sz="3800" dirty="0"/>
-              <a:t> be </a:t>
-            </a:r>
-            <a:r>
-              <a:rPr lang="sv-SE" sz="3800" dirty="0" err="1"/>
-              <a:t>optimized</a:t>
-            </a:r>
-            <a:r>
-              <a:rPr lang="sv-SE" sz="3800" dirty="0"/>
-              <a:t>.</a:t>
-            </a:r>
-          </a:p>
-          <a:p>
-            <a:r>
-              <a:rPr lang="sv-SE" sz="3800" dirty="0" err="1"/>
-              <a:t>This</a:t>
-            </a:r>
-            <a:r>
-              <a:rPr lang="sv-SE" sz="3800" dirty="0"/>
-              <a:t> </a:t>
-            </a:r>
-            <a:r>
-              <a:rPr lang="sv-SE" sz="3800" dirty="0" err="1"/>
-              <a:t>needs</a:t>
-            </a:r>
-            <a:r>
-              <a:rPr lang="sv-SE" sz="3800" dirty="0"/>
-              <a:t> </a:t>
-            </a:r>
-            <a:r>
-              <a:rPr lang="sv-SE" sz="3800" dirty="0" err="1"/>
-              <a:t>another</a:t>
-            </a:r>
-            <a:r>
-              <a:rPr lang="sv-SE" sz="3800" dirty="0"/>
-              <a:t> </a:t>
-            </a:r>
-            <a:r>
-              <a:rPr lang="sv-SE" sz="3800" dirty="0" err="1"/>
-              <a:t>trait</a:t>
-            </a:r>
-            <a:r>
-              <a:rPr lang="sv-SE" sz="3800" dirty="0"/>
-              <a:t>:</a:t>
-            </a:r>
+              <a:rPr lang="sv-SE" sz="3200" dirty="0"/>
+              <a:t> for </a:t>
+            </a:r>
+            <a:r>
+              <a:rPr lang="sv-SE" sz="3200" b="1" dirty="0" err="1"/>
+              <a:t>static_vector</a:t>
+            </a:r>
+            <a:endParaRPr lang="sv-SE" sz="3200" b="1" dirty="0"/>
+          </a:p>
+          <a:p>
+            <a:pPr marL="0" marR="0" lvl="0" indent="0" algn="l" defTabSz="914400" rtl="0" eaLnBrk="1" fontAlgn="auto" latinLnBrk="0" hangingPunct="1">
+              <a:lnSpc>
+                <a:spcPct val="90000"/>
+              </a:lnSpc>
+              <a:spcBef>
+                <a:spcPts val="1000"/>
+              </a:spcBef>
+              <a:spcAft>
+                <a:spcPts val="0"/>
+              </a:spcAft>
+              <a:buClrTx/>
+              <a:buSzTx/>
+              <a:buFont typeface="Arial" panose="020B0604020202020204" pitchFamily="34" charset="0"/>
+              <a:buNone/>
+              <a:tabLst/>
+              <a:defRPr/>
+            </a:pPr>
+            <a:endParaRPr lang="sv-SE" sz="1600" dirty="0">
+              <a:solidFill>
+                <a:prstClr val="black"/>
+              </a:solidFill>
+              <a:latin typeface="Consolas" panose="020B0609020204030204" pitchFamily="49" charset="0"/>
+            </a:endParaRPr>
           </a:p>
           <a:p>
             <a:pPr marL="0" indent="0">
               <a:buNone/>
             </a:pPr>
-            <a:endParaRPr lang="sv-SE" sz="3200" dirty="0"/>
+            <a:r>
+              <a:rPr lang="sv-SE" sz="1600" dirty="0">
+                <a:latin typeface="Consolas" panose="020B0609020204030204" pitchFamily="49" charset="0"/>
+              </a:rPr>
+              <a:t>template&lt;</a:t>
+            </a:r>
+            <a:r>
+              <a:rPr lang="sv-SE" sz="1600" dirty="0" err="1">
+                <a:latin typeface="Consolas" panose="020B0609020204030204" pitchFamily="49" charset="0"/>
+              </a:rPr>
+              <a:t>typename</a:t>
+            </a:r>
+            <a:r>
+              <a:rPr lang="sv-SE" sz="1600" dirty="0">
+                <a:latin typeface="Consolas" panose="020B0609020204030204" pitchFamily="49" charset="0"/>
+              </a:rPr>
+              <a:t> T, </a:t>
+            </a:r>
+            <a:r>
+              <a:rPr lang="sv-SE" sz="1600" dirty="0" err="1">
+                <a:latin typeface="Consolas" panose="020B0609020204030204" pitchFamily="49" charset="0"/>
+              </a:rPr>
+              <a:t>size_t</a:t>
+            </a:r>
+            <a:r>
+              <a:rPr lang="sv-SE" sz="1600" dirty="0">
+                <a:latin typeface="Consolas" panose="020B0609020204030204" pitchFamily="49" charset="0"/>
+              </a:rPr>
+              <a:t> SZ, </a:t>
+            </a:r>
+            <a:r>
+              <a:rPr lang="sv-SE" sz="1600" dirty="0" err="1">
+                <a:latin typeface="Consolas" panose="020B0609020204030204" pitchFamily="49" charset="0"/>
+              </a:rPr>
+              <a:t>typename</a:t>
+            </a:r>
+            <a:r>
+              <a:rPr lang="sv-SE" sz="1600" dirty="0">
+                <a:latin typeface="Consolas" panose="020B0609020204030204" pitchFamily="49" charset="0"/>
+              </a:rPr>
+              <a:t> </a:t>
+            </a:r>
+            <a:r>
+              <a:rPr lang="sv-SE" sz="1600" dirty="0" err="1">
+                <a:latin typeface="Consolas" panose="020B0609020204030204" pitchFamily="49" charset="0"/>
+              </a:rPr>
+              <a:t>Backing</a:t>
+            </a:r>
+            <a:r>
+              <a:rPr lang="sv-SE" sz="1600" dirty="0">
+                <a:latin typeface="Consolas" panose="020B0609020204030204" pitchFamily="49" charset="0"/>
+              </a:rPr>
+              <a:t>&gt; </a:t>
+            </a:r>
+            <a:r>
+              <a:rPr lang="sv-SE" sz="1600" dirty="0" err="1">
+                <a:latin typeface="Consolas" panose="020B0609020204030204" pitchFamily="49" charset="0"/>
+              </a:rPr>
+              <a:t>std</a:t>
+            </a:r>
+            <a:r>
+              <a:rPr lang="sv-SE" sz="1600" dirty="0">
+                <a:latin typeface="Consolas" panose="020B0609020204030204" pitchFamily="49" charset="0"/>
+              </a:rPr>
+              <a:t>::</a:t>
+            </a:r>
+            <a:r>
+              <a:rPr lang="sv-SE" sz="1600" dirty="0" err="1">
+                <a:latin typeface="Consolas" panose="020B0609020204030204" pitchFamily="49" charset="0"/>
+              </a:rPr>
+              <a:t>buffered_allocator</a:t>
+            </a:r>
+            <a:r>
+              <a:rPr lang="sv-SE" sz="1600" dirty="0">
+                <a:latin typeface="Consolas" panose="020B0609020204030204" pitchFamily="49" charset="0"/>
+              </a:rPr>
+              <a:t> {</a:t>
+            </a:r>
           </a:p>
           <a:p>
             <a:pPr marL="0" indent="0">
               <a:buNone/>
             </a:pPr>
             <a:r>
-              <a:rPr lang="sv-SE" sz="2100" dirty="0">
-                <a:latin typeface="Consolas" panose="020B0609020204030204" pitchFamily="49" charset="0"/>
-              </a:rPr>
-              <a:t>template&lt;</a:t>
-            </a:r>
-            <a:r>
-              <a:rPr lang="sv-SE" sz="2100" dirty="0" err="1">
-                <a:latin typeface="Consolas" panose="020B0609020204030204" pitchFamily="49" charset="0"/>
-              </a:rPr>
-              <a:t>typename</a:t>
-            </a:r>
-            <a:r>
-              <a:rPr lang="sv-SE" sz="2100" dirty="0">
-                <a:latin typeface="Consolas" panose="020B0609020204030204" pitchFamily="49" charset="0"/>
-              </a:rPr>
-              <a:t>&lt;</a:t>
-            </a:r>
-            <a:r>
-              <a:rPr lang="sv-SE" sz="2100" dirty="0" err="1">
-                <a:latin typeface="Consolas" panose="020B0609020204030204" pitchFamily="49" charset="0"/>
-              </a:rPr>
-              <a:t>Alloc</a:t>
-            </a:r>
-            <a:r>
-              <a:rPr lang="sv-SE" sz="2100" dirty="0">
-                <a:latin typeface="Consolas" panose="020B0609020204030204" pitchFamily="49" charset="0"/>
-              </a:rPr>
-              <a:t>&gt; </a:t>
+              <a:rPr lang="sv-SE" sz="1600" dirty="0">
+                <a:latin typeface="Consolas" panose="020B0609020204030204" pitchFamily="49" charset="0"/>
+              </a:rPr>
+              <a:t>    // </a:t>
+            </a:r>
+            <a:r>
+              <a:rPr lang="sv-SE" sz="1600" dirty="0" err="1">
+                <a:latin typeface="Consolas" panose="020B0609020204030204" pitchFamily="49" charset="0"/>
+              </a:rPr>
+              <a:t>Contains</a:t>
+            </a:r>
+            <a:r>
+              <a:rPr lang="sv-SE" sz="1600" dirty="0">
+                <a:latin typeface="Consolas" panose="020B0609020204030204" pitchFamily="49" charset="0"/>
+              </a:rPr>
+              <a:t> a </a:t>
+            </a:r>
+            <a:r>
+              <a:rPr lang="sv-SE" sz="1600" dirty="0" err="1">
+                <a:latin typeface="Consolas" panose="020B0609020204030204" pitchFamily="49" charset="0"/>
+              </a:rPr>
+              <a:t>buffer</a:t>
+            </a:r>
+            <a:r>
+              <a:rPr lang="sv-SE" sz="1600" dirty="0">
+                <a:latin typeface="Consolas" panose="020B0609020204030204" pitchFamily="49" charset="0"/>
+              </a:rPr>
+              <a:t> and forwards </a:t>
+            </a:r>
+            <a:r>
+              <a:rPr lang="sv-SE" sz="1600" dirty="0" err="1">
+                <a:latin typeface="Consolas" panose="020B0609020204030204" pitchFamily="49" charset="0"/>
+              </a:rPr>
+              <a:t>overflowing</a:t>
+            </a:r>
+            <a:r>
+              <a:rPr lang="sv-SE" sz="1600" dirty="0">
+                <a:latin typeface="Consolas" panose="020B0609020204030204" pitchFamily="49" charset="0"/>
+              </a:rPr>
+              <a:t> </a:t>
+            </a:r>
+            <a:r>
+              <a:rPr lang="sv-SE" sz="1600" dirty="0" err="1">
+                <a:latin typeface="Consolas" panose="020B0609020204030204" pitchFamily="49" charset="0"/>
+              </a:rPr>
+              <a:t>allocations</a:t>
+            </a:r>
+            <a:r>
+              <a:rPr lang="sv-SE" sz="1600" dirty="0">
+                <a:latin typeface="Consolas" panose="020B0609020204030204" pitchFamily="49" charset="0"/>
+              </a:rPr>
+              <a:t> to </a:t>
+            </a:r>
+            <a:r>
+              <a:rPr lang="sv-SE" sz="1600" dirty="0" err="1">
+                <a:latin typeface="Consolas" panose="020B0609020204030204" pitchFamily="49" charset="0"/>
+              </a:rPr>
+              <a:t>Backing</a:t>
+            </a:r>
+            <a:r>
+              <a:rPr lang="sv-SE" sz="1600" dirty="0">
+                <a:latin typeface="Consolas" panose="020B0609020204030204" pitchFamily="49" charset="0"/>
+              </a:rPr>
+              <a:t> </a:t>
+            </a:r>
+            <a:r>
+              <a:rPr lang="sv-SE" sz="1600" dirty="0" err="1">
+                <a:latin typeface="Consolas" panose="020B0609020204030204" pitchFamily="49" charset="0"/>
+              </a:rPr>
+              <a:t>allocator</a:t>
+            </a:r>
+            <a:br>
+              <a:rPr lang="sv-SE" sz="1600" dirty="0">
+                <a:latin typeface="Consolas" panose="020B0609020204030204" pitchFamily="49" charset="0"/>
+              </a:rPr>
+            </a:br>
+            <a:r>
+              <a:rPr lang="sv-SE" sz="1600" dirty="0">
+                <a:latin typeface="Consolas" panose="020B0609020204030204" pitchFamily="49" charset="0"/>
+              </a:rPr>
+              <a:t>    // Copy </a:t>
+            </a:r>
+            <a:r>
+              <a:rPr lang="sv-SE" sz="1600" dirty="0" err="1">
+                <a:latin typeface="Consolas" panose="020B0609020204030204" pitchFamily="49" charset="0"/>
+              </a:rPr>
+              <a:t>ctor</a:t>
+            </a:r>
+            <a:r>
+              <a:rPr lang="sv-SE" sz="1600" dirty="0">
+                <a:latin typeface="Consolas" panose="020B0609020204030204" pitchFamily="49" charset="0"/>
+              </a:rPr>
+              <a:t>/</a:t>
+            </a:r>
+            <a:r>
+              <a:rPr lang="sv-SE" sz="1600" dirty="0" err="1">
+                <a:latin typeface="Consolas" panose="020B0609020204030204" pitchFamily="49" charset="0"/>
+              </a:rPr>
+              <a:t>assign</a:t>
+            </a:r>
+            <a:r>
+              <a:rPr lang="sv-SE" sz="1600" dirty="0">
+                <a:latin typeface="Consolas" panose="020B0609020204030204" pitchFamily="49" charset="0"/>
+              </a:rPr>
+              <a:t> </a:t>
+            </a:r>
+            <a:r>
+              <a:rPr lang="sv-SE" sz="1600" dirty="0" err="1">
+                <a:latin typeface="Consolas" panose="020B0609020204030204" pitchFamily="49" charset="0"/>
+              </a:rPr>
+              <a:t>does</a:t>
+            </a:r>
+            <a:r>
+              <a:rPr lang="sv-SE" sz="1600" dirty="0">
+                <a:latin typeface="Consolas" panose="020B0609020204030204" pitchFamily="49" charset="0"/>
+              </a:rPr>
+              <a:t> not copy the bytes </a:t>
+            </a:r>
+            <a:r>
+              <a:rPr lang="sv-SE" sz="1600" dirty="0" err="1">
+                <a:latin typeface="Consolas" panose="020B0609020204030204" pitchFamily="49" charset="0"/>
+              </a:rPr>
+              <a:t>of</a:t>
+            </a:r>
+            <a:r>
+              <a:rPr lang="sv-SE" sz="1600" dirty="0">
+                <a:latin typeface="Consolas" panose="020B0609020204030204" pitchFamily="49" charset="0"/>
+              </a:rPr>
+              <a:t> the </a:t>
+            </a:r>
+            <a:r>
+              <a:rPr lang="sv-SE" sz="1600" dirty="0" err="1">
+                <a:latin typeface="Consolas" panose="020B0609020204030204" pitchFamily="49" charset="0"/>
+              </a:rPr>
+              <a:t>buffer</a:t>
+            </a:r>
+            <a:r>
+              <a:rPr lang="sv-SE" sz="1600" dirty="0">
+                <a:latin typeface="Consolas" panose="020B0609020204030204" pitchFamily="49" charset="0"/>
+              </a:rPr>
+              <a:t>.</a:t>
             </a:r>
           </a:p>
           <a:p>
@@ -12638,119 +12320,177 @@
               <a:buNone/>
             </a:pPr>
             <a:r>
-              <a:rPr lang="sv-SE" sz="2100" dirty="0" err="1">
-                <a:latin typeface="Consolas" panose="020B0609020204030204" pitchFamily="49" charset="0"/>
-              </a:rPr>
-              <a:t>using</a:t>
-            </a:r>
-            <a:r>
-              <a:rPr lang="sv-SE" sz="2100" dirty="0">
-                <a:latin typeface="Consolas" panose="020B0609020204030204" pitchFamily="49" charset="0"/>
-              </a:rPr>
-              <a:t> </a:t>
-            </a:r>
-            <a:r>
-              <a:rPr lang="sv-SE" sz="2100" b="1" dirty="0" err="1">
-                <a:latin typeface="Consolas" panose="020B0609020204030204" pitchFamily="49" charset="0"/>
-              </a:rPr>
-              <a:t>backing_allocator_of</a:t>
-            </a:r>
-            <a:r>
-              <a:rPr lang="sv-SE" sz="2100" dirty="0">
-                <a:latin typeface="Consolas" panose="020B0609020204030204" pitchFamily="49" charset="0"/>
-              </a:rPr>
-              <a:t>&lt;</a:t>
-            </a:r>
-            <a:r>
-              <a:rPr lang="sv-SE" sz="2100" dirty="0" err="1">
-                <a:latin typeface="Consolas" panose="020B0609020204030204" pitchFamily="49" charset="0"/>
-              </a:rPr>
-              <a:t>Alloc</a:t>
-            </a:r>
-            <a:r>
-              <a:rPr lang="sv-SE" sz="2100" dirty="0">
-                <a:latin typeface="Consolas" panose="020B0609020204030204" pitchFamily="49" charset="0"/>
-              </a:rPr>
-              <a:t>&gt; = </a:t>
-            </a:r>
-            <a:r>
-              <a:rPr lang="sv-SE" sz="2100" dirty="0" err="1">
-                <a:latin typeface="Consolas" panose="020B0609020204030204" pitchFamily="49" charset="0"/>
-              </a:rPr>
-              <a:t>Alloc</a:t>
-            </a:r>
-            <a:r>
-              <a:rPr lang="sv-SE" sz="2100" dirty="0">
-                <a:latin typeface="Consolas" panose="020B0609020204030204" pitchFamily="49" charset="0"/>
-              </a:rPr>
-              <a:t>;</a:t>
-            </a:r>
+              <a:rPr lang="sv-SE" sz="1600" dirty="0">
+                <a:latin typeface="Consolas" panose="020B0609020204030204" pitchFamily="49" charset="0"/>
+              </a:rPr>
+              <a:t>};</a:t>
+            </a:r>
+            <a:br>
+              <a:rPr lang="sv-SE" sz="1600" dirty="0">
+                <a:latin typeface="Consolas" panose="020B0609020204030204" pitchFamily="49" charset="0"/>
+              </a:rPr>
+            </a:br>
+            <a:br>
+              <a:rPr lang="sv-SE" sz="1600" dirty="0">
+                <a:latin typeface="Consolas" panose="020B0609020204030204" pitchFamily="49" charset="0"/>
+              </a:rPr>
+            </a:br>
+            <a:endParaRPr lang="sv-SE" sz="1600" dirty="0">
+              <a:latin typeface="Consolas" panose="020B0609020204030204" pitchFamily="49" charset="0"/>
+            </a:endParaRPr>
           </a:p>
           <a:p>
             <a:pPr marL="0" indent="0">
               <a:buNone/>
             </a:pPr>
-            <a:endParaRPr lang="sv-SE" sz="2100" dirty="0">
-              <a:latin typeface="Consolas" panose="020B0609020204030204" pitchFamily="49" charset="0"/>
-            </a:endParaRPr>
+            <a:r>
+              <a:rPr lang="sv-SE" sz="1600" dirty="0">
+                <a:latin typeface="Consolas" panose="020B0609020204030204" pitchFamily="49" charset="0"/>
+              </a:rPr>
+              <a:t>template&lt;</a:t>
+            </a:r>
+            <a:r>
+              <a:rPr lang="sv-SE" sz="1600" dirty="0" err="1">
+                <a:latin typeface="Consolas" panose="020B0609020204030204" pitchFamily="49" charset="0"/>
+              </a:rPr>
+              <a:t>typename</a:t>
+            </a:r>
+            <a:r>
+              <a:rPr lang="sv-SE" sz="1600" dirty="0">
+                <a:latin typeface="Consolas" panose="020B0609020204030204" pitchFamily="49" charset="0"/>
+              </a:rPr>
+              <a:t> T&gt; </a:t>
+            </a:r>
+            <a:r>
+              <a:rPr lang="sv-SE" sz="1600" dirty="0" err="1">
+                <a:latin typeface="Consolas" panose="020B0609020204030204" pitchFamily="49" charset="0"/>
+              </a:rPr>
+              <a:t>struct</a:t>
+            </a:r>
+            <a:r>
+              <a:rPr lang="sv-SE" sz="1600" dirty="0">
+                <a:latin typeface="Consolas" panose="020B0609020204030204" pitchFamily="49" charset="0"/>
+              </a:rPr>
+              <a:t> </a:t>
+            </a:r>
+            <a:r>
+              <a:rPr lang="sv-SE" sz="1600" dirty="0" err="1">
+                <a:latin typeface="Consolas" panose="020B0609020204030204" pitchFamily="49" charset="0"/>
+              </a:rPr>
+              <a:t>terminating_allocator</a:t>
+            </a:r>
+            <a:r>
+              <a:rPr lang="sv-SE" sz="1600" dirty="0">
+                <a:latin typeface="Consolas" panose="020B0609020204030204" pitchFamily="49" charset="0"/>
+              </a:rPr>
+              <a:t>;      // </a:t>
+            </a:r>
+            <a:r>
+              <a:rPr lang="sv-SE" sz="1600" dirty="0" err="1">
+                <a:latin typeface="Consolas" panose="020B0609020204030204" pitchFamily="49" charset="0"/>
+              </a:rPr>
+              <a:t>Terminate</a:t>
+            </a:r>
+            <a:r>
+              <a:rPr lang="sv-SE" sz="1600" dirty="0">
+                <a:latin typeface="Consolas" panose="020B0609020204030204" pitchFamily="49" charset="0"/>
+              </a:rPr>
+              <a:t> in </a:t>
+            </a:r>
+            <a:r>
+              <a:rPr lang="sv-SE" sz="1600" dirty="0" err="1">
+                <a:latin typeface="Consolas" panose="020B0609020204030204" pitchFamily="49" charset="0"/>
+              </a:rPr>
+              <a:t>alloc</a:t>
+            </a:r>
+            <a:r>
+              <a:rPr lang="sv-SE" sz="1600" dirty="0">
+                <a:latin typeface="Consolas" panose="020B0609020204030204" pitchFamily="49" charset="0"/>
+              </a:rPr>
+              <a:t>()</a:t>
+            </a:r>
           </a:p>
           <a:p>
             <a:pPr marL="0" indent="0">
               <a:buNone/>
             </a:pPr>
             <a:r>
-              <a:rPr lang="sv-SE" sz="2100" dirty="0">
+              <a:rPr lang="sv-SE" sz="1600" dirty="0">
                 <a:latin typeface="Consolas" panose="020B0609020204030204" pitchFamily="49" charset="0"/>
               </a:rPr>
               <a:t>template&lt;</a:t>
             </a:r>
             <a:r>
-              <a:rPr lang="sv-SE" sz="2100" dirty="0" err="1">
+              <a:rPr lang="sv-SE" sz="1600" dirty="0" err="1">
                 <a:latin typeface="Consolas" panose="020B0609020204030204" pitchFamily="49" charset="0"/>
               </a:rPr>
               <a:t>typename</a:t>
             </a:r>
             <a:r>
-              <a:rPr lang="sv-SE" sz="2100" dirty="0">
-                <a:latin typeface="Consolas" panose="020B0609020204030204" pitchFamily="49" charset="0"/>
-              </a:rPr>
-              <a:t> T, </a:t>
-            </a:r>
-            <a:r>
-              <a:rPr lang="sv-SE" sz="2100" dirty="0" err="1">
-                <a:latin typeface="Consolas" panose="020B0609020204030204" pitchFamily="49" charset="0"/>
-              </a:rPr>
-              <a:t>size_t</a:t>
-            </a:r>
-            <a:r>
-              <a:rPr lang="sv-SE" sz="2100" dirty="0">
-                <a:latin typeface="Consolas" panose="020B0609020204030204" pitchFamily="49" charset="0"/>
-              </a:rPr>
-              <a:t> SZ, </a:t>
-            </a:r>
-            <a:r>
-              <a:rPr lang="sv-SE" sz="2100" dirty="0" err="1">
-                <a:latin typeface="Consolas" panose="020B0609020204030204" pitchFamily="49" charset="0"/>
-              </a:rPr>
-              <a:t>typename</a:t>
-            </a:r>
-            <a:r>
-              <a:rPr lang="sv-SE" sz="2100" dirty="0">
+              <a:rPr lang="sv-SE" sz="1600" dirty="0">
+                <a:latin typeface="Consolas" panose="020B0609020204030204" pitchFamily="49" charset="0"/>
+              </a:rPr>
+              <a:t> T&gt; </a:t>
+            </a:r>
+            <a:r>
+              <a:rPr lang="sv-SE" sz="1600" dirty="0" err="1">
+                <a:latin typeface="Consolas" panose="020B0609020204030204" pitchFamily="49" charset="0"/>
+              </a:rPr>
+              <a:t>struct</a:t>
+            </a:r>
+            <a:r>
+              <a:rPr lang="sv-SE" sz="1600" dirty="0">
                 <a:latin typeface="Consolas" panose="020B0609020204030204" pitchFamily="49" charset="0"/>
               </a:rPr>
               <a:t> </a:t>
             </a:r>
             <a:r>
-              <a:rPr lang="sv-SE" sz="2100" dirty="0" err="1">
-                <a:latin typeface="Consolas" panose="020B0609020204030204" pitchFamily="49" charset="0"/>
-              </a:rPr>
-              <a:t>Backing</a:t>
-            </a:r>
-            <a:r>
-              <a:rPr lang="sv-SE" sz="2100" dirty="0">
-                <a:latin typeface="Consolas" panose="020B0609020204030204" pitchFamily="49" charset="0"/>
-              </a:rPr>
-              <a:t>&gt; </a:t>
+              <a:rPr lang="sv-SE" sz="1600" dirty="0" err="1">
+                <a:latin typeface="Consolas" panose="020B0609020204030204" pitchFamily="49" charset="0"/>
+              </a:rPr>
+              <a:t>throwing_allocator</a:t>
+            </a:r>
+            <a:r>
+              <a:rPr lang="sv-SE" sz="1600" dirty="0">
+                <a:latin typeface="Consolas" panose="020B0609020204030204" pitchFamily="49" charset="0"/>
+              </a:rPr>
+              <a:t>;         // </a:t>
+            </a:r>
+            <a:r>
+              <a:rPr lang="sv-SE" sz="1600" dirty="0" err="1">
+                <a:latin typeface="Consolas" panose="020B0609020204030204" pitchFamily="49" charset="0"/>
+              </a:rPr>
+              <a:t>Throw</a:t>
+            </a:r>
+            <a:r>
+              <a:rPr lang="sv-SE" sz="1600" dirty="0">
+                <a:latin typeface="Consolas" panose="020B0609020204030204" pitchFamily="49" charset="0"/>
+              </a:rPr>
+              <a:t> </a:t>
+            </a:r>
+            <a:r>
+              <a:rPr lang="sv-SE" sz="1600" dirty="0" err="1">
+                <a:latin typeface="Consolas" panose="020B0609020204030204" pitchFamily="49" charset="0"/>
+              </a:rPr>
+              <a:t>bad_alloc</a:t>
+            </a:r>
+            <a:r>
+              <a:rPr lang="sv-SE" sz="1600" dirty="0">
+                <a:latin typeface="Consolas" panose="020B0609020204030204" pitchFamily="49" charset="0"/>
+              </a:rPr>
+              <a:t> in </a:t>
+            </a:r>
+            <a:r>
+              <a:rPr lang="sv-SE" sz="1600" dirty="0" err="1">
+                <a:latin typeface="Consolas" panose="020B0609020204030204" pitchFamily="49" charset="0"/>
+              </a:rPr>
+              <a:t>alloc</a:t>
+            </a:r>
+            <a:r>
+              <a:rPr lang="sv-SE" sz="1600" dirty="0">
+                <a:latin typeface="Consolas" panose="020B0609020204030204" pitchFamily="49" charset="0"/>
+              </a:rPr>
+              <a:t>()</a:t>
             </a:r>
           </a:p>
           <a:p>
@@ -12758,85 +12498,90 @@
               <a:buNone/>
             </a:pPr>
             <a:r>
-              <a:rPr lang="sv-SE" sz="2100" dirty="0" err="1">
-                <a:latin typeface="Consolas" panose="020B0609020204030204" pitchFamily="49" charset="0"/>
-              </a:rPr>
-              <a:t>using</a:t>
-            </a:r>
-            <a:r>
-              <a:rPr lang="sv-SE" sz="2100" dirty="0">
+              <a:rPr lang="sv-SE" sz="1600" dirty="0">
+                <a:latin typeface="Consolas" panose="020B0609020204030204" pitchFamily="49" charset="0"/>
+              </a:rPr>
+              <a:t>template&lt;</a:t>
+            </a:r>
+            <a:r>
+              <a:rPr lang="sv-SE" sz="1600" dirty="0" err="1">
+                <a:latin typeface="Consolas" panose="020B0609020204030204" pitchFamily="49" charset="0"/>
+              </a:rPr>
+              <a:t>typename</a:t>
+            </a:r>
+            <a:r>
+              <a:rPr lang="sv-SE" sz="1600" dirty="0">
+                <a:latin typeface="Consolas" panose="020B0609020204030204" pitchFamily="49" charset="0"/>
+              </a:rPr>
+              <a:t> T&gt; </a:t>
+            </a:r>
+            <a:r>
+              <a:rPr lang="sv-SE" sz="1600" dirty="0" err="1">
+                <a:latin typeface="Consolas" panose="020B0609020204030204" pitchFamily="49" charset="0"/>
+              </a:rPr>
+              <a:t>struct</a:t>
+            </a:r>
+            <a:r>
+              <a:rPr lang="sv-SE" sz="1600" dirty="0">
                 <a:latin typeface="Consolas" panose="020B0609020204030204" pitchFamily="49" charset="0"/>
               </a:rPr>
               <a:t> </a:t>
             </a:r>
             <a:r>
-              <a:rPr lang="sv-SE" sz="2100" dirty="0" err="1">
-                <a:latin typeface="Consolas" panose="020B0609020204030204" pitchFamily="49" charset="0"/>
-              </a:rPr>
-              <a:t>backing_allocator</a:t>
-            </a:r>
-            <a:r>
-              <a:rPr lang="sv-SE" sz="2100" dirty="0">
-                <a:latin typeface="Consolas" panose="020B0609020204030204" pitchFamily="49" charset="0"/>
-              </a:rPr>
-              <a:t>&lt;</a:t>
-            </a:r>
-            <a:r>
-              <a:rPr lang="sv-SE" sz="2100" dirty="0" err="1">
-                <a:latin typeface="Consolas" panose="020B0609020204030204" pitchFamily="49" charset="0"/>
-              </a:rPr>
-              <a:t>buffered_allocator</a:t>
-            </a:r>
-            <a:r>
-              <a:rPr lang="sv-SE" sz="2100" dirty="0">
-                <a:latin typeface="Consolas" panose="020B0609020204030204" pitchFamily="49" charset="0"/>
-              </a:rPr>
-              <a:t>&lt;T, SZ, </a:t>
-            </a:r>
-            <a:r>
-              <a:rPr lang="sv-SE" sz="2100" dirty="0" err="1">
-                <a:latin typeface="Consolas" panose="020B0609020204030204" pitchFamily="49" charset="0"/>
-              </a:rPr>
-              <a:t>Backing</a:t>
-            </a:r>
-            <a:r>
-              <a:rPr lang="sv-SE" sz="2100" dirty="0">
-                <a:latin typeface="Consolas" panose="020B0609020204030204" pitchFamily="49" charset="0"/>
-              </a:rPr>
-              <a:t>&gt; = </a:t>
-            </a:r>
-            <a:r>
-              <a:rPr lang="sv-SE" sz="2100" dirty="0" err="1">
-                <a:latin typeface="Consolas" panose="020B0609020204030204" pitchFamily="49" charset="0"/>
-              </a:rPr>
-              <a:t>Backing</a:t>
-            </a:r>
-            <a:r>
-              <a:rPr lang="sv-SE" sz="2100" dirty="0">
-                <a:latin typeface="Consolas" panose="020B0609020204030204" pitchFamily="49" charset="0"/>
-              </a:rPr>
-              <a:t>;   // I </a:t>
-            </a:r>
-            <a:r>
-              <a:rPr lang="sv-SE" sz="2100" dirty="0" err="1">
-                <a:latin typeface="Consolas" panose="020B0609020204030204" pitchFamily="49" charset="0"/>
-              </a:rPr>
-              <a:t>wish</a:t>
-            </a:r>
-            <a:r>
-              <a:rPr lang="sv-SE" sz="2100" dirty="0">
-                <a:latin typeface="Consolas" panose="020B0609020204030204" pitchFamily="49" charset="0"/>
-              </a:rPr>
-              <a:t>!</a:t>
-            </a:r>
-            <a:endParaRPr lang="LID4096" sz="2100" dirty="0"/>
+              <a:rPr lang="sv-SE" sz="1600" dirty="0" err="1">
+                <a:latin typeface="Consolas" panose="020B0609020204030204" pitchFamily="49" charset="0"/>
+              </a:rPr>
+              <a:t>unchecked_allocator</a:t>
+            </a:r>
+            <a:r>
+              <a:rPr lang="sv-SE" sz="1600" dirty="0">
+                <a:latin typeface="Consolas" panose="020B0609020204030204" pitchFamily="49" charset="0"/>
+              </a:rPr>
+              <a:t>;        // </a:t>
+            </a:r>
+            <a:r>
+              <a:rPr lang="sv-SE" sz="1600" dirty="0" err="1">
+                <a:latin typeface="Consolas" panose="020B0609020204030204" pitchFamily="49" charset="0"/>
+              </a:rPr>
+              <a:t>Return</a:t>
+            </a:r>
+            <a:r>
+              <a:rPr lang="sv-SE" sz="1600" dirty="0">
+                <a:latin typeface="Consolas" panose="020B0609020204030204" pitchFamily="49" charset="0"/>
+              </a:rPr>
+              <a:t> </a:t>
+            </a:r>
+            <a:r>
+              <a:rPr lang="sv-SE" sz="1600" dirty="0" err="1">
+                <a:latin typeface="Consolas" panose="020B0609020204030204" pitchFamily="49" charset="0"/>
+              </a:rPr>
+              <a:t>nullptr</a:t>
+            </a:r>
+            <a:r>
+              <a:rPr lang="sv-SE" sz="1600" dirty="0">
+                <a:latin typeface="Consolas" panose="020B0609020204030204" pitchFamily="49" charset="0"/>
+              </a:rPr>
+              <a:t> from </a:t>
+            </a:r>
+            <a:r>
+              <a:rPr lang="sv-SE" sz="1600" dirty="0" err="1">
+                <a:latin typeface="Consolas" panose="020B0609020204030204" pitchFamily="49" charset="0"/>
+              </a:rPr>
+              <a:t>alloc</a:t>
+            </a:r>
+            <a:r>
+              <a:rPr lang="sv-SE" sz="1600" dirty="0">
+                <a:latin typeface="Consolas" panose="020B0609020204030204" pitchFamily="49" charset="0"/>
+              </a:rPr>
+              <a:t>().</a:t>
+            </a:r>
           </a:p>
         </p:txBody>
       </p:sp>
     </p:spTree>
     <p:extLst>
       <p:ext uri="{BB962C8B-B14F-4D97-AF65-F5344CB8AC3E}">
-        <p14:creationId xmlns:p14="http://schemas.microsoft.com/office/powerpoint/2010/main" val="3288268060"/>
+        <p14:creationId xmlns:p14="http://schemas.microsoft.com/office/powerpoint/2010/main" val="1124886138"/>
       </p:ext>
     </p:extLst>
   </p:cSld>
@@ -12846,7 +12591,7 @@
 </p:sld>
 </file>
 
-<file path=ppt/slides/slide9.xml><?xml version="1.0" encoding="utf-8"?>
+<file path=ppt/slides/slide7.xml><?xml version="1.0" encoding="utf-8"?>
 <p:sld xmlns:a="http://schemas.openxmlformats.org/drawingml/2006/main" xmlns:r="http://schemas.openxmlformats.org/officeDocument/2006/relationships" xmlns:p="http://schemas.openxmlformats.org/presentationml/2006/main">
   <p:cSld>
     <p:bg>
@@ -13426,7 +13171,7 @@
                   <a:srgbClr val="FFFFFF"/>
                 </a:solidFill>
               </a:rPr>
-              <a:t>Take</a:t>
+              <a:t>Convenient</a:t>
             </a:r>
             <a:r>
               <a:rPr lang="sv-SE" sz="4000" dirty="0">
@@ -13442,7 +13187,7 @@
                   <a:srgbClr val="FFFFFF"/>
                 </a:solidFill>
               </a:rPr>
-              <a:t>aways</a:t>
+              <a:t>type</a:t>
             </a:r>
             <a:r>
               <a:rPr lang="sv-SE" sz="4000" dirty="0">
@@ -13450,7 +13195,15 @@
                   <a:srgbClr val="FFFFFF"/>
                 </a:solidFill>
               </a:rPr>
-              <a:t> from the demo implementation</a:t>
+              <a:t> </a:t>
+            </a:r>
+            <a:r>
+              <a:rPr lang="sv-SE" sz="4000" dirty="0" err="1">
+                <a:solidFill>
+                  <a:srgbClr val="FFFFFF"/>
+                </a:solidFill>
+              </a:rPr>
+              <a:t>aliases</a:t>
             </a:r>
             <a:endParaRPr lang="LID4096" sz="4000" dirty="0">
               <a:solidFill>
@@ -13479,7 +13232,7 @@
         <p:spPr>
           <a:xfrm>
             <a:off x="1371599" y="2318197"/>
-            <a:ext cx="9724031" cy="3683358"/>
+            <a:ext cx="10474037" cy="3683358"/>
           </a:xfrm>
         </p:spPr>
         <p:txBody>
@@ -13488,150 +13241,228 @@
           </a:bodyPr>
           <a:lstStyle/>
           <a:p>
-            <a:r>
-              <a:rPr lang="sv-SE" sz="3200" dirty="0" err="1"/>
-              <a:t>Optimizing</a:t>
-            </a:r>
-            <a:r>
-              <a:rPr lang="sv-SE" sz="3200" dirty="0"/>
-              <a:t> for !</a:t>
-            </a:r>
-            <a:r>
-              <a:rPr lang="sv-SE" sz="3200" dirty="0" err="1"/>
-              <a:t>can_alloc</a:t>
-            </a:r>
-            <a:r>
-              <a:rPr lang="sv-SE" sz="3200" dirty="0"/>
-              <a:t> is </a:t>
-            </a:r>
-            <a:r>
-              <a:rPr lang="sv-SE" sz="3200" dirty="0" err="1"/>
-              <a:t>fairly</a:t>
-            </a:r>
-            <a:r>
-              <a:rPr lang="sv-SE" sz="3200" dirty="0"/>
+            <a:pPr marL="0" indent="0">
+              <a:buNone/>
+            </a:pPr>
+            <a:r>
+              <a:rPr lang="sv-SE" sz="1600" dirty="0">
+                <a:latin typeface="Consolas" panose="020B0609020204030204" pitchFamily="49" charset="0"/>
+              </a:rPr>
+              <a:t>template&lt;</a:t>
+            </a:r>
+            <a:r>
+              <a:rPr lang="sv-SE" sz="1600" dirty="0" err="1">
+                <a:latin typeface="Consolas" panose="020B0609020204030204" pitchFamily="49" charset="0"/>
+              </a:rPr>
+              <a:t>typename</a:t>
+            </a:r>
+            <a:r>
+              <a:rPr lang="sv-SE" sz="1600" dirty="0">
+                <a:latin typeface="Consolas" panose="020B0609020204030204" pitchFamily="49" charset="0"/>
+              </a:rPr>
+              <a:t> T, </a:t>
+            </a:r>
+            <a:r>
+              <a:rPr lang="sv-SE" sz="1600" dirty="0" err="1">
+                <a:latin typeface="Consolas" panose="020B0609020204030204" pitchFamily="49" charset="0"/>
+              </a:rPr>
+              <a:t>size_t</a:t>
+            </a:r>
+            <a:r>
+              <a:rPr lang="sv-SE" sz="1600" dirty="0">
+                <a:latin typeface="Consolas" panose="020B0609020204030204" pitchFamily="49" charset="0"/>
+              </a:rPr>
+              <a:t> SZ&gt; </a:t>
+            </a:r>
+            <a:r>
+              <a:rPr lang="sv-SE" sz="1600" dirty="0" err="1">
+                <a:latin typeface="Consolas" panose="020B0609020204030204" pitchFamily="49" charset="0"/>
+              </a:rPr>
+              <a:t>using</a:t>
+            </a:r>
+            <a:r>
+              <a:rPr lang="sv-SE" sz="1600" dirty="0">
+                <a:latin typeface="Consolas" panose="020B0609020204030204" pitchFamily="49" charset="0"/>
+              </a:rPr>
               <a:t> </a:t>
             </a:r>
             <a:r>
-              <a:rPr lang="sv-SE" sz="3200" dirty="0" err="1"/>
-              <a:t>easy</a:t>
-            </a:r>
-            <a:r>
-              <a:rPr lang="sv-SE" sz="3200" dirty="0"/>
-              <a:t>.</a:t>
-            </a:r>
-          </a:p>
-          <a:p>
-            <a:r>
-              <a:rPr lang="sv-SE" sz="3200" dirty="0"/>
-              <a:t>A </a:t>
-            </a:r>
-            <a:r>
-              <a:rPr lang="sv-SE" sz="3200" dirty="0" err="1"/>
-              <a:t>mechanism</a:t>
-            </a:r>
-            <a:r>
-              <a:rPr lang="sv-SE" sz="3200" dirty="0"/>
-              <a:t> for </a:t>
-            </a:r>
-            <a:r>
-              <a:rPr lang="sv-SE" sz="3200" dirty="0" err="1"/>
-              <a:t>conditional</a:t>
-            </a:r>
-            <a:r>
-              <a:rPr lang="sv-SE" sz="3200" dirty="0"/>
-              <a:t> data </a:t>
-            </a:r>
-            <a:r>
-              <a:rPr lang="sv-SE" sz="3200" dirty="0" err="1"/>
-              <a:t>members</a:t>
-            </a:r>
-            <a:r>
-              <a:rPr lang="sv-SE" sz="3200" dirty="0"/>
+              <a:rPr lang="sv-SE" sz="1600" dirty="0" err="1">
+                <a:latin typeface="Consolas" panose="020B0609020204030204" pitchFamily="49" charset="0"/>
+              </a:rPr>
+              <a:t>sbo_vector</a:t>
+            </a:r>
+            <a:r>
+              <a:rPr lang="sv-SE" sz="1600" dirty="0">
+                <a:latin typeface="Consolas" panose="020B0609020204030204" pitchFamily="49" charset="0"/>
+              </a:rPr>
+              <a:t>;		// Bike </a:t>
+            </a:r>
+            <a:r>
+              <a:rPr lang="sv-SE" sz="1600" dirty="0" err="1">
+                <a:latin typeface="Consolas" panose="020B0609020204030204" pitchFamily="49" charset="0"/>
+              </a:rPr>
+              <a:t>shedding</a:t>
+            </a:r>
+            <a:r>
+              <a:rPr lang="sv-SE" sz="1600" dirty="0">
+                <a:latin typeface="Consolas" panose="020B0609020204030204" pitchFamily="49" charset="0"/>
+              </a:rPr>
               <a:t> </a:t>
             </a:r>
             <a:r>
-              <a:rPr lang="sv-SE" sz="3200" dirty="0" err="1"/>
-              <a:t>would</a:t>
-            </a:r>
-            <a:r>
-              <a:rPr lang="sv-SE" sz="3200" dirty="0"/>
-              <a:t> be </a:t>
-            </a:r>
-            <a:r>
-              <a:rPr lang="sv-SE" sz="3200" dirty="0" err="1"/>
-              <a:t>nice</a:t>
-            </a:r>
-            <a:r>
-              <a:rPr lang="sv-SE" sz="3200" dirty="0"/>
-              <a:t>: </a:t>
-            </a:r>
-            <a:r>
-              <a:rPr lang="sv-SE" sz="3200" i="1" dirty="0" err="1"/>
-              <a:t>constraints</a:t>
-            </a:r>
-            <a:r>
-              <a:rPr lang="sv-SE" sz="3200" i="1" dirty="0"/>
-              <a:t> on </a:t>
-            </a:r>
-            <a:r>
-              <a:rPr lang="sv-SE" sz="3200" i="1" dirty="0" err="1"/>
-              <a:t>members</a:t>
-            </a:r>
-            <a:r>
-              <a:rPr lang="sv-SE" sz="3200" i="1" dirty="0"/>
+              <a:rPr lang="sv-SE" sz="1600" dirty="0" err="1">
+                <a:latin typeface="Consolas" panose="020B0609020204030204" pitchFamily="49" charset="0"/>
+              </a:rPr>
+              <a:t>needed</a:t>
+            </a:r>
+            <a:r>
+              <a:rPr lang="sv-SE" sz="1600" dirty="0">
+                <a:latin typeface="Consolas" panose="020B0609020204030204" pitchFamily="49" charset="0"/>
+              </a:rPr>
+              <a:t>!</a:t>
+            </a:r>
+          </a:p>
+          <a:p>
+            <a:pPr marL="0" indent="0">
+              <a:buNone/>
+            </a:pPr>
+            <a:r>
+              <a:rPr lang="sv-SE" sz="1600" dirty="0">
+                <a:latin typeface="Consolas" panose="020B0609020204030204" pitchFamily="49" charset="0"/>
+              </a:rPr>
+              <a:t>template&lt;</a:t>
+            </a:r>
+            <a:r>
+              <a:rPr lang="sv-SE" sz="1600" dirty="0" err="1">
+                <a:latin typeface="Consolas" panose="020B0609020204030204" pitchFamily="49" charset="0"/>
+              </a:rPr>
+              <a:t>typename</a:t>
+            </a:r>
+            <a:r>
+              <a:rPr lang="sv-SE" sz="1600" dirty="0">
+                <a:latin typeface="Consolas" panose="020B0609020204030204" pitchFamily="49" charset="0"/>
+              </a:rPr>
+              <a:t> T, </a:t>
+            </a:r>
+            <a:r>
+              <a:rPr lang="sv-SE" sz="1600" dirty="0" err="1">
+                <a:latin typeface="Consolas" panose="020B0609020204030204" pitchFamily="49" charset="0"/>
+              </a:rPr>
+              <a:t>size_t</a:t>
+            </a:r>
+            <a:r>
+              <a:rPr lang="sv-SE" sz="1600" dirty="0">
+                <a:latin typeface="Consolas" panose="020B0609020204030204" pitchFamily="49" charset="0"/>
+              </a:rPr>
+              <a:t> SZ&gt; </a:t>
+            </a:r>
+            <a:r>
+              <a:rPr lang="sv-SE" sz="1600" dirty="0" err="1">
+                <a:latin typeface="Consolas" panose="020B0609020204030204" pitchFamily="49" charset="0"/>
+              </a:rPr>
+              <a:t>using</a:t>
+            </a:r>
+            <a:r>
+              <a:rPr lang="sv-SE" sz="1600" dirty="0">
+                <a:latin typeface="Consolas" panose="020B0609020204030204" pitchFamily="49" charset="0"/>
+              </a:rPr>
               <a:t> </a:t>
             </a:r>
             <a:r>
-              <a:rPr lang="sv-SE" sz="3200" i="1" dirty="0" err="1"/>
-              <a:t>would</a:t>
-            </a:r>
-            <a:r>
-              <a:rPr lang="sv-SE" sz="3200" i="1" dirty="0"/>
+              <a:rPr lang="sv-SE" sz="1600" dirty="0" err="1">
+                <a:latin typeface="Consolas" panose="020B0609020204030204" pitchFamily="49" charset="0"/>
+              </a:rPr>
+              <a:t>static_vector</a:t>
+            </a:r>
+            <a:r>
+              <a:rPr lang="sv-SE" sz="1600" dirty="0">
+                <a:latin typeface="Consolas" panose="020B0609020204030204" pitchFamily="49" charset="0"/>
+              </a:rPr>
+              <a:t>;	// Bike-</a:t>
+            </a:r>
+            <a:r>
+              <a:rPr lang="sv-SE" sz="1600" dirty="0" err="1">
+                <a:latin typeface="Consolas" panose="020B0609020204030204" pitchFamily="49" charset="0"/>
+              </a:rPr>
+              <a:t>shedded</a:t>
+            </a:r>
+            <a:r>
+              <a:rPr lang="sv-SE" sz="1600" dirty="0">
+                <a:latin typeface="Consolas" panose="020B0609020204030204" pitchFamily="49" charset="0"/>
+              </a:rPr>
+              <a:t>!</a:t>
+            </a:r>
+          </a:p>
+          <a:p>
+            <a:pPr marL="0" indent="0">
+              <a:buNone/>
+            </a:pPr>
+            <a:endParaRPr lang="sv-SE" sz="1600" dirty="0">
+              <a:latin typeface="Consolas" panose="020B0609020204030204" pitchFamily="49" charset="0"/>
+            </a:endParaRPr>
+          </a:p>
+          <a:p>
+            <a:pPr marL="0" indent="0">
+              <a:buNone/>
+            </a:pPr>
+            <a:endParaRPr lang="sv-SE" sz="3200" dirty="0"/>
+          </a:p>
+          <a:p>
+            <a:pPr marL="0" indent="0">
+              <a:buNone/>
+            </a:pPr>
+            <a:r>
+              <a:rPr lang="sv-SE" sz="3200" dirty="0" err="1"/>
+              <a:t>What</a:t>
+            </a:r>
+            <a:r>
+              <a:rPr lang="sv-SE" sz="3200" dirty="0"/>
+              <a:t> is the </a:t>
+            </a:r>
+            <a:r>
+              <a:rPr lang="sv-SE" sz="3200" dirty="0" err="1"/>
+              <a:t>overflow</a:t>
+            </a:r>
+            <a:r>
+              <a:rPr lang="sv-SE" sz="3200" dirty="0"/>
+              <a:t> policy </a:t>
+            </a:r>
+            <a:r>
+              <a:rPr lang="sv-SE" sz="3200" dirty="0" err="1"/>
+              <a:t>of</a:t>
+            </a:r>
+            <a:r>
+              <a:rPr lang="sv-SE" sz="3200" dirty="0"/>
               <a:t> </a:t>
             </a:r>
             <a:r>
-              <a:rPr lang="sv-SE" sz="3200" i="1" dirty="0" err="1"/>
-              <a:t>solve</a:t>
-            </a:r>
-            <a:r>
-              <a:rPr lang="sv-SE" sz="3200" i="1" dirty="0"/>
-              <a:t> </a:t>
-            </a:r>
-            <a:r>
-              <a:rPr lang="sv-SE" sz="3200" i="1" dirty="0" err="1"/>
-              <a:t>this</a:t>
-            </a:r>
-            <a:r>
-              <a:rPr lang="sv-SE" sz="3200" i="1" dirty="0"/>
-              <a:t>.</a:t>
-            </a:r>
-            <a:endParaRPr lang="sv-SE" sz="3200" dirty="0"/>
-          </a:p>
-          <a:p>
-            <a:r>
               <a:rPr lang="sv-SE" sz="3200" b="1" dirty="0" err="1"/>
-              <a:t>if</a:t>
+              <a:t>static_vector</a:t>
             </a:r>
             <a:r>
               <a:rPr lang="sv-SE" sz="3200" b="1" dirty="0"/>
               <a:t> </a:t>
             </a:r>
             <a:r>
-              <a:rPr lang="sv-SE" sz="3200" b="1" dirty="0" err="1"/>
-              <a:t>constexpr</a:t>
-            </a:r>
-            <a:r>
-              <a:rPr lang="sv-SE" sz="3200" b="1" dirty="0"/>
+              <a:rPr lang="sv-SE" sz="3200" dirty="0" err="1"/>
+              <a:t>if</a:t>
+            </a:r>
+            <a:r>
+              <a:rPr lang="sv-SE" sz="3200" dirty="0"/>
               <a:t> </a:t>
             </a:r>
             <a:r>
-              <a:rPr lang="sv-SE" sz="3200" dirty="0"/>
-              <a:t>is </a:t>
-            </a:r>
-            <a:r>
-              <a:rPr lang="sv-SE" sz="3200" dirty="0" err="1"/>
-              <a:t>very</a:t>
+              <a:rPr lang="sv-SE" sz="3200" dirty="0" err="1"/>
+              <a:t>there</a:t>
+            </a:r>
+            <a:r>
+              <a:rPr lang="sv-SE" sz="3200" dirty="0"/>
+              <a:t> is </a:t>
+            </a:r>
+            <a:r>
+              <a:rPr lang="sv-SE" sz="3200" dirty="0" err="1"/>
+              <a:t>only</a:t>
             </a:r>
             <a:r>
               <a:rPr lang="sv-SE" sz="3200" dirty="0"/>
@@ -13639,33 +13470,7 @@
             </a:r>
             <a:r>
               <a:rPr lang="sv-SE" sz="3200" dirty="0" err="1"/>
-              <a:t>handy</a:t>
-            </a:r>
-            <a:r>
-              <a:rPr lang="sv-SE" sz="3200" dirty="0"/>
-              <a:t> to </a:t>
-            </a:r>
-            <a:r>
-              <a:rPr lang="sv-SE" sz="3200" dirty="0" err="1"/>
-              <a:t>select</a:t>
-            </a:r>
-            <a:r>
-              <a:rPr lang="sv-SE" sz="3200" dirty="0"/>
-              <a:t> implementation.</a:t>
-            </a:r>
-          </a:p>
-          <a:p>
-            <a:r>
-              <a:rPr lang="sv-SE" sz="3200" dirty="0" err="1"/>
-              <a:t>Move</a:t>
-            </a:r>
-            <a:r>
-              <a:rPr lang="sv-SE" sz="3200" dirty="0"/>
-              <a:t> and copy is the </a:t>
-            </a:r>
-            <a:r>
-              <a:rPr lang="sv-SE" sz="3200" dirty="0" err="1"/>
-              <a:t>only</a:t>
+              <a:t>one</a:t>
             </a:r>
             <a:r>
               <a:rPr lang="sv-SE" sz="3200" dirty="0"/>
@@ -13673,7 +13478,7 @@
             </a:r>
             <a:r>
               <a:rPr lang="sv-SE" sz="3200" dirty="0" err="1"/>
-              <a:t>somewhat</a:t>
+              <a:t>such</a:t>
             </a:r>
             <a:r>
               <a:rPr lang="sv-SE" sz="3200" dirty="0"/>
@@ -13681,27 +13486,11 @@
             </a:r>
             <a:r>
               <a:rPr lang="sv-SE" sz="3200" dirty="0" err="1"/>
-              <a:t>complex</a:t>
-            </a:r>
-            <a:r>
-              <a:rPr lang="sv-SE" sz="3200" dirty="0"/>
-              <a:t> </a:t>
-            </a:r>
-            <a:r>
-              <a:rPr lang="sv-SE" sz="3200" dirty="0" err="1"/>
-              <a:t>functionality</a:t>
-            </a:r>
-            <a:r>
-              <a:rPr lang="sv-SE" sz="3200" dirty="0"/>
-              <a:t> to </a:t>
-            </a:r>
-            <a:r>
-              <a:rPr lang="sv-SE" sz="3200" dirty="0" err="1"/>
-              <a:t>implement</a:t>
-            </a:r>
-            <a:r>
-              <a:rPr lang="sv-SE" sz="3200" dirty="0"/>
-              <a:t>.</a:t>
+              <a:t>type</a:t>
+            </a:r>
+            <a:r>
+              <a:rPr lang="sv-SE" sz="3200" dirty="0"/>
+              <a:t> alias?</a:t>
             </a:r>
           </a:p>
         </p:txBody>
@@ -13709,7 +13498,2038 @@
     </p:spTree>
     <p:extLst>
       <p:ext uri="{BB962C8B-B14F-4D97-AF65-F5344CB8AC3E}">
-        <p14:creationId xmlns:p14="http://schemas.microsoft.com/office/powerpoint/2010/main" val="3523266528"/>
+        <p14:creationId xmlns:p14="http://schemas.microsoft.com/office/powerpoint/2010/main" val="3234989932"/>
+      </p:ext>
+    </p:extLst>
+  </p:cSld>
+  <p:clrMapOvr>
+    <a:masterClrMapping/>
+  </p:clrMapOvr>
+</p:sld>
+</file>
+
+<file path=ppt/slides/slide8.xml><?xml version="1.0" encoding="utf-8"?>
+<p:sld xmlns:a="http://schemas.openxmlformats.org/drawingml/2006/main" xmlns:r="http://schemas.openxmlformats.org/officeDocument/2006/relationships" xmlns:p="http://schemas.openxmlformats.org/presentationml/2006/main">
+  <p:cSld>
+    <p:bg>
+      <p:bgPr>
+        <a:solidFill>
+          <a:schemeClr val="bg1"/>
+        </a:solidFill>
+        <a:effectLst/>
+      </p:bgPr>
+    </p:bg>
+    <p:spTree>
+      <p:nvGrpSpPr>
+        <p:cNvPr id="1" name=""/>
+        <p:cNvGrpSpPr/>
+        <p:nvPr/>
+      </p:nvGrpSpPr>
+      <p:grpSpPr>
+        <a:xfrm>
+          <a:off x="0" y="0"/>
+          <a:ext cx="0" cy="0"/>
+          <a:chOff x="0" y="0"/>
+          <a:chExt cx="0" cy="0"/>
+        </a:xfrm>
+      </p:grpSpPr>
+      <p:sp useBgFill="1">
+        <p:nvSpPr>
+          <p:cNvPr id="8" name="Rectangle 7">
+            <a:extLst>
+              <a:ext uri="{FF2B5EF4-FFF2-40B4-BE49-F238E27FC236}">
+                <a16:creationId xmlns:a16="http://schemas.microsoft.com/office/drawing/2014/main" id="{1B15ED52-F352-441B-82BF-E0EA34836D08}"/>
+              </a:ext>
+              <a:ext uri="{C183D7F6-B498-43B3-948B-1728B52AA6E4}">
+                <adec:decorative xmlns:adec="http://schemas.microsoft.com/office/drawing/2017/decorative" val="1"/>
+              </a:ext>
+            </a:extLst>
+          </p:cNvPr>
+          <p:cNvSpPr>
+            <a:spLocks noGrp="1" noRot="1" noChangeAspect="1" noMove="1" noResize="1" noEditPoints="1" noAdjustHandles="1" noChangeArrowheads="1" noChangeShapeType="1" noTextEdit="1"/>
+          </p:cNvSpPr>
+          <p:nvPr>
+            <p:extLst>
+              <p:ext uri="{386F3935-93C4-4BCD-93E2-E3B085C9AB24}">
+                <p16:designElem xmlns:p16="http://schemas.microsoft.com/office/powerpoint/2015/main" val="1"/>
+              </p:ext>
+            </p:extLst>
+          </p:nvPr>
+        </p:nvSpPr>
+        <p:spPr>
+          <a:xfrm>
+            <a:off x="0" y="0"/>
+            <a:ext cx="12192000" cy="6858000"/>
+          </a:xfrm>
+          <a:prstGeom prst="rect">
+            <a:avLst/>
+          </a:prstGeom>
+          <a:ln w="12700" cap="flat" cmpd="sng" algn="ctr">
+            <a:noFill/>
+            <a:prstDash val="solid"/>
+            <a:miter lim="800000"/>
+          </a:ln>
+          <a:effectLst/>
+          <a:extLst>
+            <a:ext uri="{91240B29-F687-4F45-9708-019B960494DF}">
+              <a14:hiddenLine xmlns:a14="http://schemas.microsoft.com/office/drawing/2010/main" w="12700" cap="flat" cmpd="sng" algn="ctr">
+                <a:solidFill>
+                  <a:schemeClr val="accent1">
+                    <a:shade val="50000"/>
+                  </a:schemeClr>
+                </a:solidFill>
+                <a:prstDash val="solid"/>
+                <a:miter lim="800000"/>
+              </a14:hiddenLine>
+            </a:ext>
+          </a:extLst>
+        </p:spPr>
+        <p:style>
+          <a:lnRef idx="2">
+            <a:schemeClr val="accent1">
+              <a:shade val="50000"/>
+            </a:schemeClr>
+          </a:lnRef>
+          <a:fillRef idx="1">
+            <a:schemeClr val="accent1"/>
+          </a:fillRef>
+          <a:effectRef idx="0">
+            <a:schemeClr val="accent1"/>
+          </a:effectRef>
+          <a:fontRef idx="minor">
+            <a:schemeClr val="lt1"/>
+          </a:fontRef>
+        </p:style>
+        <p:txBody>
+          <a:bodyPr rtlCol="0" anchor="ctr"/>
+          <a:lstStyle/>
+          <a:p>
+            <a:pPr marL="0" marR="0" lvl="0" indent="0" algn="ctr" defTabSz="914400" rtl="0" eaLnBrk="1" fontAlgn="auto" latinLnBrk="0" hangingPunct="1">
+              <a:lnSpc>
+                <a:spcPct val="100000"/>
+              </a:lnSpc>
+              <a:spcBef>
+                <a:spcPts val="0"/>
+              </a:spcBef>
+              <a:spcAft>
+                <a:spcPts val="0"/>
+              </a:spcAft>
+              <a:buClrTx/>
+              <a:buSzTx/>
+              <a:buFontTx/>
+              <a:buNone/>
+              <a:tabLst/>
+              <a:defRPr/>
+            </a:pPr>
+            <a:endParaRPr kumimoji="0" lang="en-US" sz="1800" b="0" i="0" u="none" strike="noStrike" kern="1200" cap="none" spc="0" normalizeH="0" baseline="0" noProof="0">
+              <a:ln>
+                <a:noFill/>
+              </a:ln>
+              <a:solidFill>
+                <a:prstClr val="white"/>
+              </a:solidFill>
+              <a:effectLst/>
+              <a:uLnTx/>
+              <a:uFillTx/>
+              <a:latin typeface="Calibri" panose="020F0502020204030204"/>
+              <a:ea typeface="+mn-ea"/>
+              <a:cs typeface="+mn-cs"/>
+            </a:endParaRPr>
+          </a:p>
+        </p:txBody>
+      </p:sp>
+      <p:sp>
+        <p:nvSpPr>
+          <p:cNvPr id="10" name="Rectangle 9">
+            <a:extLst>
+              <a:ext uri="{FF2B5EF4-FFF2-40B4-BE49-F238E27FC236}">
+                <a16:creationId xmlns:a16="http://schemas.microsoft.com/office/drawing/2014/main" id="{3B2E3793-BFE6-45A2-9B7B-E18844431C99}"/>
+              </a:ext>
+              <a:ext uri="{C183D7F6-B498-43B3-948B-1728B52AA6E4}">
+                <adec:decorative xmlns:adec="http://schemas.microsoft.com/office/drawing/2017/decorative" val="1"/>
+              </a:ext>
+            </a:extLst>
+          </p:cNvPr>
+          <p:cNvSpPr>
+            <a:spLocks noGrp="1" noRot="1" noChangeAspect="1" noMove="1" noResize="1" noEditPoints="1" noAdjustHandles="1" noChangeArrowheads="1" noChangeShapeType="1" noTextEdit="1"/>
+          </p:cNvSpPr>
+          <p:nvPr>
+            <p:extLst>
+              <p:ext uri="{386F3935-93C4-4BCD-93E2-E3B085C9AB24}">
+                <p16:designElem xmlns:p16="http://schemas.microsoft.com/office/powerpoint/2015/main" val="1"/>
+              </p:ext>
+            </p:extLst>
+          </p:nvPr>
+        </p:nvSpPr>
+        <p:spPr>
+          <a:xfrm flipH="1">
+            <a:off x="-1" y="-1"/>
+            <a:ext cx="12191998" cy="1590742"/>
+          </a:xfrm>
+          <a:prstGeom prst="rect">
+            <a:avLst/>
+          </a:prstGeom>
+          <a:gradFill>
+            <a:gsLst>
+              <a:gs pos="0">
+                <a:srgbClr val="000000"/>
+              </a:gs>
+              <a:gs pos="100000">
+                <a:schemeClr val="accent1">
+                  <a:lumMod val="75000"/>
+                </a:schemeClr>
+              </a:gs>
+            </a:gsLst>
+            <a:lin ang="8400000" scaled="0"/>
+          </a:gradFill>
+          <a:ln>
+            <a:noFill/>
+          </a:ln>
+        </p:spPr>
+        <p:style>
+          <a:lnRef idx="2">
+            <a:schemeClr val="accent1">
+              <a:shade val="50000"/>
+            </a:schemeClr>
+          </a:lnRef>
+          <a:fillRef idx="1">
+            <a:schemeClr val="accent1"/>
+          </a:fillRef>
+          <a:effectRef idx="0">
+            <a:schemeClr val="accent1"/>
+          </a:effectRef>
+          <a:fontRef idx="minor">
+            <a:schemeClr val="lt1"/>
+          </a:fontRef>
+        </p:style>
+        <p:txBody>
+          <a:bodyPr rtlCol="0" anchor="ctr"/>
+          <a:lstStyle/>
+          <a:p>
+            <a:pPr marL="0" marR="0" lvl="0" indent="0" algn="ctr" defTabSz="914400" rtl="0" eaLnBrk="1" fontAlgn="auto" latinLnBrk="0" hangingPunct="1">
+              <a:lnSpc>
+                <a:spcPct val="100000"/>
+              </a:lnSpc>
+              <a:spcBef>
+                <a:spcPts val="0"/>
+              </a:spcBef>
+              <a:spcAft>
+                <a:spcPts val="0"/>
+              </a:spcAft>
+              <a:buClrTx/>
+              <a:buSzTx/>
+              <a:buFontTx/>
+              <a:buNone/>
+              <a:tabLst/>
+              <a:defRPr/>
+            </a:pPr>
+            <a:endParaRPr kumimoji="0" lang="en-US" sz="1800" b="0" i="0" u="none" strike="noStrike" kern="1200" cap="none" spc="0" normalizeH="0" baseline="0" noProof="0">
+              <a:ln>
+                <a:noFill/>
+              </a:ln>
+              <a:solidFill>
+                <a:prstClr val="white"/>
+              </a:solidFill>
+              <a:effectLst/>
+              <a:uLnTx/>
+              <a:uFillTx/>
+              <a:latin typeface="Calibri" panose="020F0502020204030204"/>
+              <a:ea typeface="+mn-ea"/>
+              <a:cs typeface="+mn-cs"/>
+            </a:endParaRPr>
+          </a:p>
+        </p:txBody>
+      </p:sp>
+      <p:sp>
+        <p:nvSpPr>
+          <p:cNvPr id="12" name="Rectangle 11">
+            <a:extLst>
+              <a:ext uri="{FF2B5EF4-FFF2-40B4-BE49-F238E27FC236}">
+                <a16:creationId xmlns:a16="http://schemas.microsoft.com/office/drawing/2014/main" id="{BC4C4868-CB8F-4AF9-9CDB-8108F2C19B67}"/>
+              </a:ext>
+              <a:ext uri="{C183D7F6-B498-43B3-948B-1728B52AA6E4}">
+                <adec:decorative xmlns:adec="http://schemas.microsoft.com/office/drawing/2017/decorative" val="1"/>
+              </a:ext>
+            </a:extLst>
+          </p:cNvPr>
+          <p:cNvSpPr>
+            <a:spLocks noGrp="1" noRot="1" noChangeAspect="1" noMove="1" noResize="1" noEditPoints="1" noAdjustHandles="1" noChangeArrowheads="1" noChangeShapeType="1" noTextEdit="1"/>
+          </p:cNvSpPr>
+          <p:nvPr>
+            <p:extLst>
+              <p:ext uri="{386F3935-93C4-4BCD-93E2-E3B085C9AB24}">
+                <p16:designElem xmlns:p16="http://schemas.microsoft.com/office/powerpoint/2015/main" val="1"/>
+              </p:ext>
+            </p:extLst>
+          </p:nvPr>
+        </p:nvSpPr>
+        <p:spPr>
+          <a:xfrm rot="10800000" flipH="1">
+            <a:off x="-3" y="0"/>
+            <a:ext cx="8115306" cy="1590742"/>
+          </a:xfrm>
+          <a:prstGeom prst="rect">
+            <a:avLst/>
+          </a:prstGeom>
+          <a:gradFill>
+            <a:gsLst>
+              <a:gs pos="20000">
+                <a:schemeClr val="accent1">
+                  <a:alpha val="0"/>
+                </a:schemeClr>
+              </a:gs>
+              <a:gs pos="100000">
+                <a:schemeClr val="accent1">
+                  <a:lumMod val="50000"/>
+                  <a:alpha val="55000"/>
+                </a:schemeClr>
+              </a:gs>
+            </a:gsLst>
+            <a:lin ang="13800000" scaled="0"/>
+          </a:gradFill>
+          <a:ln>
+            <a:noFill/>
+          </a:ln>
+        </p:spPr>
+        <p:style>
+          <a:lnRef idx="2">
+            <a:schemeClr val="accent1">
+              <a:shade val="50000"/>
+            </a:schemeClr>
+          </a:lnRef>
+          <a:fillRef idx="1">
+            <a:schemeClr val="accent1"/>
+          </a:fillRef>
+          <a:effectRef idx="0">
+            <a:schemeClr val="accent1"/>
+          </a:effectRef>
+          <a:fontRef idx="minor">
+            <a:schemeClr val="lt1"/>
+          </a:fontRef>
+        </p:style>
+        <p:txBody>
+          <a:bodyPr rtlCol="0" anchor="ctr"/>
+          <a:lstStyle/>
+          <a:p>
+            <a:pPr marL="0" marR="0" lvl="0" indent="0" algn="ctr" defTabSz="914400" rtl="0" eaLnBrk="1" fontAlgn="auto" latinLnBrk="0" hangingPunct="1">
+              <a:lnSpc>
+                <a:spcPct val="100000"/>
+              </a:lnSpc>
+              <a:spcBef>
+                <a:spcPts val="0"/>
+              </a:spcBef>
+              <a:spcAft>
+                <a:spcPts val="0"/>
+              </a:spcAft>
+              <a:buClrTx/>
+              <a:buSzTx/>
+              <a:buFontTx/>
+              <a:buNone/>
+              <a:tabLst/>
+              <a:defRPr/>
+            </a:pPr>
+            <a:endParaRPr kumimoji="0" lang="en-US" sz="1800" b="0" i="0" u="none" strike="noStrike" kern="1200" cap="none" spc="0" normalizeH="0" baseline="0" noProof="0">
+              <a:ln>
+                <a:noFill/>
+              </a:ln>
+              <a:solidFill>
+                <a:prstClr val="white"/>
+              </a:solidFill>
+              <a:effectLst/>
+              <a:uLnTx/>
+              <a:uFillTx/>
+              <a:latin typeface="Calibri" panose="020F0502020204030204"/>
+              <a:ea typeface="+mn-ea"/>
+              <a:cs typeface="+mn-cs"/>
+            </a:endParaRPr>
+          </a:p>
+        </p:txBody>
+      </p:sp>
+      <p:sp>
+        <p:nvSpPr>
+          <p:cNvPr id="14" name="Rectangle 13">
+            <a:extLst>
+              <a:ext uri="{FF2B5EF4-FFF2-40B4-BE49-F238E27FC236}">
+                <a16:creationId xmlns:a16="http://schemas.microsoft.com/office/drawing/2014/main" id="{375E0459-6403-40CD-989D-56A4407CA12E}"/>
+              </a:ext>
+              <a:ext uri="{C183D7F6-B498-43B3-948B-1728B52AA6E4}">
+                <adec:decorative xmlns:adec="http://schemas.microsoft.com/office/drawing/2017/decorative" val="1"/>
+              </a:ext>
+            </a:extLst>
+          </p:cNvPr>
+          <p:cNvSpPr>
+            <a:spLocks noGrp="1" noRot="1" noChangeAspect="1" noMove="1" noResize="1" noEditPoints="1" noAdjustHandles="1" noChangeArrowheads="1" noChangeShapeType="1" noTextEdit="1"/>
+          </p:cNvSpPr>
+          <p:nvPr>
+            <p:extLst>
+              <p:ext uri="{386F3935-93C4-4BCD-93E2-E3B085C9AB24}">
+                <p16:designElem xmlns:p16="http://schemas.microsoft.com/office/powerpoint/2015/main" val="1"/>
+              </p:ext>
+            </p:extLst>
+          </p:nvPr>
+        </p:nvSpPr>
+        <p:spPr>
+          <a:xfrm flipH="1">
+            <a:off x="8115299" y="-1"/>
+            <a:ext cx="4076698" cy="1590742"/>
+          </a:xfrm>
+          <a:prstGeom prst="rect">
+            <a:avLst/>
+          </a:prstGeom>
+          <a:gradFill>
+            <a:gsLst>
+              <a:gs pos="0">
+                <a:schemeClr val="accent1">
+                  <a:alpha val="66000"/>
+                </a:schemeClr>
+              </a:gs>
+              <a:gs pos="100000">
+                <a:srgbClr val="000000">
+                  <a:alpha val="30000"/>
+                </a:srgbClr>
+              </a:gs>
+            </a:gsLst>
+            <a:lin ang="13200000" scaled="0"/>
+          </a:gradFill>
+          <a:ln>
+            <a:noFill/>
+          </a:ln>
+        </p:spPr>
+        <p:style>
+          <a:lnRef idx="2">
+            <a:schemeClr val="accent1">
+              <a:shade val="50000"/>
+            </a:schemeClr>
+          </a:lnRef>
+          <a:fillRef idx="1">
+            <a:schemeClr val="accent1"/>
+          </a:fillRef>
+          <a:effectRef idx="0">
+            <a:schemeClr val="accent1"/>
+          </a:effectRef>
+          <a:fontRef idx="minor">
+            <a:schemeClr val="lt1"/>
+          </a:fontRef>
+        </p:style>
+        <p:txBody>
+          <a:bodyPr rtlCol="0" anchor="ctr"/>
+          <a:lstStyle/>
+          <a:p>
+            <a:pPr marL="0" marR="0" lvl="0" indent="0" algn="ctr" defTabSz="914400" rtl="0" eaLnBrk="1" fontAlgn="auto" latinLnBrk="0" hangingPunct="1">
+              <a:lnSpc>
+                <a:spcPct val="100000"/>
+              </a:lnSpc>
+              <a:spcBef>
+                <a:spcPts val="0"/>
+              </a:spcBef>
+              <a:spcAft>
+                <a:spcPts val="0"/>
+              </a:spcAft>
+              <a:buClrTx/>
+              <a:buSzTx/>
+              <a:buFontTx/>
+              <a:buNone/>
+              <a:tabLst/>
+              <a:defRPr/>
+            </a:pPr>
+            <a:endParaRPr kumimoji="0" lang="en-US" sz="1800" b="0" i="0" u="none" strike="noStrike" kern="1200" cap="none" spc="0" normalizeH="0" baseline="0" noProof="0">
+              <a:ln>
+                <a:noFill/>
+              </a:ln>
+              <a:solidFill>
+                <a:prstClr val="white"/>
+              </a:solidFill>
+              <a:effectLst/>
+              <a:uLnTx/>
+              <a:uFillTx/>
+              <a:latin typeface="Calibri" panose="020F0502020204030204"/>
+              <a:ea typeface="+mn-ea"/>
+              <a:cs typeface="+mn-cs"/>
+            </a:endParaRPr>
+          </a:p>
+        </p:txBody>
+      </p:sp>
+      <p:sp>
+        <p:nvSpPr>
+          <p:cNvPr id="16" name="Rectangle 15">
+            <a:extLst>
+              <a:ext uri="{FF2B5EF4-FFF2-40B4-BE49-F238E27FC236}">
+                <a16:creationId xmlns:a16="http://schemas.microsoft.com/office/drawing/2014/main" id="{53E5B1A8-3AC9-4BD1-9BBC-78CA94F2D1BA}"/>
+              </a:ext>
+              <a:ext uri="{C183D7F6-B498-43B3-948B-1728B52AA6E4}">
+                <adec:decorative xmlns:adec="http://schemas.microsoft.com/office/drawing/2017/decorative" val="1"/>
+              </a:ext>
+            </a:extLst>
+          </p:cNvPr>
+          <p:cNvSpPr>
+            <a:spLocks noGrp="1" noRot="1" noChangeAspect="1" noMove="1" noResize="1" noEditPoints="1" noAdjustHandles="1" noChangeArrowheads="1" noChangeShapeType="1" noTextEdit="1"/>
+          </p:cNvSpPr>
+          <p:nvPr>
+            <p:extLst>
+              <p:ext uri="{386F3935-93C4-4BCD-93E2-E3B085C9AB24}">
+                <p16:designElem xmlns:p16="http://schemas.microsoft.com/office/powerpoint/2015/main" val="1"/>
+              </p:ext>
+            </p:extLst>
+          </p:nvPr>
+        </p:nvSpPr>
+        <p:spPr>
+          <a:xfrm>
+            <a:off x="459350" y="-1"/>
+            <a:ext cx="11732646" cy="1597433"/>
+          </a:xfrm>
+          <a:prstGeom prst="rect">
+            <a:avLst/>
+          </a:prstGeom>
+          <a:gradFill>
+            <a:gsLst>
+              <a:gs pos="50000">
+                <a:srgbClr val="000000">
+                  <a:alpha val="0"/>
+                </a:srgbClr>
+              </a:gs>
+              <a:gs pos="99000">
+                <a:schemeClr val="accent1">
+                  <a:lumMod val="50000"/>
+                  <a:alpha val="52000"/>
+                </a:schemeClr>
+              </a:gs>
+            </a:gsLst>
+            <a:lin ang="16800000" scaled="0"/>
+          </a:gradFill>
+          <a:ln>
+            <a:noFill/>
+          </a:ln>
+        </p:spPr>
+        <p:style>
+          <a:lnRef idx="2">
+            <a:schemeClr val="accent1">
+              <a:shade val="50000"/>
+            </a:schemeClr>
+          </a:lnRef>
+          <a:fillRef idx="1">
+            <a:schemeClr val="accent1"/>
+          </a:fillRef>
+          <a:effectRef idx="0">
+            <a:schemeClr val="accent1"/>
+          </a:effectRef>
+          <a:fontRef idx="minor">
+            <a:schemeClr val="lt1"/>
+          </a:fontRef>
+        </p:style>
+        <p:txBody>
+          <a:bodyPr rtlCol="0" anchor="ctr"/>
+          <a:lstStyle/>
+          <a:p>
+            <a:pPr marL="0" marR="0" lvl="0" indent="0" algn="ctr" defTabSz="914400" rtl="0" eaLnBrk="1" fontAlgn="auto" latinLnBrk="0" hangingPunct="1">
+              <a:lnSpc>
+                <a:spcPct val="100000"/>
+              </a:lnSpc>
+              <a:spcBef>
+                <a:spcPts val="0"/>
+              </a:spcBef>
+              <a:spcAft>
+                <a:spcPts val="0"/>
+              </a:spcAft>
+              <a:buClrTx/>
+              <a:buSzTx/>
+              <a:buFontTx/>
+              <a:buNone/>
+              <a:tabLst/>
+              <a:defRPr/>
+            </a:pPr>
+            <a:endParaRPr kumimoji="0" lang="en-US" sz="1800" b="0" i="0" u="none" strike="noStrike" kern="1200" cap="none" spc="0" normalizeH="0" baseline="0" noProof="0">
+              <a:ln>
+                <a:noFill/>
+              </a:ln>
+              <a:solidFill>
+                <a:prstClr val="white"/>
+              </a:solidFill>
+              <a:effectLst/>
+              <a:uLnTx/>
+              <a:uFillTx/>
+              <a:latin typeface="Calibri" panose="020F0502020204030204"/>
+              <a:ea typeface="+mn-ea"/>
+              <a:cs typeface="+mn-cs"/>
+            </a:endParaRPr>
+          </a:p>
+        </p:txBody>
+      </p:sp>
+      <p:sp>
+        <p:nvSpPr>
+          <p:cNvPr id="2" name="Rubrik 1">
+            <a:extLst>
+              <a:ext uri="{FF2B5EF4-FFF2-40B4-BE49-F238E27FC236}">
+                <a16:creationId xmlns:a16="http://schemas.microsoft.com/office/drawing/2014/main" id="{5061A874-0FDA-27C5-E207-92E76593A7C4}"/>
+              </a:ext>
+            </a:extLst>
+          </p:cNvPr>
+          <p:cNvSpPr>
+            <a:spLocks noGrp="1"/>
+          </p:cNvSpPr>
+          <p:nvPr>
+            <p:ph type="title"/>
+          </p:nvPr>
+        </p:nvSpPr>
+        <p:spPr>
+          <a:xfrm>
+            <a:off x="1371599" y="294538"/>
+            <a:ext cx="9895951" cy="1033669"/>
+          </a:xfrm>
+        </p:spPr>
+        <p:txBody>
+          <a:bodyPr>
+            <a:normAutofit/>
+          </a:bodyPr>
+          <a:lstStyle/>
+          <a:p>
+            <a:r>
+              <a:rPr lang="sv-SE" sz="4000" dirty="0" err="1">
+                <a:solidFill>
+                  <a:srgbClr val="FFFFFF"/>
+                </a:solidFill>
+              </a:rPr>
+              <a:t>Move</a:t>
+            </a:r>
+            <a:r>
+              <a:rPr lang="sv-SE" sz="4000" dirty="0">
+                <a:solidFill>
+                  <a:srgbClr val="FFFFFF"/>
+                </a:solidFill>
+              </a:rPr>
+              <a:t>/Copy </a:t>
+            </a:r>
+            <a:r>
+              <a:rPr lang="sv-SE" sz="4000" dirty="0" err="1">
+                <a:solidFill>
+                  <a:srgbClr val="FFFFFF"/>
+                </a:solidFill>
+              </a:rPr>
+              <a:t>with</a:t>
+            </a:r>
+            <a:r>
+              <a:rPr lang="sv-SE" sz="4000" dirty="0">
+                <a:solidFill>
+                  <a:srgbClr val="FFFFFF"/>
+                </a:solidFill>
+              </a:rPr>
+              <a:t> different </a:t>
+            </a:r>
+            <a:r>
+              <a:rPr lang="sv-SE" sz="4000" dirty="0" err="1">
+                <a:solidFill>
+                  <a:srgbClr val="FFFFFF"/>
+                </a:solidFill>
+              </a:rPr>
+              <a:t>allocators</a:t>
+            </a:r>
+            <a:endParaRPr lang="LID4096" sz="4000" dirty="0">
+              <a:solidFill>
+                <a:srgbClr val="FFFFFF"/>
+              </a:solidFill>
+            </a:endParaRPr>
+          </a:p>
+        </p:txBody>
+      </p:sp>
+      <p:sp>
+        <p:nvSpPr>
+          <p:cNvPr id="3" name="Platshållare för innehåll 2">
+            <a:extLst>
+              <a:ext uri="{FF2B5EF4-FFF2-40B4-BE49-F238E27FC236}">
+                <a16:creationId xmlns:a16="http://schemas.microsoft.com/office/drawing/2014/main" id="{2A4FF5C8-FFF5-6199-97CC-74043C45FA89}"/>
+              </a:ext>
+            </a:extLst>
+          </p:cNvPr>
+          <p:cNvSpPr>
+            <a:spLocks noGrp="1"/>
+          </p:cNvSpPr>
+          <p:nvPr>
+            <p:ph idx="1"/>
+          </p:nvPr>
+        </p:nvSpPr>
+        <p:spPr>
+          <a:xfrm>
+            <a:off x="1371599" y="2318196"/>
+            <a:ext cx="9724031" cy="4245265"/>
+          </a:xfrm>
+        </p:spPr>
+        <p:txBody>
+          <a:bodyPr anchor="ctr">
+            <a:normAutofit fontScale="77500" lnSpcReduction="20000"/>
+          </a:bodyPr>
+          <a:lstStyle/>
+          <a:p>
+            <a:r>
+              <a:rPr lang="sv-SE" sz="3800" dirty="0"/>
+              <a:t>If T is same </a:t>
+            </a:r>
+            <a:r>
+              <a:rPr lang="sv-SE" sz="3800" dirty="0" err="1"/>
+              <a:t>we</a:t>
+            </a:r>
+            <a:r>
+              <a:rPr lang="sv-SE" sz="3800" dirty="0"/>
+              <a:t> </a:t>
+            </a:r>
+            <a:r>
+              <a:rPr lang="sv-SE" sz="3800" dirty="0" err="1"/>
+              <a:t>should</a:t>
+            </a:r>
+            <a:r>
+              <a:rPr lang="sv-SE" sz="3800" dirty="0"/>
+              <a:t> be </a:t>
+            </a:r>
+            <a:r>
+              <a:rPr lang="sv-SE" sz="3800" dirty="0" err="1"/>
+              <a:t>able</a:t>
+            </a:r>
+            <a:r>
+              <a:rPr lang="sv-SE" sz="3800" dirty="0"/>
+              <a:t> to copy/</a:t>
+            </a:r>
+            <a:r>
+              <a:rPr lang="sv-SE" sz="3800" dirty="0" err="1"/>
+              <a:t>move</a:t>
+            </a:r>
+            <a:r>
+              <a:rPr lang="sv-SE" sz="3800" dirty="0"/>
+              <a:t> </a:t>
+            </a:r>
+            <a:r>
+              <a:rPr lang="sv-SE" sz="3800" dirty="0" err="1"/>
+              <a:t>between</a:t>
+            </a:r>
+            <a:r>
+              <a:rPr lang="sv-SE" sz="3800" dirty="0"/>
+              <a:t> </a:t>
+            </a:r>
+            <a:r>
+              <a:rPr lang="sv-SE" sz="3800" dirty="0" err="1"/>
+              <a:t>vectors</a:t>
+            </a:r>
+            <a:r>
+              <a:rPr lang="sv-SE" sz="3800" dirty="0"/>
+              <a:t> </a:t>
+            </a:r>
+            <a:r>
+              <a:rPr lang="sv-SE" sz="3800" dirty="0" err="1"/>
+              <a:t>even</a:t>
+            </a:r>
+            <a:r>
+              <a:rPr lang="sv-SE" sz="3800" dirty="0"/>
+              <a:t> </a:t>
+            </a:r>
+            <a:r>
+              <a:rPr lang="sv-SE" sz="3800" dirty="0" err="1"/>
+              <a:t>if</a:t>
+            </a:r>
+            <a:r>
+              <a:rPr lang="sv-SE" sz="3800" dirty="0"/>
+              <a:t> </a:t>
+            </a:r>
+            <a:r>
+              <a:rPr lang="sv-SE" sz="3800" dirty="0" err="1"/>
+              <a:t>allocator</a:t>
+            </a:r>
+            <a:r>
+              <a:rPr lang="sv-SE" sz="3800" dirty="0"/>
+              <a:t> </a:t>
+            </a:r>
+            <a:r>
+              <a:rPr lang="sv-SE" sz="3800" i="1" dirty="0" err="1"/>
+              <a:t>types</a:t>
+            </a:r>
+            <a:r>
+              <a:rPr lang="sv-SE" sz="3800" dirty="0"/>
+              <a:t> </a:t>
+            </a:r>
+            <a:r>
+              <a:rPr lang="sv-SE" sz="3800" dirty="0" err="1"/>
+              <a:t>differ</a:t>
+            </a:r>
+            <a:r>
+              <a:rPr lang="sv-SE" sz="3800" dirty="0"/>
+              <a:t>.</a:t>
+            </a:r>
+          </a:p>
+          <a:p>
+            <a:r>
+              <a:rPr lang="sv-SE" sz="3800" dirty="0" err="1"/>
+              <a:t>More</a:t>
+            </a:r>
+            <a:r>
+              <a:rPr lang="sv-SE" sz="3800" dirty="0"/>
+              <a:t> </a:t>
+            </a:r>
+            <a:r>
+              <a:rPr lang="sv-SE" sz="3800" dirty="0" err="1"/>
+              <a:t>important</a:t>
+            </a:r>
+            <a:r>
+              <a:rPr lang="sv-SE" sz="3800" dirty="0"/>
+              <a:t> </a:t>
+            </a:r>
+            <a:r>
+              <a:rPr lang="sv-SE" sz="3800" dirty="0" err="1"/>
+              <a:t>with</a:t>
+            </a:r>
+            <a:r>
+              <a:rPr lang="sv-SE" sz="3800" dirty="0"/>
+              <a:t> SBO </a:t>
+            </a:r>
+            <a:r>
+              <a:rPr lang="sv-SE" sz="3800" dirty="0" err="1"/>
+              <a:t>buffers</a:t>
+            </a:r>
+            <a:r>
+              <a:rPr lang="sv-SE" sz="3800" dirty="0"/>
+              <a:t> </a:t>
+            </a:r>
+            <a:r>
+              <a:rPr lang="sv-SE" sz="3800" dirty="0" err="1"/>
+              <a:t>of</a:t>
+            </a:r>
+            <a:r>
+              <a:rPr lang="sv-SE" sz="3800" dirty="0"/>
+              <a:t> different </a:t>
+            </a:r>
+            <a:r>
+              <a:rPr lang="sv-SE" sz="3800" dirty="0" err="1"/>
+              <a:t>sizes</a:t>
+            </a:r>
+            <a:r>
+              <a:rPr lang="sv-SE" sz="3800" dirty="0"/>
+              <a:t>.</a:t>
+            </a:r>
+          </a:p>
+          <a:p>
+            <a:r>
+              <a:rPr lang="sv-SE" sz="3800" dirty="0"/>
+              <a:t>If </a:t>
+            </a:r>
+            <a:r>
+              <a:rPr lang="sv-SE" sz="3800" dirty="0" err="1"/>
+              <a:t>Backing</a:t>
+            </a:r>
+            <a:r>
+              <a:rPr lang="sv-SE" sz="3800" dirty="0"/>
+              <a:t> </a:t>
+            </a:r>
+            <a:r>
+              <a:rPr lang="sv-SE" sz="3800" dirty="0" err="1"/>
+              <a:t>allocators</a:t>
+            </a:r>
+            <a:r>
+              <a:rPr lang="sv-SE" sz="3800" dirty="0"/>
+              <a:t> </a:t>
+            </a:r>
+            <a:r>
+              <a:rPr lang="sv-SE" sz="3800" dirty="0" err="1"/>
+              <a:t>are</a:t>
+            </a:r>
+            <a:r>
+              <a:rPr lang="sv-SE" sz="3800" dirty="0"/>
+              <a:t> </a:t>
+            </a:r>
+            <a:r>
+              <a:rPr lang="sv-SE" sz="3800" dirty="0" err="1"/>
+              <a:t>equal</a:t>
+            </a:r>
+            <a:r>
+              <a:rPr lang="sv-SE" sz="3800" dirty="0"/>
+              <a:t> </a:t>
+            </a:r>
+            <a:r>
+              <a:rPr lang="sv-SE" sz="3800" dirty="0" err="1"/>
+              <a:t>moves</a:t>
+            </a:r>
+            <a:r>
+              <a:rPr lang="sv-SE" sz="3800" dirty="0"/>
+              <a:t> </a:t>
+            </a:r>
+            <a:r>
+              <a:rPr lang="sv-SE" sz="3800" dirty="0" err="1"/>
+              <a:t>can</a:t>
+            </a:r>
+            <a:r>
+              <a:rPr lang="sv-SE" sz="3800" dirty="0"/>
+              <a:t> be </a:t>
+            </a:r>
+            <a:r>
+              <a:rPr lang="sv-SE" sz="3800" dirty="0" err="1"/>
+              <a:t>optimized</a:t>
+            </a:r>
+            <a:r>
+              <a:rPr lang="sv-SE" sz="3800" dirty="0"/>
+              <a:t>.</a:t>
+            </a:r>
+          </a:p>
+          <a:p>
+            <a:r>
+              <a:rPr lang="sv-SE" sz="3800" dirty="0" err="1"/>
+              <a:t>This</a:t>
+            </a:r>
+            <a:r>
+              <a:rPr lang="sv-SE" sz="3800" dirty="0"/>
+              <a:t> </a:t>
+            </a:r>
+            <a:r>
+              <a:rPr lang="sv-SE" sz="3800" dirty="0" err="1"/>
+              <a:t>needs</a:t>
+            </a:r>
+            <a:r>
+              <a:rPr lang="sv-SE" sz="3800" dirty="0"/>
+              <a:t> </a:t>
+            </a:r>
+            <a:r>
+              <a:rPr lang="sv-SE" sz="3800" dirty="0" err="1"/>
+              <a:t>another</a:t>
+            </a:r>
+            <a:r>
+              <a:rPr lang="sv-SE" sz="3800" dirty="0"/>
+              <a:t> </a:t>
+            </a:r>
+            <a:r>
+              <a:rPr lang="sv-SE" sz="3800" dirty="0" err="1"/>
+              <a:t>trait</a:t>
+            </a:r>
+            <a:r>
+              <a:rPr lang="sv-SE" sz="3800" dirty="0"/>
+              <a:t>:</a:t>
+            </a:r>
+          </a:p>
+          <a:p>
+            <a:pPr marL="0" indent="0">
+              <a:buNone/>
+            </a:pPr>
+            <a:endParaRPr lang="sv-SE" sz="3200" dirty="0"/>
+          </a:p>
+          <a:p>
+            <a:pPr marL="0" indent="0">
+              <a:buNone/>
+            </a:pPr>
+            <a:r>
+              <a:rPr lang="sv-SE" sz="2100" dirty="0">
+                <a:latin typeface="Consolas" panose="020B0609020204030204" pitchFamily="49" charset="0"/>
+              </a:rPr>
+              <a:t>template&lt;</a:t>
+            </a:r>
+            <a:r>
+              <a:rPr lang="sv-SE" sz="2100" dirty="0" err="1">
+                <a:latin typeface="Consolas" panose="020B0609020204030204" pitchFamily="49" charset="0"/>
+              </a:rPr>
+              <a:t>typename</a:t>
+            </a:r>
+            <a:r>
+              <a:rPr lang="sv-SE" sz="2100" dirty="0">
+                <a:latin typeface="Consolas" panose="020B0609020204030204" pitchFamily="49" charset="0"/>
+              </a:rPr>
+              <a:t>&lt;</a:t>
+            </a:r>
+            <a:r>
+              <a:rPr lang="sv-SE" sz="2100" dirty="0" err="1">
+                <a:latin typeface="Consolas" panose="020B0609020204030204" pitchFamily="49" charset="0"/>
+              </a:rPr>
+              <a:t>Alloc</a:t>
+            </a:r>
+            <a:r>
+              <a:rPr lang="sv-SE" sz="2100" dirty="0">
+                <a:latin typeface="Consolas" panose="020B0609020204030204" pitchFamily="49" charset="0"/>
+              </a:rPr>
+              <a:t>&gt; </a:t>
+            </a:r>
+          </a:p>
+          <a:p>
+            <a:pPr marL="0" indent="0">
+              <a:buNone/>
+            </a:pPr>
+            <a:r>
+              <a:rPr lang="sv-SE" sz="2100" dirty="0" err="1">
+                <a:latin typeface="Consolas" panose="020B0609020204030204" pitchFamily="49" charset="0"/>
+              </a:rPr>
+              <a:t>using</a:t>
+            </a:r>
+            <a:r>
+              <a:rPr lang="sv-SE" sz="2100" dirty="0">
+                <a:latin typeface="Consolas" panose="020B0609020204030204" pitchFamily="49" charset="0"/>
+              </a:rPr>
+              <a:t> </a:t>
+            </a:r>
+            <a:r>
+              <a:rPr lang="sv-SE" sz="2100" b="1" dirty="0" err="1">
+                <a:latin typeface="Consolas" panose="020B0609020204030204" pitchFamily="49" charset="0"/>
+              </a:rPr>
+              <a:t>backing_allocator_of</a:t>
+            </a:r>
+            <a:r>
+              <a:rPr lang="sv-SE" sz="2100" dirty="0">
+                <a:latin typeface="Consolas" panose="020B0609020204030204" pitchFamily="49" charset="0"/>
+              </a:rPr>
+              <a:t>&lt;</a:t>
+            </a:r>
+            <a:r>
+              <a:rPr lang="sv-SE" sz="2100" dirty="0" err="1">
+                <a:latin typeface="Consolas" panose="020B0609020204030204" pitchFamily="49" charset="0"/>
+              </a:rPr>
+              <a:t>Alloc</a:t>
+            </a:r>
+            <a:r>
+              <a:rPr lang="sv-SE" sz="2100" dirty="0">
+                <a:latin typeface="Consolas" panose="020B0609020204030204" pitchFamily="49" charset="0"/>
+              </a:rPr>
+              <a:t>&gt; = </a:t>
+            </a:r>
+            <a:r>
+              <a:rPr lang="sv-SE" sz="2100" dirty="0" err="1">
+                <a:latin typeface="Consolas" panose="020B0609020204030204" pitchFamily="49" charset="0"/>
+              </a:rPr>
+              <a:t>Alloc</a:t>
+            </a:r>
+            <a:r>
+              <a:rPr lang="sv-SE" sz="2100" dirty="0">
+                <a:latin typeface="Consolas" panose="020B0609020204030204" pitchFamily="49" charset="0"/>
+              </a:rPr>
+              <a:t>;</a:t>
+            </a:r>
+          </a:p>
+          <a:p>
+            <a:pPr marL="0" indent="0">
+              <a:buNone/>
+            </a:pPr>
+            <a:endParaRPr lang="sv-SE" sz="2100" dirty="0">
+              <a:latin typeface="Consolas" panose="020B0609020204030204" pitchFamily="49" charset="0"/>
+            </a:endParaRPr>
+          </a:p>
+          <a:p>
+            <a:pPr marL="0" indent="0">
+              <a:buNone/>
+            </a:pPr>
+            <a:r>
+              <a:rPr lang="sv-SE" sz="2100" dirty="0">
+                <a:latin typeface="Consolas" panose="020B0609020204030204" pitchFamily="49" charset="0"/>
+              </a:rPr>
+              <a:t>template&lt;</a:t>
+            </a:r>
+            <a:r>
+              <a:rPr lang="sv-SE" sz="2100" dirty="0" err="1">
+                <a:latin typeface="Consolas" panose="020B0609020204030204" pitchFamily="49" charset="0"/>
+              </a:rPr>
+              <a:t>typename</a:t>
+            </a:r>
+            <a:r>
+              <a:rPr lang="sv-SE" sz="2100" dirty="0">
+                <a:latin typeface="Consolas" panose="020B0609020204030204" pitchFamily="49" charset="0"/>
+              </a:rPr>
+              <a:t> T, </a:t>
+            </a:r>
+            <a:r>
+              <a:rPr lang="sv-SE" sz="2100" dirty="0" err="1">
+                <a:latin typeface="Consolas" panose="020B0609020204030204" pitchFamily="49" charset="0"/>
+              </a:rPr>
+              <a:t>size_t</a:t>
+            </a:r>
+            <a:r>
+              <a:rPr lang="sv-SE" sz="2100" dirty="0">
+                <a:latin typeface="Consolas" panose="020B0609020204030204" pitchFamily="49" charset="0"/>
+              </a:rPr>
+              <a:t> SZ, </a:t>
+            </a:r>
+            <a:r>
+              <a:rPr lang="sv-SE" sz="2100" dirty="0" err="1">
+                <a:latin typeface="Consolas" panose="020B0609020204030204" pitchFamily="49" charset="0"/>
+              </a:rPr>
+              <a:t>typename</a:t>
+            </a:r>
+            <a:r>
+              <a:rPr lang="sv-SE" sz="2100" dirty="0">
+                <a:latin typeface="Consolas" panose="020B0609020204030204" pitchFamily="49" charset="0"/>
+              </a:rPr>
+              <a:t> </a:t>
+            </a:r>
+            <a:r>
+              <a:rPr lang="sv-SE" sz="2100" dirty="0" err="1">
+                <a:latin typeface="Consolas" panose="020B0609020204030204" pitchFamily="49" charset="0"/>
+              </a:rPr>
+              <a:t>Backing</a:t>
+            </a:r>
+            <a:r>
+              <a:rPr lang="sv-SE" sz="2100" dirty="0">
+                <a:latin typeface="Consolas" panose="020B0609020204030204" pitchFamily="49" charset="0"/>
+              </a:rPr>
+              <a:t>&gt; </a:t>
+            </a:r>
+          </a:p>
+          <a:p>
+            <a:pPr marL="0" indent="0">
+              <a:buNone/>
+            </a:pPr>
+            <a:r>
+              <a:rPr lang="sv-SE" sz="2100" dirty="0" err="1">
+                <a:latin typeface="Consolas" panose="020B0609020204030204" pitchFamily="49" charset="0"/>
+              </a:rPr>
+              <a:t>using</a:t>
+            </a:r>
+            <a:r>
+              <a:rPr lang="sv-SE" sz="2100" dirty="0">
+                <a:latin typeface="Consolas" panose="020B0609020204030204" pitchFamily="49" charset="0"/>
+              </a:rPr>
+              <a:t> </a:t>
+            </a:r>
+            <a:r>
+              <a:rPr lang="sv-SE" sz="2100" dirty="0" err="1">
+                <a:latin typeface="Consolas" panose="020B0609020204030204" pitchFamily="49" charset="0"/>
+              </a:rPr>
+              <a:t>backing_allocator</a:t>
+            </a:r>
+            <a:r>
+              <a:rPr lang="sv-SE" sz="2100" dirty="0">
+                <a:latin typeface="Consolas" panose="020B0609020204030204" pitchFamily="49" charset="0"/>
+              </a:rPr>
+              <a:t>&lt;</a:t>
+            </a:r>
+            <a:r>
+              <a:rPr lang="sv-SE" sz="2100" dirty="0" err="1">
+                <a:latin typeface="Consolas" panose="020B0609020204030204" pitchFamily="49" charset="0"/>
+              </a:rPr>
+              <a:t>buffered_allocator</a:t>
+            </a:r>
+            <a:r>
+              <a:rPr lang="sv-SE" sz="2100" dirty="0">
+                <a:latin typeface="Consolas" panose="020B0609020204030204" pitchFamily="49" charset="0"/>
+              </a:rPr>
+              <a:t>&lt;T, SZ, </a:t>
+            </a:r>
+            <a:r>
+              <a:rPr lang="sv-SE" sz="2100" dirty="0" err="1">
+                <a:latin typeface="Consolas" panose="020B0609020204030204" pitchFamily="49" charset="0"/>
+              </a:rPr>
+              <a:t>Backing</a:t>
+            </a:r>
+            <a:r>
+              <a:rPr lang="sv-SE" sz="2100" dirty="0">
+                <a:latin typeface="Consolas" panose="020B0609020204030204" pitchFamily="49" charset="0"/>
+              </a:rPr>
+              <a:t>&gt; = </a:t>
+            </a:r>
+            <a:r>
+              <a:rPr lang="sv-SE" sz="2100" dirty="0" err="1">
+                <a:latin typeface="Consolas" panose="020B0609020204030204" pitchFamily="49" charset="0"/>
+              </a:rPr>
+              <a:t>Backing</a:t>
+            </a:r>
+            <a:r>
+              <a:rPr lang="sv-SE" sz="2100" dirty="0">
+                <a:latin typeface="Consolas" panose="020B0609020204030204" pitchFamily="49" charset="0"/>
+              </a:rPr>
+              <a:t>;   // I </a:t>
+            </a:r>
+            <a:r>
+              <a:rPr lang="sv-SE" sz="2100" dirty="0" err="1">
+                <a:latin typeface="Consolas" panose="020B0609020204030204" pitchFamily="49" charset="0"/>
+              </a:rPr>
+              <a:t>wish</a:t>
+            </a:r>
+            <a:r>
+              <a:rPr lang="sv-SE" sz="2100" dirty="0">
+                <a:latin typeface="Consolas" panose="020B0609020204030204" pitchFamily="49" charset="0"/>
+              </a:rPr>
+              <a:t>!</a:t>
+            </a:r>
+            <a:endParaRPr lang="LID4096" sz="2100" dirty="0"/>
+          </a:p>
+        </p:txBody>
+      </p:sp>
+    </p:spTree>
+    <p:extLst>
+      <p:ext uri="{BB962C8B-B14F-4D97-AF65-F5344CB8AC3E}">
+        <p14:creationId xmlns:p14="http://schemas.microsoft.com/office/powerpoint/2010/main" val="3288268060"/>
+      </p:ext>
+    </p:extLst>
+  </p:cSld>
+  <p:clrMapOvr>
+    <a:masterClrMapping/>
+  </p:clrMapOvr>
+</p:sld>
+</file>
+
+<file path=ppt/slides/slide9.xml><?xml version="1.0" encoding="utf-8"?>
+<p:sld xmlns:a="http://schemas.openxmlformats.org/drawingml/2006/main" xmlns:r="http://schemas.openxmlformats.org/officeDocument/2006/relationships" xmlns:p="http://schemas.openxmlformats.org/presentationml/2006/main">
+  <p:cSld>
+    <p:bg>
+      <p:bgPr>
+        <a:solidFill>
+          <a:schemeClr val="bg1"/>
+        </a:solidFill>
+        <a:effectLst/>
+      </p:bgPr>
+    </p:bg>
+    <p:spTree>
+      <p:nvGrpSpPr>
+        <p:cNvPr id="1" name=""/>
+        <p:cNvGrpSpPr/>
+        <p:nvPr/>
+      </p:nvGrpSpPr>
+      <p:grpSpPr>
+        <a:xfrm>
+          <a:off x="0" y="0"/>
+          <a:ext cx="0" cy="0"/>
+          <a:chOff x="0" y="0"/>
+          <a:chExt cx="0" cy="0"/>
+        </a:xfrm>
+      </p:grpSpPr>
+      <p:sp useBgFill="1">
+        <p:nvSpPr>
+          <p:cNvPr id="8" name="Rectangle 7">
+            <a:extLst>
+              <a:ext uri="{FF2B5EF4-FFF2-40B4-BE49-F238E27FC236}">
+                <a16:creationId xmlns:a16="http://schemas.microsoft.com/office/drawing/2014/main" id="{1B15ED52-F352-441B-82BF-E0EA34836D08}"/>
+              </a:ext>
+              <a:ext uri="{C183D7F6-B498-43B3-948B-1728B52AA6E4}">
+                <adec:decorative xmlns:adec="http://schemas.microsoft.com/office/drawing/2017/decorative" val="1"/>
+              </a:ext>
+            </a:extLst>
+          </p:cNvPr>
+          <p:cNvSpPr>
+            <a:spLocks noGrp="1" noRot="1" noChangeAspect="1" noMove="1" noResize="1" noEditPoints="1" noAdjustHandles="1" noChangeArrowheads="1" noChangeShapeType="1" noTextEdit="1"/>
+          </p:cNvSpPr>
+          <p:nvPr>
+            <p:extLst>
+              <p:ext uri="{386F3935-93C4-4BCD-93E2-E3B085C9AB24}">
+                <p16:designElem xmlns:p16="http://schemas.microsoft.com/office/powerpoint/2015/main" val="1"/>
+              </p:ext>
+            </p:extLst>
+          </p:nvPr>
+        </p:nvSpPr>
+        <p:spPr>
+          <a:xfrm>
+            <a:off x="0" y="0"/>
+            <a:ext cx="12192000" cy="6858000"/>
+          </a:xfrm>
+          <a:prstGeom prst="rect">
+            <a:avLst/>
+          </a:prstGeom>
+          <a:ln w="12700" cap="flat" cmpd="sng" algn="ctr">
+            <a:noFill/>
+            <a:prstDash val="solid"/>
+            <a:miter lim="800000"/>
+          </a:ln>
+          <a:effectLst/>
+          <a:extLst>
+            <a:ext uri="{91240B29-F687-4F45-9708-019B960494DF}">
+              <a14:hiddenLine xmlns:a14="http://schemas.microsoft.com/office/drawing/2010/main" w="12700" cap="flat" cmpd="sng" algn="ctr">
+                <a:solidFill>
+                  <a:schemeClr val="accent1">
+                    <a:shade val="50000"/>
+                  </a:schemeClr>
+                </a:solidFill>
+                <a:prstDash val="solid"/>
+                <a:miter lim="800000"/>
+              </a14:hiddenLine>
+            </a:ext>
+          </a:extLst>
+        </p:spPr>
+        <p:style>
+          <a:lnRef idx="2">
+            <a:schemeClr val="accent1">
+              <a:shade val="50000"/>
+            </a:schemeClr>
+          </a:lnRef>
+          <a:fillRef idx="1">
+            <a:schemeClr val="accent1"/>
+          </a:fillRef>
+          <a:effectRef idx="0">
+            <a:schemeClr val="accent1"/>
+          </a:effectRef>
+          <a:fontRef idx="minor">
+            <a:schemeClr val="lt1"/>
+          </a:fontRef>
+        </p:style>
+        <p:txBody>
+          <a:bodyPr rtlCol="0" anchor="ctr"/>
+          <a:lstStyle/>
+          <a:p>
+            <a:pPr marL="0" marR="0" lvl="0" indent="0" algn="ctr" defTabSz="914400" rtl="0" eaLnBrk="1" fontAlgn="auto" latinLnBrk="0" hangingPunct="1">
+              <a:lnSpc>
+                <a:spcPct val="100000"/>
+              </a:lnSpc>
+              <a:spcBef>
+                <a:spcPts val="0"/>
+              </a:spcBef>
+              <a:spcAft>
+                <a:spcPts val="0"/>
+              </a:spcAft>
+              <a:buClrTx/>
+              <a:buSzTx/>
+              <a:buFontTx/>
+              <a:buNone/>
+              <a:tabLst/>
+              <a:defRPr/>
+            </a:pPr>
+            <a:endParaRPr kumimoji="0" lang="en-US" sz="1800" b="0" i="0" u="none" strike="noStrike" kern="1200" cap="none" spc="0" normalizeH="0" baseline="0" noProof="0">
+              <a:ln>
+                <a:noFill/>
+              </a:ln>
+              <a:solidFill>
+                <a:prstClr val="white"/>
+              </a:solidFill>
+              <a:effectLst/>
+              <a:uLnTx/>
+              <a:uFillTx/>
+              <a:latin typeface="Calibri" panose="020F0502020204030204"/>
+              <a:ea typeface="+mn-ea"/>
+              <a:cs typeface="+mn-cs"/>
+            </a:endParaRPr>
+          </a:p>
+        </p:txBody>
+      </p:sp>
+      <p:sp>
+        <p:nvSpPr>
+          <p:cNvPr id="10" name="Rectangle 9">
+            <a:extLst>
+              <a:ext uri="{FF2B5EF4-FFF2-40B4-BE49-F238E27FC236}">
+                <a16:creationId xmlns:a16="http://schemas.microsoft.com/office/drawing/2014/main" id="{3B2E3793-BFE6-45A2-9B7B-E18844431C99}"/>
+              </a:ext>
+              <a:ext uri="{C183D7F6-B498-43B3-948B-1728B52AA6E4}">
+                <adec:decorative xmlns:adec="http://schemas.microsoft.com/office/drawing/2017/decorative" val="1"/>
+              </a:ext>
+            </a:extLst>
+          </p:cNvPr>
+          <p:cNvSpPr>
+            <a:spLocks noGrp="1" noRot="1" noChangeAspect="1" noMove="1" noResize="1" noEditPoints="1" noAdjustHandles="1" noChangeArrowheads="1" noChangeShapeType="1" noTextEdit="1"/>
+          </p:cNvSpPr>
+          <p:nvPr>
+            <p:extLst>
+              <p:ext uri="{386F3935-93C4-4BCD-93E2-E3B085C9AB24}">
+                <p16:designElem xmlns:p16="http://schemas.microsoft.com/office/powerpoint/2015/main" val="1"/>
+              </p:ext>
+            </p:extLst>
+          </p:nvPr>
+        </p:nvSpPr>
+        <p:spPr>
+          <a:xfrm flipH="1">
+            <a:off x="-1" y="-1"/>
+            <a:ext cx="12191998" cy="1590742"/>
+          </a:xfrm>
+          <a:prstGeom prst="rect">
+            <a:avLst/>
+          </a:prstGeom>
+          <a:gradFill>
+            <a:gsLst>
+              <a:gs pos="0">
+                <a:srgbClr val="000000"/>
+              </a:gs>
+              <a:gs pos="100000">
+                <a:schemeClr val="accent1">
+                  <a:lumMod val="75000"/>
+                </a:schemeClr>
+              </a:gs>
+            </a:gsLst>
+            <a:lin ang="8400000" scaled="0"/>
+          </a:gradFill>
+          <a:ln>
+            <a:noFill/>
+          </a:ln>
+        </p:spPr>
+        <p:style>
+          <a:lnRef idx="2">
+            <a:schemeClr val="accent1">
+              <a:shade val="50000"/>
+            </a:schemeClr>
+          </a:lnRef>
+          <a:fillRef idx="1">
+            <a:schemeClr val="accent1"/>
+          </a:fillRef>
+          <a:effectRef idx="0">
+            <a:schemeClr val="accent1"/>
+          </a:effectRef>
+          <a:fontRef idx="minor">
+            <a:schemeClr val="lt1"/>
+          </a:fontRef>
+        </p:style>
+        <p:txBody>
+          <a:bodyPr rtlCol="0" anchor="ctr"/>
+          <a:lstStyle/>
+          <a:p>
+            <a:pPr marL="0" marR="0" lvl="0" indent="0" algn="ctr" defTabSz="914400" rtl="0" eaLnBrk="1" fontAlgn="auto" latinLnBrk="0" hangingPunct="1">
+              <a:lnSpc>
+                <a:spcPct val="100000"/>
+              </a:lnSpc>
+              <a:spcBef>
+                <a:spcPts val="0"/>
+              </a:spcBef>
+              <a:spcAft>
+                <a:spcPts val="0"/>
+              </a:spcAft>
+              <a:buClrTx/>
+              <a:buSzTx/>
+              <a:buFontTx/>
+              <a:buNone/>
+              <a:tabLst/>
+              <a:defRPr/>
+            </a:pPr>
+            <a:endParaRPr kumimoji="0" lang="en-US" sz="1800" b="0" i="0" u="none" strike="noStrike" kern="1200" cap="none" spc="0" normalizeH="0" baseline="0" noProof="0">
+              <a:ln>
+                <a:noFill/>
+              </a:ln>
+              <a:solidFill>
+                <a:prstClr val="white"/>
+              </a:solidFill>
+              <a:effectLst/>
+              <a:uLnTx/>
+              <a:uFillTx/>
+              <a:latin typeface="Calibri" panose="020F0502020204030204"/>
+              <a:ea typeface="+mn-ea"/>
+              <a:cs typeface="+mn-cs"/>
+            </a:endParaRPr>
+          </a:p>
+        </p:txBody>
+      </p:sp>
+      <p:sp>
+        <p:nvSpPr>
+          <p:cNvPr id="12" name="Rectangle 11">
+            <a:extLst>
+              <a:ext uri="{FF2B5EF4-FFF2-40B4-BE49-F238E27FC236}">
+                <a16:creationId xmlns:a16="http://schemas.microsoft.com/office/drawing/2014/main" id="{BC4C4868-CB8F-4AF9-9CDB-8108F2C19B67}"/>
+              </a:ext>
+              <a:ext uri="{C183D7F6-B498-43B3-948B-1728B52AA6E4}">
+                <adec:decorative xmlns:adec="http://schemas.microsoft.com/office/drawing/2017/decorative" val="1"/>
+              </a:ext>
+            </a:extLst>
+          </p:cNvPr>
+          <p:cNvSpPr>
+            <a:spLocks noGrp="1" noRot="1" noChangeAspect="1" noMove="1" noResize="1" noEditPoints="1" noAdjustHandles="1" noChangeArrowheads="1" noChangeShapeType="1" noTextEdit="1"/>
+          </p:cNvSpPr>
+          <p:nvPr>
+            <p:extLst>
+              <p:ext uri="{386F3935-93C4-4BCD-93E2-E3B085C9AB24}">
+                <p16:designElem xmlns:p16="http://schemas.microsoft.com/office/powerpoint/2015/main" val="1"/>
+              </p:ext>
+            </p:extLst>
+          </p:nvPr>
+        </p:nvSpPr>
+        <p:spPr>
+          <a:xfrm rot="10800000" flipH="1">
+            <a:off x="-3" y="0"/>
+            <a:ext cx="8115306" cy="1590742"/>
+          </a:xfrm>
+          <a:prstGeom prst="rect">
+            <a:avLst/>
+          </a:prstGeom>
+          <a:gradFill>
+            <a:gsLst>
+              <a:gs pos="20000">
+                <a:schemeClr val="accent1">
+                  <a:alpha val="0"/>
+                </a:schemeClr>
+              </a:gs>
+              <a:gs pos="100000">
+                <a:schemeClr val="accent1">
+                  <a:lumMod val="50000"/>
+                  <a:alpha val="55000"/>
+                </a:schemeClr>
+              </a:gs>
+            </a:gsLst>
+            <a:lin ang="13800000" scaled="0"/>
+          </a:gradFill>
+          <a:ln>
+            <a:noFill/>
+          </a:ln>
+        </p:spPr>
+        <p:style>
+          <a:lnRef idx="2">
+            <a:schemeClr val="accent1">
+              <a:shade val="50000"/>
+            </a:schemeClr>
+          </a:lnRef>
+          <a:fillRef idx="1">
+            <a:schemeClr val="accent1"/>
+          </a:fillRef>
+          <a:effectRef idx="0">
+            <a:schemeClr val="accent1"/>
+          </a:effectRef>
+          <a:fontRef idx="minor">
+            <a:schemeClr val="lt1"/>
+          </a:fontRef>
+        </p:style>
+        <p:txBody>
+          <a:bodyPr rtlCol="0" anchor="ctr"/>
+          <a:lstStyle/>
+          <a:p>
+            <a:pPr marL="0" marR="0" lvl="0" indent="0" algn="ctr" defTabSz="914400" rtl="0" eaLnBrk="1" fontAlgn="auto" latinLnBrk="0" hangingPunct="1">
+              <a:lnSpc>
+                <a:spcPct val="100000"/>
+              </a:lnSpc>
+              <a:spcBef>
+                <a:spcPts val="0"/>
+              </a:spcBef>
+              <a:spcAft>
+                <a:spcPts val="0"/>
+              </a:spcAft>
+              <a:buClrTx/>
+              <a:buSzTx/>
+              <a:buFontTx/>
+              <a:buNone/>
+              <a:tabLst/>
+              <a:defRPr/>
+            </a:pPr>
+            <a:endParaRPr kumimoji="0" lang="en-US" sz="1800" b="0" i="0" u="none" strike="noStrike" kern="1200" cap="none" spc="0" normalizeH="0" baseline="0" noProof="0">
+              <a:ln>
+                <a:noFill/>
+              </a:ln>
+              <a:solidFill>
+                <a:prstClr val="white"/>
+              </a:solidFill>
+              <a:effectLst/>
+              <a:uLnTx/>
+              <a:uFillTx/>
+              <a:latin typeface="Calibri" panose="020F0502020204030204"/>
+              <a:ea typeface="+mn-ea"/>
+              <a:cs typeface="+mn-cs"/>
+            </a:endParaRPr>
+          </a:p>
+        </p:txBody>
+      </p:sp>
+      <p:sp>
+        <p:nvSpPr>
+          <p:cNvPr id="14" name="Rectangle 13">
+            <a:extLst>
+              <a:ext uri="{FF2B5EF4-FFF2-40B4-BE49-F238E27FC236}">
+                <a16:creationId xmlns:a16="http://schemas.microsoft.com/office/drawing/2014/main" id="{375E0459-6403-40CD-989D-56A4407CA12E}"/>
+              </a:ext>
+              <a:ext uri="{C183D7F6-B498-43B3-948B-1728B52AA6E4}">
+                <adec:decorative xmlns:adec="http://schemas.microsoft.com/office/drawing/2017/decorative" val="1"/>
+              </a:ext>
+            </a:extLst>
+          </p:cNvPr>
+          <p:cNvSpPr>
+            <a:spLocks noGrp="1" noRot="1" noChangeAspect="1" noMove="1" noResize="1" noEditPoints="1" noAdjustHandles="1" noChangeArrowheads="1" noChangeShapeType="1" noTextEdit="1"/>
+          </p:cNvSpPr>
+          <p:nvPr>
+            <p:extLst>
+              <p:ext uri="{386F3935-93C4-4BCD-93E2-E3B085C9AB24}">
+                <p16:designElem xmlns:p16="http://schemas.microsoft.com/office/powerpoint/2015/main" val="1"/>
+              </p:ext>
+            </p:extLst>
+          </p:nvPr>
+        </p:nvSpPr>
+        <p:spPr>
+          <a:xfrm flipH="1">
+            <a:off x="8115299" y="-1"/>
+            <a:ext cx="4076698" cy="1590742"/>
+          </a:xfrm>
+          <a:prstGeom prst="rect">
+            <a:avLst/>
+          </a:prstGeom>
+          <a:gradFill>
+            <a:gsLst>
+              <a:gs pos="0">
+                <a:schemeClr val="accent1">
+                  <a:alpha val="66000"/>
+                </a:schemeClr>
+              </a:gs>
+              <a:gs pos="100000">
+                <a:srgbClr val="000000">
+                  <a:alpha val="30000"/>
+                </a:srgbClr>
+              </a:gs>
+            </a:gsLst>
+            <a:lin ang="13200000" scaled="0"/>
+          </a:gradFill>
+          <a:ln>
+            <a:noFill/>
+          </a:ln>
+        </p:spPr>
+        <p:style>
+          <a:lnRef idx="2">
+            <a:schemeClr val="accent1">
+              <a:shade val="50000"/>
+            </a:schemeClr>
+          </a:lnRef>
+          <a:fillRef idx="1">
+            <a:schemeClr val="accent1"/>
+          </a:fillRef>
+          <a:effectRef idx="0">
+            <a:schemeClr val="accent1"/>
+          </a:effectRef>
+          <a:fontRef idx="minor">
+            <a:schemeClr val="lt1"/>
+          </a:fontRef>
+        </p:style>
+        <p:txBody>
+          <a:bodyPr rtlCol="0" anchor="ctr"/>
+          <a:lstStyle/>
+          <a:p>
+            <a:pPr marL="0" marR="0" lvl="0" indent="0" algn="ctr" defTabSz="914400" rtl="0" eaLnBrk="1" fontAlgn="auto" latinLnBrk="0" hangingPunct="1">
+              <a:lnSpc>
+                <a:spcPct val="100000"/>
+              </a:lnSpc>
+              <a:spcBef>
+                <a:spcPts val="0"/>
+              </a:spcBef>
+              <a:spcAft>
+                <a:spcPts val="0"/>
+              </a:spcAft>
+              <a:buClrTx/>
+              <a:buSzTx/>
+              <a:buFontTx/>
+              <a:buNone/>
+              <a:tabLst/>
+              <a:defRPr/>
+            </a:pPr>
+            <a:endParaRPr kumimoji="0" lang="en-US" sz="1800" b="0" i="0" u="none" strike="noStrike" kern="1200" cap="none" spc="0" normalizeH="0" baseline="0" noProof="0">
+              <a:ln>
+                <a:noFill/>
+              </a:ln>
+              <a:solidFill>
+                <a:prstClr val="white"/>
+              </a:solidFill>
+              <a:effectLst/>
+              <a:uLnTx/>
+              <a:uFillTx/>
+              <a:latin typeface="Calibri" panose="020F0502020204030204"/>
+              <a:ea typeface="+mn-ea"/>
+              <a:cs typeface="+mn-cs"/>
+            </a:endParaRPr>
+          </a:p>
+        </p:txBody>
+      </p:sp>
+      <p:sp>
+        <p:nvSpPr>
+          <p:cNvPr id="16" name="Rectangle 15">
+            <a:extLst>
+              <a:ext uri="{FF2B5EF4-FFF2-40B4-BE49-F238E27FC236}">
+                <a16:creationId xmlns:a16="http://schemas.microsoft.com/office/drawing/2014/main" id="{53E5B1A8-3AC9-4BD1-9BBC-78CA94F2D1BA}"/>
+              </a:ext>
+              <a:ext uri="{C183D7F6-B498-43B3-948B-1728B52AA6E4}">
+                <adec:decorative xmlns:adec="http://schemas.microsoft.com/office/drawing/2017/decorative" val="1"/>
+              </a:ext>
+            </a:extLst>
+          </p:cNvPr>
+          <p:cNvSpPr>
+            <a:spLocks noGrp="1" noRot="1" noChangeAspect="1" noMove="1" noResize="1" noEditPoints="1" noAdjustHandles="1" noChangeArrowheads="1" noChangeShapeType="1" noTextEdit="1"/>
+          </p:cNvSpPr>
+          <p:nvPr>
+            <p:extLst>
+              <p:ext uri="{386F3935-93C4-4BCD-93E2-E3B085C9AB24}">
+                <p16:designElem xmlns:p16="http://schemas.microsoft.com/office/powerpoint/2015/main" val="1"/>
+              </p:ext>
+            </p:extLst>
+          </p:nvPr>
+        </p:nvSpPr>
+        <p:spPr>
+          <a:xfrm>
+            <a:off x="459350" y="-1"/>
+            <a:ext cx="11732646" cy="1597433"/>
+          </a:xfrm>
+          <a:prstGeom prst="rect">
+            <a:avLst/>
+          </a:prstGeom>
+          <a:gradFill>
+            <a:gsLst>
+              <a:gs pos="50000">
+                <a:srgbClr val="000000">
+                  <a:alpha val="0"/>
+                </a:srgbClr>
+              </a:gs>
+              <a:gs pos="99000">
+                <a:schemeClr val="accent1">
+                  <a:lumMod val="50000"/>
+                  <a:alpha val="52000"/>
+                </a:schemeClr>
+              </a:gs>
+            </a:gsLst>
+            <a:lin ang="16800000" scaled="0"/>
+          </a:gradFill>
+          <a:ln>
+            <a:noFill/>
+          </a:ln>
+        </p:spPr>
+        <p:style>
+          <a:lnRef idx="2">
+            <a:schemeClr val="accent1">
+              <a:shade val="50000"/>
+            </a:schemeClr>
+          </a:lnRef>
+          <a:fillRef idx="1">
+            <a:schemeClr val="accent1"/>
+          </a:fillRef>
+          <a:effectRef idx="0">
+            <a:schemeClr val="accent1"/>
+          </a:effectRef>
+          <a:fontRef idx="minor">
+            <a:schemeClr val="lt1"/>
+          </a:fontRef>
+        </p:style>
+        <p:txBody>
+          <a:bodyPr rtlCol="0" anchor="ctr"/>
+          <a:lstStyle/>
+          <a:p>
+            <a:pPr marL="0" marR="0" lvl="0" indent="0" algn="ctr" defTabSz="914400" rtl="0" eaLnBrk="1" fontAlgn="auto" latinLnBrk="0" hangingPunct="1">
+              <a:lnSpc>
+                <a:spcPct val="100000"/>
+              </a:lnSpc>
+              <a:spcBef>
+                <a:spcPts val="0"/>
+              </a:spcBef>
+              <a:spcAft>
+                <a:spcPts val="0"/>
+              </a:spcAft>
+              <a:buClrTx/>
+              <a:buSzTx/>
+              <a:buFontTx/>
+              <a:buNone/>
+              <a:tabLst/>
+              <a:defRPr/>
+            </a:pPr>
+            <a:endParaRPr kumimoji="0" lang="en-US" sz="1800" b="0" i="0" u="none" strike="noStrike" kern="1200" cap="none" spc="0" normalizeH="0" baseline="0" noProof="0">
+              <a:ln>
+                <a:noFill/>
+              </a:ln>
+              <a:solidFill>
+                <a:prstClr val="white"/>
+              </a:solidFill>
+              <a:effectLst/>
+              <a:uLnTx/>
+              <a:uFillTx/>
+              <a:latin typeface="Calibri" panose="020F0502020204030204"/>
+              <a:ea typeface="+mn-ea"/>
+              <a:cs typeface="+mn-cs"/>
+            </a:endParaRPr>
+          </a:p>
+        </p:txBody>
+      </p:sp>
+      <p:sp>
+        <p:nvSpPr>
+          <p:cNvPr id="2" name="Rubrik 1">
+            <a:extLst>
+              <a:ext uri="{FF2B5EF4-FFF2-40B4-BE49-F238E27FC236}">
+                <a16:creationId xmlns:a16="http://schemas.microsoft.com/office/drawing/2014/main" id="{5061A874-0FDA-27C5-E207-92E76593A7C4}"/>
+              </a:ext>
+            </a:extLst>
+          </p:cNvPr>
+          <p:cNvSpPr>
+            <a:spLocks noGrp="1"/>
+          </p:cNvSpPr>
+          <p:nvPr>
+            <p:ph type="title"/>
+          </p:nvPr>
+        </p:nvSpPr>
+        <p:spPr>
+          <a:xfrm>
+            <a:off x="1371599" y="294538"/>
+            <a:ext cx="9895951" cy="1033669"/>
+          </a:xfrm>
+        </p:spPr>
+        <p:txBody>
+          <a:bodyPr>
+            <a:normAutofit/>
+          </a:bodyPr>
+          <a:lstStyle/>
+          <a:p>
+            <a:r>
+              <a:rPr lang="sv-SE" sz="4000" dirty="0" err="1">
+                <a:solidFill>
+                  <a:srgbClr val="FFFFFF"/>
+                </a:solidFill>
+              </a:rPr>
+              <a:t>Traits</a:t>
+            </a:r>
+            <a:r>
+              <a:rPr lang="sv-SE" sz="4000" dirty="0">
+                <a:solidFill>
+                  <a:srgbClr val="FFFFFF"/>
+                </a:solidFill>
+              </a:rPr>
+              <a:t> </a:t>
+            </a:r>
+            <a:r>
+              <a:rPr lang="sv-SE" sz="4000" dirty="0" err="1">
+                <a:solidFill>
+                  <a:srgbClr val="FFFFFF"/>
+                </a:solidFill>
+              </a:rPr>
+              <a:t>summary</a:t>
+            </a:r>
+            <a:endParaRPr lang="LID4096" sz="4000" dirty="0">
+              <a:solidFill>
+                <a:srgbClr val="FFFFFF"/>
+              </a:solidFill>
+            </a:endParaRPr>
+          </a:p>
+        </p:txBody>
+      </p:sp>
+      <p:sp>
+        <p:nvSpPr>
+          <p:cNvPr id="3" name="Platshållare för innehåll 2">
+            <a:extLst>
+              <a:ext uri="{FF2B5EF4-FFF2-40B4-BE49-F238E27FC236}">
+                <a16:creationId xmlns:a16="http://schemas.microsoft.com/office/drawing/2014/main" id="{2A4FF5C8-FFF5-6199-97CC-74043C45FA89}"/>
+              </a:ext>
+            </a:extLst>
+          </p:cNvPr>
+          <p:cNvSpPr>
+            <a:spLocks noGrp="1"/>
+          </p:cNvSpPr>
+          <p:nvPr>
+            <p:ph idx="1"/>
+          </p:nvPr>
+        </p:nvSpPr>
+        <p:spPr>
+          <a:xfrm>
+            <a:off x="1371599" y="2318197"/>
+            <a:ext cx="10474037" cy="3683358"/>
+          </a:xfrm>
+        </p:spPr>
+        <p:txBody>
+          <a:bodyPr anchor="ctr">
+            <a:normAutofit/>
+          </a:bodyPr>
+          <a:lstStyle/>
+          <a:p>
+            <a:pPr marL="0" indent="0">
+              <a:buNone/>
+            </a:pPr>
+            <a:r>
+              <a:rPr lang="sv-SE" sz="1600" dirty="0">
+                <a:latin typeface="Consolas" panose="020B0609020204030204" pitchFamily="49" charset="0"/>
+              </a:rPr>
+              <a:t>// Placement </a:t>
+            </a:r>
+            <a:r>
+              <a:rPr lang="sv-SE" sz="1600" dirty="0" err="1">
+                <a:latin typeface="Consolas" panose="020B0609020204030204" pitchFamily="49" charset="0"/>
+              </a:rPr>
+              <a:t>according</a:t>
+            </a:r>
+            <a:r>
+              <a:rPr lang="sv-SE" sz="1600" dirty="0">
+                <a:latin typeface="Consolas" panose="020B0609020204030204" pitchFamily="49" charset="0"/>
+              </a:rPr>
+              <a:t> to </a:t>
+            </a:r>
+            <a:r>
+              <a:rPr lang="sv-SE" sz="1600" dirty="0" err="1">
+                <a:latin typeface="Consolas" panose="020B0609020204030204" pitchFamily="49" charset="0"/>
+              </a:rPr>
+              <a:t>proposal</a:t>
+            </a:r>
+            <a:r>
+              <a:rPr lang="sv-SE" sz="1600" dirty="0">
+                <a:latin typeface="Consolas" panose="020B0609020204030204" pitchFamily="49" charset="0"/>
+              </a:rPr>
+              <a:t> R0</a:t>
+            </a:r>
+          </a:p>
+          <a:p>
+            <a:pPr marL="0" indent="0">
+              <a:buNone/>
+            </a:pPr>
+            <a:r>
+              <a:rPr lang="sv-SE" sz="1600" dirty="0" err="1">
+                <a:latin typeface="Consolas" panose="020B0609020204030204" pitchFamily="49" charset="0"/>
+              </a:rPr>
+              <a:t>namespace</a:t>
+            </a:r>
+            <a:r>
+              <a:rPr lang="sv-SE" sz="1600" dirty="0">
+                <a:latin typeface="Consolas" panose="020B0609020204030204" pitchFamily="49" charset="0"/>
+              </a:rPr>
+              <a:t> </a:t>
+            </a:r>
+            <a:r>
+              <a:rPr lang="sv-SE" sz="1600" dirty="0" err="1">
+                <a:latin typeface="Consolas" panose="020B0609020204030204" pitchFamily="49" charset="0"/>
+              </a:rPr>
+              <a:t>std</a:t>
+            </a:r>
+            <a:r>
+              <a:rPr lang="sv-SE" sz="1600" dirty="0">
+                <a:latin typeface="Consolas" panose="020B0609020204030204" pitchFamily="49" charset="0"/>
+              </a:rPr>
+              <a:t>::</a:t>
+            </a:r>
+            <a:r>
+              <a:rPr lang="sv-SE" sz="1600" dirty="0" err="1">
+                <a:latin typeface="Consolas" panose="020B0609020204030204" pitchFamily="49" charset="0"/>
+              </a:rPr>
+              <a:t>allocator_info</a:t>
+            </a:r>
+            <a:r>
+              <a:rPr lang="sv-SE" sz="1600" dirty="0">
+                <a:latin typeface="Consolas" panose="020B0609020204030204" pitchFamily="49" charset="0"/>
+              </a:rPr>
+              <a:t> {</a:t>
+            </a:r>
+          </a:p>
+          <a:p>
+            <a:pPr marL="0" indent="0">
+              <a:buNone/>
+            </a:pPr>
+            <a:r>
+              <a:rPr lang="sv-SE" sz="1600" dirty="0">
+                <a:latin typeface="Consolas" panose="020B0609020204030204" pitchFamily="49" charset="0"/>
+              </a:rPr>
+              <a:t>    template&lt;</a:t>
+            </a:r>
+            <a:r>
+              <a:rPr lang="sv-SE" sz="1600" dirty="0" err="1">
+                <a:latin typeface="Consolas" panose="020B0609020204030204" pitchFamily="49" charset="0"/>
+              </a:rPr>
+              <a:t>typename</a:t>
+            </a:r>
+            <a:r>
+              <a:rPr lang="sv-SE" sz="1600" dirty="0">
+                <a:latin typeface="Consolas" panose="020B0609020204030204" pitchFamily="49" charset="0"/>
+              </a:rPr>
+              <a:t> A&gt; </a:t>
+            </a:r>
+            <a:r>
+              <a:rPr lang="sv-SE" sz="1600" dirty="0" err="1">
+                <a:latin typeface="Consolas" panose="020B0609020204030204" pitchFamily="49" charset="0"/>
+              </a:rPr>
+              <a:t>size_t</a:t>
+            </a:r>
+            <a:r>
+              <a:rPr lang="sv-SE" sz="1600" dirty="0">
+                <a:latin typeface="Consolas" panose="020B0609020204030204" pitchFamily="49" charset="0"/>
+              </a:rPr>
+              <a:t> </a:t>
+            </a:r>
+            <a:r>
+              <a:rPr lang="sv-SE" sz="1600" dirty="0" err="1">
+                <a:latin typeface="Consolas" panose="020B0609020204030204" pitchFamily="49" charset="0"/>
+              </a:rPr>
+              <a:t>buffer_capacity</a:t>
+            </a:r>
+            <a:r>
+              <a:rPr lang="sv-SE" sz="1600" dirty="0">
+                <a:latin typeface="Consolas" panose="020B0609020204030204" pitchFamily="49" charset="0"/>
+              </a:rPr>
+              <a:t> = 0;</a:t>
+            </a:r>
+            <a:br>
+              <a:rPr lang="sv-SE" sz="1600" dirty="0">
+                <a:latin typeface="Consolas" panose="020B0609020204030204" pitchFamily="49" charset="0"/>
+              </a:rPr>
+            </a:br>
+            <a:r>
+              <a:rPr lang="sv-SE" sz="1600" dirty="0">
+                <a:latin typeface="Consolas" panose="020B0609020204030204" pitchFamily="49" charset="0"/>
+              </a:rPr>
+              <a:t>    template&lt;</a:t>
+            </a:r>
+            <a:r>
+              <a:rPr lang="sv-SE" sz="1600" dirty="0" err="1">
+                <a:latin typeface="Consolas" panose="020B0609020204030204" pitchFamily="49" charset="0"/>
+              </a:rPr>
+              <a:t>typename</a:t>
+            </a:r>
+            <a:r>
+              <a:rPr lang="sv-SE" sz="1600" dirty="0">
+                <a:latin typeface="Consolas" panose="020B0609020204030204" pitchFamily="49" charset="0"/>
+              </a:rPr>
+              <a:t> A&gt; </a:t>
+            </a:r>
+            <a:r>
+              <a:rPr lang="sv-SE" sz="1600" dirty="0" err="1">
+                <a:latin typeface="Consolas" panose="020B0609020204030204" pitchFamily="49" charset="0"/>
+              </a:rPr>
+              <a:t>bool</a:t>
+            </a:r>
+            <a:r>
+              <a:rPr lang="sv-SE" sz="1600" dirty="0">
+                <a:latin typeface="Consolas" panose="020B0609020204030204" pitchFamily="49" charset="0"/>
+              </a:rPr>
+              <a:t> </a:t>
+            </a:r>
+            <a:r>
+              <a:rPr lang="sv-SE" sz="1600" dirty="0" err="1">
+                <a:latin typeface="Consolas" panose="020B0609020204030204" pitchFamily="49" charset="0"/>
+              </a:rPr>
+              <a:t>can_allocate</a:t>
+            </a:r>
+            <a:r>
+              <a:rPr lang="sv-SE" sz="1600" dirty="0">
+                <a:latin typeface="Consolas" panose="020B0609020204030204" pitchFamily="49" charset="0"/>
+              </a:rPr>
+              <a:t> = </a:t>
+            </a:r>
+            <a:r>
+              <a:rPr lang="sv-SE" sz="1600" dirty="0" err="1">
+                <a:latin typeface="Consolas" panose="020B0609020204030204" pitchFamily="49" charset="0"/>
+              </a:rPr>
+              <a:t>true</a:t>
+            </a:r>
+            <a:r>
+              <a:rPr lang="sv-SE" sz="1600" dirty="0">
+                <a:latin typeface="Consolas" panose="020B0609020204030204" pitchFamily="49" charset="0"/>
+              </a:rPr>
+              <a:t>;</a:t>
+            </a:r>
+            <a:br>
+              <a:rPr lang="sv-SE" sz="1600" dirty="0">
+                <a:latin typeface="Consolas" panose="020B0609020204030204" pitchFamily="49" charset="0"/>
+              </a:rPr>
+            </a:br>
+            <a:r>
+              <a:rPr lang="sv-SE" sz="1600" dirty="0">
+                <a:latin typeface="Consolas" panose="020B0609020204030204" pitchFamily="49" charset="0"/>
+              </a:rPr>
+              <a:t>    template&lt;</a:t>
+            </a:r>
+            <a:r>
+              <a:rPr lang="sv-SE" sz="1600" dirty="0" err="1">
+                <a:latin typeface="Consolas" panose="020B0609020204030204" pitchFamily="49" charset="0"/>
+              </a:rPr>
+              <a:t>typename</a:t>
+            </a:r>
+            <a:r>
+              <a:rPr lang="sv-SE" sz="1600" dirty="0">
+                <a:latin typeface="Consolas" panose="020B0609020204030204" pitchFamily="49" charset="0"/>
+              </a:rPr>
+              <a:t> A&gt; </a:t>
+            </a:r>
+            <a:r>
+              <a:rPr lang="sv-SE" sz="1600" dirty="0" err="1">
+                <a:latin typeface="Consolas" panose="020B0609020204030204" pitchFamily="49" charset="0"/>
+              </a:rPr>
+              <a:t>using</a:t>
+            </a:r>
+            <a:r>
+              <a:rPr lang="sv-SE" sz="1600" dirty="0">
+                <a:latin typeface="Consolas" panose="020B0609020204030204" pitchFamily="49" charset="0"/>
+              </a:rPr>
+              <a:t> </a:t>
+            </a:r>
+            <a:r>
+              <a:rPr lang="sv-SE" sz="1600" dirty="0" err="1">
+                <a:latin typeface="Consolas" panose="020B0609020204030204" pitchFamily="49" charset="0"/>
+              </a:rPr>
+              <a:t>backing_allocator_of</a:t>
+            </a:r>
+            <a:r>
+              <a:rPr lang="sv-SE" sz="1600" dirty="0">
+                <a:latin typeface="Consolas" panose="020B0609020204030204" pitchFamily="49" charset="0"/>
+              </a:rPr>
+              <a:t> = A;</a:t>
+            </a:r>
+          </a:p>
+          <a:p>
+            <a:pPr marL="0" indent="0">
+              <a:buNone/>
+            </a:pPr>
+            <a:r>
+              <a:rPr lang="sv-SE" sz="1600" dirty="0">
+                <a:latin typeface="Consolas" panose="020B0609020204030204" pitchFamily="49" charset="0"/>
+              </a:rPr>
+              <a:t>};</a:t>
+            </a:r>
+          </a:p>
+        </p:txBody>
+      </p:sp>
+    </p:spTree>
+    <p:extLst>
+      <p:ext uri="{BB962C8B-B14F-4D97-AF65-F5344CB8AC3E}">
+        <p14:creationId xmlns:p14="http://schemas.microsoft.com/office/powerpoint/2010/main" val="346140557"/>
       </p:ext>
     </p:extLst>
   </p:cSld>

--- a/P2667-VectorAllocatorForSBO/VectorAllocatorPresentation.pptx
+++ b/P2667-VectorAllocatorForSBO/VectorAllocatorPresentation.pptx
@@ -9596,20 +9596,8 @@
               <a:buChar char="-"/>
             </a:pPr>
             <a:r>
-              <a:rPr lang="sv-SE" sz="3200" dirty="0"/>
-              <a:t>Does not </a:t>
-            </a:r>
-            <a:r>
-              <a:rPr lang="sv-SE" sz="3200" dirty="0" err="1"/>
-              <a:t>work</a:t>
-            </a:r>
-            <a:r>
-              <a:rPr lang="sv-SE" sz="3200" dirty="0"/>
-              <a:t> as a </a:t>
-            </a:r>
-            <a:r>
-              <a:rPr lang="sv-SE" sz="3200" dirty="0" err="1"/>
-              <a:t>scoped</a:t>
+              <a:rPr lang="sv-SE" sz="3200" dirty="0" err="1"/>
+              <a:t>Scoped</a:t>
             </a:r>
             <a:r>
               <a:rPr lang="sv-SE" sz="3200" dirty="0"/>
@@ -9617,7 +9605,39 @@
             </a:r>
             <a:r>
               <a:rPr lang="sv-SE" sz="3200" dirty="0" err="1"/>
+              <a:t>allocations</a:t>
+            </a:r>
+            <a:r>
+              <a:rPr lang="sv-SE" sz="3200" dirty="0"/>
+              <a:t> go </a:t>
+            </a:r>
+            <a:r>
+              <a:rPr lang="sv-SE" sz="3200" dirty="0" err="1"/>
+              <a:t>directly</a:t>
+            </a:r>
+            <a:r>
+              <a:rPr lang="sv-SE" sz="3200" dirty="0"/>
+              <a:t> to </a:t>
+            </a:r>
+            <a:r>
+              <a:rPr lang="sv-SE" sz="3200" dirty="0" err="1"/>
+              <a:t>backing</a:t>
+            </a:r>
+            <a:r>
+              <a:rPr lang="sv-SE" sz="3200" dirty="0"/>
+              <a:t> </a:t>
+            </a:r>
+            <a:r>
+              <a:rPr lang="sv-SE" sz="3200" dirty="0" err="1"/>
               <a:t>allocator</a:t>
+            </a:r>
+            <a:r>
+              <a:rPr lang="sv-SE" sz="3200" dirty="0"/>
+              <a:t> or </a:t>
+            </a:r>
+            <a:r>
+              <a:rPr lang="sv-SE" sz="3200" dirty="0" err="1"/>
+              <a:t>heap</a:t>
             </a:r>
             <a:r>
               <a:rPr lang="sv-SE" sz="3200" dirty="0"/>
@@ -10457,7 +10477,7 @@
           <a:p>
             <a:r>
               <a:rPr lang="sv-SE" sz="3200" dirty="0" err="1"/>
-              <a:t>Detect</a:t>
+              <a:t>get_allocator</a:t>
             </a:r>
             <a:r>
               <a:rPr lang="sv-SE" sz="3200" dirty="0"/>
@@ -10465,15 +10485,7 @@
             </a:r>
             <a:r>
               <a:rPr lang="sv-SE" sz="3200" dirty="0" err="1"/>
-              <a:t>attempts</a:t>
-            </a:r>
-            <a:r>
-              <a:rPr lang="sv-SE" sz="3200" dirty="0"/>
-              <a:t> to </a:t>
-            </a:r>
-            <a:r>
-              <a:rPr lang="sv-SE" sz="3200" dirty="0" err="1"/>
-              <a:t>use</a:t>
+              <a:t>returns</a:t>
             </a:r>
             <a:r>
               <a:rPr lang="sv-SE" sz="3200" dirty="0"/>
@@ -10481,19 +10493,19 @@
             </a:r>
             <a:r>
               <a:rPr lang="sv-SE" sz="3200" dirty="0" err="1"/>
+              <a:t>backing</a:t>
+            </a:r>
+            <a:r>
+              <a:rPr lang="sv-SE" sz="3200" dirty="0"/>
+              <a:t> </a:t>
+            </a:r>
+            <a:r>
+              <a:rPr lang="sv-SE" sz="3200" dirty="0" err="1"/>
               <a:t>allocator</a:t>
             </a:r>
             <a:r>
               <a:rPr lang="sv-SE" sz="3200" dirty="0"/>
-              <a:t> as </a:t>
-            </a:r>
-            <a:r>
-              <a:rPr lang="sv-SE" sz="3200" dirty="0" err="1"/>
-              <a:t>scoped</a:t>
-            </a:r>
-            <a:r>
-              <a:rPr lang="sv-SE" sz="3200" dirty="0"/>
-              <a:t>.</a:t>
+              <a:t> (not in R0).</a:t>
             </a:r>
           </a:p>
         </p:txBody>
@@ -15511,6 +15523,53 @@
                 <a:latin typeface="Consolas" panose="020B0609020204030204" pitchFamily="49" charset="0"/>
               </a:rPr>
               <a:t> = A;</a:t>
+            </a:r>
+          </a:p>
+          <a:p>
+            <a:pPr marL="0" indent="0">
+              <a:buNone/>
+            </a:pPr>
+            <a:r>
+              <a:rPr lang="sv-SE" sz="1600" dirty="0">
+                <a:latin typeface="Consolas" panose="020B0609020204030204" pitchFamily="49" charset="0"/>
+              </a:rPr>
+              <a:t>    template&lt;</a:t>
+            </a:r>
+            <a:r>
+              <a:rPr lang="sv-SE" sz="1600" dirty="0" err="1">
+                <a:latin typeface="Consolas" panose="020B0609020204030204" pitchFamily="49" charset="0"/>
+              </a:rPr>
+              <a:t>typename</a:t>
+            </a:r>
+            <a:r>
+              <a:rPr lang="sv-SE" sz="1600" dirty="0">
+                <a:latin typeface="Consolas" panose="020B0609020204030204" pitchFamily="49" charset="0"/>
+              </a:rPr>
+              <a:t> A&gt; A&amp; </a:t>
+            </a:r>
+            <a:r>
+              <a:rPr lang="sv-SE" sz="1600" dirty="0" err="1">
+                <a:latin typeface="Consolas" panose="020B0609020204030204" pitchFamily="49" charset="0"/>
+              </a:rPr>
+              <a:t>get_backing_allocator</a:t>
+            </a:r>
+            <a:r>
+              <a:rPr lang="sv-SE" sz="1600" dirty="0">
+                <a:latin typeface="Consolas" panose="020B0609020204030204" pitchFamily="49" charset="0"/>
+              </a:rPr>
+              <a:t>(A&amp; a) { </a:t>
+            </a:r>
+            <a:r>
+              <a:rPr lang="sv-SE" sz="1600" dirty="0" err="1">
+                <a:latin typeface="Consolas" panose="020B0609020204030204" pitchFamily="49" charset="0"/>
+              </a:rPr>
+              <a:t>return</a:t>
+            </a:r>
+            <a:r>
+              <a:rPr lang="sv-SE" sz="1600" dirty="0">
+                <a:latin typeface="Consolas" panose="020B0609020204030204" pitchFamily="49" charset="0"/>
+              </a:rPr>
+              <a:t> a; }   // Not in R0.</a:t>
             </a:r>
           </a:p>
           <a:p>

--- a/P2667-VectorAllocatorForSBO/VectorAllocatorPresentation.pptx
+++ b/P2667-VectorAllocatorForSBO/VectorAllocatorPresentation.pptx
@@ -18,6 +18,7 @@
     <p:sldId id="321" r:id="rId12"/>
     <p:sldId id="318" r:id="rId13"/>
     <p:sldId id="319" r:id="rId14"/>
+    <p:sldId id="325" r:id="rId15"/>
   </p:sldIdLst>
   <p:sldSz cx="12192000" cy="6858000"/>
   <p:notesSz cx="6858000" cy="9144000"/>
@@ -7855,6 +7856,916 @@
 </p:sld>
 </file>
 
+<file path=ppt/slides/slide14.xml><?xml version="1.0" encoding="utf-8"?>
+<p:sld xmlns:a="http://schemas.openxmlformats.org/drawingml/2006/main" xmlns:r="http://schemas.openxmlformats.org/officeDocument/2006/relationships" xmlns:p="http://schemas.openxmlformats.org/presentationml/2006/main">
+  <p:cSld>
+    <p:bg>
+      <p:bgPr>
+        <a:solidFill>
+          <a:schemeClr val="bg1"/>
+        </a:solidFill>
+        <a:effectLst/>
+      </p:bgPr>
+    </p:bg>
+    <p:spTree>
+      <p:nvGrpSpPr>
+        <p:cNvPr id="1" name=""/>
+        <p:cNvGrpSpPr/>
+        <p:nvPr/>
+      </p:nvGrpSpPr>
+      <p:grpSpPr>
+        <a:xfrm>
+          <a:off x="0" y="0"/>
+          <a:ext cx="0" cy="0"/>
+          <a:chOff x="0" y="0"/>
+          <a:chExt cx="0" cy="0"/>
+        </a:xfrm>
+      </p:grpSpPr>
+      <p:sp useBgFill="1">
+        <p:nvSpPr>
+          <p:cNvPr id="8" name="Rectangle 7">
+            <a:extLst>
+              <a:ext uri="{FF2B5EF4-FFF2-40B4-BE49-F238E27FC236}">
+                <a16:creationId xmlns:a16="http://schemas.microsoft.com/office/drawing/2014/main" id="{1B15ED52-F352-441B-82BF-E0EA34836D08}"/>
+              </a:ext>
+              <a:ext uri="{C183D7F6-B498-43B3-948B-1728B52AA6E4}">
+                <adec:decorative xmlns:adec="http://schemas.microsoft.com/office/drawing/2017/decorative" val="1"/>
+              </a:ext>
+            </a:extLst>
+          </p:cNvPr>
+          <p:cNvSpPr>
+            <a:spLocks noGrp="1" noRot="1" noChangeAspect="1" noMove="1" noResize="1" noEditPoints="1" noAdjustHandles="1" noChangeArrowheads="1" noChangeShapeType="1" noTextEdit="1"/>
+          </p:cNvSpPr>
+          <p:nvPr>
+            <p:extLst>
+              <p:ext uri="{386F3935-93C4-4BCD-93E2-E3B085C9AB24}">
+                <p16:designElem xmlns:p16="http://schemas.microsoft.com/office/powerpoint/2015/main" val="1"/>
+              </p:ext>
+            </p:extLst>
+          </p:nvPr>
+        </p:nvSpPr>
+        <p:spPr>
+          <a:xfrm>
+            <a:off x="0" y="0"/>
+            <a:ext cx="12192000" cy="6858000"/>
+          </a:xfrm>
+          <a:prstGeom prst="rect">
+            <a:avLst/>
+          </a:prstGeom>
+          <a:ln w="12700" cap="flat" cmpd="sng" algn="ctr">
+            <a:noFill/>
+            <a:prstDash val="solid"/>
+            <a:miter lim="800000"/>
+          </a:ln>
+          <a:effectLst/>
+          <a:extLst>
+            <a:ext uri="{91240B29-F687-4F45-9708-019B960494DF}">
+              <a14:hiddenLine xmlns:a14="http://schemas.microsoft.com/office/drawing/2010/main" w="12700" cap="flat" cmpd="sng" algn="ctr">
+                <a:solidFill>
+                  <a:schemeClr val="accent1">
+                    <a:shade val="50000"/>
+                  </a:schemeClr>
+                </a:solidFill>
+                <a:prstDash val="solid"/>
+                <a:miter lim="800000"/>
+              </a14:hiddenLine>
+            </a:ext>
+          </a:extLst>
+        </p:spPr>
+        <p:style>
+          <a:lnRef idx="2">
+            <a:schemeClr val="accent1">
+              <a:shade val="50000"/>
+            </a:schemeClr>
+          </a:lnRef>
+          <a:fillRef idx="1">
+            <a:schemeClr val="accent1"/>
+          </a:fillRef>
+          <a:effectRef idx="0">
+            <a:schemeClr val="accent1"/>
+          </a:effectRef>
+          <a:fontRef idx="minor">
+            <a:schemeClr val="lt1"/>
+          </a:fontRef>
+        </p:style>
+        <p:txBody>
+          <a:bodyPr rtlCol="0" anchor="ctr"/>
+          <a:lstStyle/>
+          <a:p>
+            <a:pPr marL="0" marR="0" lvl="0" indent="0" algn="ctr" defTabSz="914400" rtl="0" eaLnBrk="1" fontAlgn="auto" latinLnBrk="0" hangingPunct="1">
+              <a:lnSpc>
+                <a:spcPct val="100000"/>
+              </a:lnSpc>
+              <a:spcBef>
+                <a:spcPts val="0"/>
+              </a:spcBef>
+              <a:spcAft>
+                <a:spcPts val="0"/>
+              </a:spcAft>
+              <a:buClrTx/>
+              <a:buSzTx/>
+              <a:buFontTx/>
+              <a:buNone/>
+              <a:tabLst/>
+              <a:defRPr/>
+            </a:pPr>
+            <a:endParaRPr kumimoji="0" lang="en-US" sz="1800" b="0" i="0" u="none" strike="noStrike" kern="1200" cap="none" spc="0" normalizeH="0" baseline="0" noProof="0">
+              <a:ln>
+                <a:noFill/>
+              </a:ln>
+              <a:solidFill>
+                <a:prstClr val="white"/>
+              </a:solidFill>
+              <a:effectLst/>
+              <a:uLnTx/>
+              <a:uFillTx/>
+              <a:latin typeface="Calibri" panose="020F0502020204030204"/>
+              <a:ea typeface="+mn-ea"/>
+              <a:cs typeface="+mn-cs"/>
+            </a:endParaRPr>
+          </a:p>
+        </p:txBody>
+      </p:sp>
+      <p:sp>
+        <p:nvSpPr>
+          <p:cNvPr id="10" name="Rectangle 9">
+            <a:extLst>
+              <a:ext uri="{FF2B5EF4-FFF2-40B4-BE49-F238E27FC236}">
+                <a16:creationId xmlns:a16="http://schemas.microsoft.com/office/drawing/2014/main" id="{3B2E3793-BFE6-45A2-9B7B-E18844431C99}"/>
+              </a:ext>
+              <a:ext uri="{C183D7F6-B498-43B3-948B-1728B52AA6E4}">
+                <adec:decorative xmlns:adec="http://schemas.microsoft.com/office/drawing/2017/decorative" val="1"/>
+              </a:ext>
+            </a:extLst>
+          </p:cNvPr>
+          <p:cNvSpPr>
+            <a:spLocks noGrp="1" noRot="1" noChangeAspect="1" noMove="1" noResize="1" noEditPoints="1" noAdjustHandles="1" noChangeArrowheads="1" noChangeShapeType="1" noTextEdit="1"/>
+          </p:cNvSpPr>
+          <p:nvPr>
+            <p:extLst>
+              <p:ext uri="{386F3935-93C4-4BCD-93E2-E3B085C9AB24}">
+                <p16:designElem xmlns:p16="http://schemas.microsoft.com/office/powerpoint/2015/main" val="1"/>
+              </p:ext>
+            </p:extLst>
+          </p:nvPr>
+        </p:nvSpPr>
+        <p:spPr>
+          <a:xfrm flipH="1">
+            <a:off x="-1" y="-1"/>
+            <a:ext cx="12191998" cy="1590742"/>
+          </a:xfrm>
+          <a:prstGeom prst="rect">
+            <a:avLst/>
+          </a:prstGeom>
+          <a:gradFill>
+            <a:gsLst>
+              <a:gs pos="0">
+                <a:srgbClr val="000000"/>
+              </a:gs>
+              <a:gs pos="100000">
+                <a:schemeClr val="accent1">
+                  <a:lumMod val="75000"/>
+                </a:schemeClr>
+              </a:gs>
+            </a:gsLst>
+            <a:lin ang="8400000" scaled="0"/>
+          </a:gradFill>
+          <a:ln>
+            <a:noFill/>
+          </a:ln>
+        </p:spPr>
+        <p:style>
+          <a:lnRef idx="2">
+            <a:schemeClr val="accent1">
+              <a:shade val="50000"/>
+            </a:schemeClr>
+          </a:lnRef>
+          <a:fillRef idx="1">
+            <a:schemeClr val="accent1"/>
+          </a:fillRef>
+          <a:effectRef idx="0">
+            <a:schemeClr val="accent1"/>
+          </a:effectRef>
+          <a:fontRef idx="minor">
+            <a:schemeClr val="lt1"/>
+          </a:fontRef>
+        </p:style>
+        <p:txBody>
+          <a:bodyPr rtlCol="0" anchor="ctr"/>
+          <a:lstStyle/>
+          <a:p>
+            <a:pPr marL="0" marR="0" lvl="0" indent="0" algn="ctr" defTabSz="914400" rtl="0" eaLnBrk="1" fontAlgn="auto" latinLnBrk="0" hangingPunct="1">
+              <a:lnSpc>
+                <a:spcPct val="100000"/>
+              </a:lnSpc>
+              <a:spcBef>
+                <a:spcPts val="0"/>
+              </a:spcBef>
+              <a:spcAft>
+                <a:spcPts val="0"/>
+              </a:spcAft>
+              <a:buClrTx/>
+              <a:buSzTx/>
+              <a:buFontTx/>
+              <a:buNone/>
+              <a:tabLst/>
+              <a:defRPr/>
+            </a:pPr>
+            <a:endParaRPr kumimoji="0" lang="en-US" sz="1800" b="0" i="0" u="none" strike="noStrike" kern="1200" cap="none" spc="0" normalizeH="0" baseline="0" noProof="0">
+              <a:ln>
+                <a:noFill/>
+              </a:ln>
+              <a:solidFill>
+                <a:prstClr val="white"/>
+              </a:solidFill>
+              <a:effectLst/>
+              <a:uLnTx/>
+              <a:uFillTx/>
+              <a:latin typeface="Calibri" panose="020F0502020204030204"/>
+              <a:ea typeface="+mn-ea"/>
+              <a:cs typeface="+mn-cs"/>
+            </a:endParaRPr>
+          </a:p>
+        </p:txBody>
+      </p:sp>
+      <p:sp>
+        <p:nvSpPr>
+          <p:cNvPr id="12" name="Rectangle 11">
+            <a:extLst>
+              <a:ext uri="{FF2B5EF4-FFF2-40B4-BE49-F238E27FC236}">
+                <a16:creationId xmlns:a16="http://schemas.microsoft.com/office/drawing/2014/main" id="{BC4C4868-CB8F-4AF9-9CDB-8108F2C19B67}"/>
+              </a:ext>
+              <a:ext uri="{C183D7F6-B498-43B3-948B-1728B52AA6E4}">
+                <adec:decorative xmlns:adec="http://schemas.microsoft.com/office/drawing/2017/decorative" val="1"/>
+              </a:ext>
+            </a:extLst>
+          </p:cNvPr>
+          <p:cNvSpPr>
+            <a:spLocks noGrp="1" noRot="1" noChangeAspect="1" noMove="1" noResize="1" noEditPoints="1" noAdjustHandles="1" noChangeArrowheads="1" noChangeShapeType="1" noTextEdit="1"/>
+          </p:cNvSpPr>
+          <p:nvPr>
+            <p:extLst>
+              <p:ext uri="{386F3935-93C4-4BCD-93E2-E3B085C9AB24}">
+                <p16:designElem xmlns:p16="http://schemas.microsoft.com/office/powerpoint/2015/main" val="1"/>
+              </p:ext>
+            </p:extLst>
+          </p:nvPr>
+        </p:nvSpPr>
+        <p:spPr>
+          <a:xfrm rot="10800000" flipH="1">
+            <a:off x="-3" y="0"/>
+            <a:ext cx="8115306" cy="1590742"/>
+          </a:xfrm>
+          <a:prstGeom prst="rect">
+            <a:avLst/>
+          </a:prstGeom>
+          <a:gradFill>
+            <a:gsLst>
+              <a:gs pos="20000">
+                <a:schemeClr val="accent1">
+                  <a:alpha val="0"/>
+                </a:schemeClr>
+              </a:gs>
+              <a:gs pos="100000">
+                <a:schemeClr val="accent1">
+                  <a:lumMod val="50000"/>
+                  <a:alpha val="55000"/>
+                </a:schemeClr>
+              </a:gs>
+            </a:gsLst>
+            <a:lin ang="13800000" scaled="0"/>
+          </a:gradFill>
+          <a:ln>
+            <a:noFill/>
+          </a:ln>
+        </p:spPr>
+        <p:style>
+          <a:lnRef idx="2">
+            <a:schemeClr val="accent1">
+              <a:shade val="50000"/>
+            </a:schemeClr>
+          </a:lnRef>
+          <a:fillRef idx="1">
+            <a:schemeClr val="accent1"/>
+          </a:fillRef>
+          <a:effectRef idx="0">
+            <a:schemeClr val="accent1"/>
+          </a:effectRef>
+          <a:fontRef idx="minor">
+            <a:schemeClr val="lt1"/>
+          </a:fontRef>
+        </p:style>
+        <p:txBody>
+          <a:bodyPr rtlCol="0" anchor="ctr"/>
+          <a:lstStyle/>
+          <a:p>
+            <a:pPr marL="0" marR="0" lvl="0" indent="0" algn="ctr" defTabSz="914400" rtl="0" eaLnBrk="1" fontAlgn="auto" latinLnBrk="0" hangingPunct="1">
+              <a:lnSpc>
+                <a:spcPct val="100000"/>
+              </a:lnSpc>
+              <a:spcBef>
+                <a:spcPts val="0"/>
+              </a:spcBef>
+              <a:spcAft>
+                <a:spcPts val="0"/>
+              </a:spcAft>
+              <a:buClrTx/>
+              <a:buSzTx/>
+              <a:buFontTx/>
+              <a:buNone/>
+              <a:tabLst/>
+              <a:defRPr/>
+            </a:pPr>
+            <a:endParaRPr kumimoji="0" lang="en-US" sz="1800" b="0" i="0" u="none" strike="noStrike" kern="1200" cap="none" spc="0" normalizeH="0" baseline="0" noProof="0">
+              <a:ln>
+                <a:noFill/>
+              </a:ln>
+              <a:solidFill>
+                <a:prstClr val="white"/>
+              </a:solidFill>
+              <a:effectLst/>
+              <a:uLnTx/>
+              <a:uFillTx/>
+              <a:latin typeface="Calibri" panose="020F0502020204030204"/>
+              <a:ea typeface="+mn-ea"/>
+              <a:cs typeface="+mn-cs"/>
+            </a:endParaRPr>
+          </a:p>
+        </p:txBody>
+      </p:sp>
+      <p:sp>
+        <p:nvSpPr>
+          <p:cNvPr id="14" name="Rectangle 13">
+            <a:extLst>
+              <a:ext uri="{FF2B5EF4-FFF2-40B4-BE49-F238E27FC236}">
+                <a16:creationId xmlns:a16="http://schemas.microsoft.com/office/drawing/2014/main" id="{375E0459-6403-40CD-989D-56A4407CA12E}"/>
+              </a:ext>
+              <a:ext uri="{C183D7F6-B498-43B3-948B-1728B52AA6E4}">
+                <adec:decorative xmlns:adec="http://schemas.microsoft.com/office/drawing/2017/decorative" val="1"/>
+              </a:ext>
+            </a:extLst>
+          </p:cNvPr>
+          <p:cNvSpPr>
+            <a:spLocks noGrp="1" noRot="1" noChangeAspect="1" noMove="1" noResize="1" noEditPoints="1" noAdjustHandles="1" noChangeArrowheads="1" noChangeShapeType="1" noTextEdit="1"/>
+          </p:cNvSpPr>
+          <p:nvPr>
+            <p:extLst>
+              <p:ext uri="{386F3935-93C4-4BCD-93E2-E3B085C9AB24}">
+                <p16:designElem xmlns:p16="http://schemas.microsoft.com/office/powerpoint/2015/main" val="1"/>
+              </p:ext>
+            </p:extLst>
+          </p:nvPr>
+        </p:nvSpPr>
+        <p:spPr>
+          <a:xfrm flipH="1">
+            <a:off x="8115299" y="-1"/>
+            <a:ext cx="4076698" cy="1590742"/>
+          </a:xfrm>
+          <a:prstGeom prst="rect">
+            <a:avLst/>
+          </a:prstGeom>
+          <a:gradFill>
+            <a:gsLst>
+              <a:gs pos="0">
+                <a:schemeClr val="accent1">
+                  <a:alpha val="66000"/>
+                </a:schemeClr>
+              </a:gs>
+              <a:gs pos="100000">
+                <a:srgbClr val="000000">
+                  <a:alpha val="30000"/>
+                </a:srgbClr>
+              </a:gs>
+            </a:gsLst>
+            <a:lin ang="13200000" scaled="0"/>
+          </a:gradFill>
+          <a:ln>
+            <a:noFill/>
+          </a:ln>
+        </p:spPr>
+        <p:style>
+          <a:lnRef idx="2">
+            <a:schemeClr val="accent1">
+              <a:shade val="50000"/>
+            </a:schemeClr>
+          </a:lnRef>
+          <a:fillRef idx="1">
+            <a:schemeClr val="accent1"/>
+          </a:fillRef>
+          <a:effectRef idx="0">
+            <a:schemeClr val="accent1"/>
+          </a:effectRef>
+          <a:fontRef idx="minor">
+            <a:schemeClr val="lt1"/>
+          </a:fontRef>
+        </p:style>
+        <p:txBody>
+          <a:bodyPr rtlCol="0" anchor="ctr"/>
+          <a:lstStyle/>
+          <a:p>
+            <a:pPr marL="0" marR="0" lvl="0" indent="0" algn="ctr" defTabSz="914400" rtl="0" eaLnBrk="1" fontAlgn="auto" latinLnBrk="0" hangingPunct="1">
+              <a:lnSpc>
+                <a:spcPct val="100000"/>
+              </a:lnSpc>
+              <a:spcBef>
+                <a:spcPts val="0"/>
+              </a:spcBef>
+              <a:spcAft>
+                <a:spcPts val="0"/>
+              </a:spcAft>
+              <a:buClrTx/>
+              <a:buSzTx/>
+              <a:buFontTx/>
+              <a:buNone/>
+              <a:tabLst/>
+              <a:defRPr/>
+            </a:pPr>
+            <a:endParaRPr kumimoji="0" lang="en-US" sz="1800" b="0" i="0" u="none" strike="noStrike" kern="1200" cap="none" spc="0" normalizeH="0" baseline="0" noProof="0">
+              <a:ln>
+                <a:noFill/>
+              </a:ln>
+              <a:solidFill>
+                <a:prstClr val="white"/>
+              </a:solidFill>
+              <a:effectLst/>
+              <a:uLnTx/>
+              <a:uFillTx/>
+              <a:latin typeface="Calibri" panose="020F0502020204030204"/>
+              <a:ea typeface="+mn-ea"/>
+              <a:cs typeface="+mn-cs"/>
+            </a:endParaRPr>
+          </a:p>
+        </p:txBody>
+      </p:sp>
+      <p:sp>
+        <p:nvSpPr>
+          <p:cNvPr id="16" name="Rectangle 15">
+            <a:extLst>
+              <a:ext uri="{FF2B5EF4-FFF2-40B4-BE49-F238E27FC236}">
+                <a16:creationId xmlns:a16="http://schemas.microsoft.com/office/drawing/2014/main" id="{53E5B1A8-3AC9-4BD1-9BBC-78CA94F2D1BA}"/>
+              </a:ext>
+              <a:ext uri="{C183D7F6-B498-43B3-948B-1728B52AA6E4}">
+                <adec:decorative xmlns:adec="http://schemas.microsoft.com/office/drawing/2017/decorative" val="1"/>
+              </a:ext>
+            </a:extLst>
+          </p:cNvPr>
+          <p:cNvSpPr>
+            <a:spLocks noGrp="1" noRot="1" noChangeAspect="1" noMove="1" noResize="1" noEditPoints="1" noAdjustHandles="1" noChangeArrowheads="1" noChangeShapeType="1" noTextEdit="1"/>
+          </p:cNvSpPr>
+          <p:nvPr>
+            <p:extLst>
+              <p:ext uri="{386F3935-93C4-4BCD-93E2-E3B085C9AB24}">
+                <p16:designElem xmlns:p16="http://schemas.microsoft.com/office/powerpoint/2015/main" val="1"/>
+              </p:ext>
+            </p:extLst>
+          </p:nvPr>
+        </p:nvSpPr>
+        <p:spPr>
+          <a:xfrm>
+            <a:off x="459350" y="-1"/>
+            <a:ext cx="11732646" cy="1597433"/>
+          </a:xfrm>
+          <a:prstGeom prst="rect">
+            <a:avLst/>
+          </a:prstGeom>
+          <a:gradFill>
+            <a:gsLst>
+              <a:gs pos="50000">
+                <a:srgbClr val="000000">
+                  <a:alpha val="0"/>
+                </a:srgbClr>
+              </a:gs>
+              <a:gs pos="99000">
+                <a:schemeClr val="accent1">
+                  <a:lumMod val="50000"/>
+                  <a:alpha val="52000"/>
+                </a:schemeClr>
+              </a:gs>
+            </a:gsLst>
+            <a:lin ang="16800000" scaled="0"/>
+          </a:gradFill>
+          <a:ln>
+            <a:noFill/>
+          </a:ln>
+        </p:spPr>
+        <p:style>
+          <a:lnRef idx="2">
+            <a:schemeClr val="accent1">
+              <a:shade val="50000"/>
+            </a:schemeClr>
+          </a:lnRef>
+          <a:fillRef idx="1">
+            <a:schemeClr val="accent1"/>
+          </a:fillRef>
+          <a:effectRef idx="0">
+            <a:schemeClr val="accent1"/>
+          </a:effectRef>
+          <a:fontRef idx="minor">
+            <a:schemeClr val="lt1"/>
+          </a:fontRef>
+        </p:style>
+        <p:txBody>
+          <a:bodyPr rtlCol="0" anchor="ctr"/>
+          <a:lstStyle/>
+          <a:p>
+            <a:pPr marL="0" marR="0" lvl="0" indent="0" algn="ctr" defTabSz="914400" rtl="0" eaLnBrk="1" fontAlgn="auto" latinLnBrk="0" hangingPunct="1">
+              <a:lnSpc>
+                <a:spcPct val="100000"/>
+              </a:lnSpc>
+              <a:spcBef>
+                <a:spcPts val="0"/>
+              </a:spcBef>
+              <a:spcAft>
+                <a:spcPts val="0"/>
+              </a:spcAft>
+              <a:buClrTx/>
+              <a:buSzTx/>
+              <a:buFontTx/>
+              <a:buNone/>
+              <a:tabLst/>
+              <a:defRPr/>
+            </a:pPr>
+            <a:endParaRPr kumimoji="0" lang="en-US" sz="1800" b="0" i="0" u="none" strike="noStrike" kern="1200" cap="none" spc="0" normalizeH="0" baseline="0" noProof="0">
+              <a:ln>
+                <a:noFill/>
+              </a:ln>
+              <a:solidFill>
+                <a:prstClr val="white"/>
+              </a:solidFill>
+              <a:effectLst/>
+              <a:uLnTx/>
+              <a:uFillTx/>
+              <a:latin typeface="Calibri" panose="020F0502020204030204"/>
+              <a:ea typeface="+mn-ea"/>
+              <a:cs typeface="+mn-cs"/>
+            </a:endParaRPr>
+          </a:p>
+        </p:txBody>
+      </p:sp>
+      <p:sp>
+        <p:nvSpPr>
+          <p:cNvPr id="2" name="Rubrik 1">
+            <a:extLst>
+              <a:ext uri="{FF2B5EF4-FFF2-40B4-BE49-F238E27FC236}">
+                <a16:creationId xmlns:a16="http://schemas.microsoft.com/office/drawing/2014/main" id="{5061A874-0FDA-27C5-E207-92E76593A7C4}"/>
+              </a:ext>
+            </a:extLst>
+          </p:cNvPr>
+          <p:cNvSpPr>
+            <a:spLocks noGrp="1"/>
+          </p:cNvSpPr>
+          <p:nvPr>
+            <p:ph type="title"/>
+          </p:nvPr>
+        </p:nvSpPr>
+        <p:spPr>
+          <a:xfrm>
+            <a:off x="1371599" y="294538"/>
+            <a:ext cx="9895951" cy="1033669"/>
+          </a:xfrm>
+        </p:spPr>
+        <p:txBody>
+          <a:bodyPr>
+            <a:normAutofit/>
+          </a:bodyPr>
+          <a:lstStyle/>
+          <a:p>
+            <a:r>
+              <a:rPr lang="sv-SE" sz="4000" dirty="0">
+                <a:solidFill>
+                  <a:srgbClr val="FFFFFF"/>
+                </a:solidFill>
+              </a:rPr>
+              <a:t>Alternative solutions</a:t>
+            </a:r>
+            <a:endParaRPr lang="LID4096" sz="4000" dirty="0">
+              <a:solidFill>
+                <a:srgbClr val="FFFFFF"/>
+              </a:solidFill>
+            </a:endParaRPr>
+          </a:p>
+        </p:txBody>
+      </p:sp>
+      <p:sp>
+        <p:nvSpPr>
+          <p:cNvPr id="3" name="Platshållare för innehåll 2">
+            <a:extLst>
+              <a:ext uri="{FF2B5EF4-FFF2-40B4-BE49-F238E27FC236}">
+                <a16:creationId xmlns:a16="http://schemas.microsoft.com/office/drawing/2014/main" id="{2A4FF5C8-FFF5-6199-97CC-74043C45FA89}"/>
+              </a:ext>
+            </a:extLst>
+          </p:cNvPr>
+          <p:cNvSpPr>
+            <a:spLocks noGrp="1"/>
+          </p:cNvSpPr>
+          <p:nvPr>
+            <p:ph idx="1"/>
+          </p:nvPr>
+        </p:nvSpPr>
+        <p:spPr>
+          <a:xfrm>
+            <a:off x="1371599" y="2318197"/>
+            <a:ext cx="10474037" cy="3683358"/>
+          </a:xfrm>
+        </p:spPr>
+        <p:txBody>
+          <a:bodyPr anchor="ctr">
+            <a:normAutofit fontScale="92500" lnSpcReduction="20000"/>
+          </a:bodyPr>
+          <a:lstStyle/>
+          <a:p>
+            <a:r>
+              <a:rPr lang="sv-SE" sz="3200" dirty="0" err="1"/>
+              <a:t>Use</a:t>
+            </a:r>
+            <a:r>
+              <a:rPr lang="sv-SE" sz="3200" dirty="0"/>
+              <a:t> a tag </a:t>
+            </a:r>
+            <a:r>
+              <a:rPr lang="sv-SE" sz="3200" dirty="0" err="1"/>
+              <a:t>class</a:t>
+            </a:r>
+            <a:r>
+              <a:rPr lang="sv-SE" sz="3200" dirty="0"/>
+              <a:t> </a:t>
+            </a:r>
+            <a:r>
+              <a:rPr lang="sv-SE" sz="3200" dirty="0" err="1"/>
+              <a:t>static_alloc</a:t>
+            </a:r>
+            <a:r>
+              <a:rPr lang="sv-SE" sz="3200" dirty="0"/>
+              <a:t>&lt;SZ&gt; to </a:t>
+            </a:r>
+            <a:r>
+              <a:rPr lang="sv-SE" sz="3200" dirty="0" err="1"/>
+              <a:t>specialize</a:t>
+            </a:r>
+            <a:r>
+              <a:rPr lang="sv-SE" sz="3200" dirty="0"/>
+              <a:t> </a:t>
+            </a:r>
+            <a:r>
+              <a:rPr lang="sv-SE" sz="3200" dirty="0" err="1"/>
+              <a:t>vector</a:t>
+            </a:r>
+            <a:r>
+              <a:rPr lang="sv-SE" sz="3200" dirty="0"/>
+              <a:t> (Pablo!)</a:t>
+            </a:r>
+          </a:p>
+          <a:p>
+            <a:r>
+              <a:rPr lang="sv-SE" sz="3200" dirty="0" err="1"/>
+              <a:t>Use</a:t>
+            </a:r>
+            <a:r>
+              <a:rPr lang="sv-SE" sz="3200" dirty="0"/>
+              <a:t> a </a:t>
+            </a:r>
+            <a:r>
+              <a:rPr lang="sv-SE" sz="3200" dirty="0" err="1"/>
+              <a:t>concept</a:t>
+            </a:r>
+            <a:r>
+              <a:rPr lang="sv-SE" sz="3200" dirty="0"/>
+              <a:t> to </a:t>
+            </a:r>
+            <a:r>
+              <a:rPr lang="sv-SE" sz="3200" dirty="0" err="1"/>
+              <a:t>specialize</a:t>
+            </a:r>
+            <a:r>
+              <a:rPr lang="sv-SE" sz="3200" dirty="0"/>
+              <a:t> </a:t>
+            </a:r>
+            <a:r>
+              <a:rPr lang="sv-SE" sz="3200" dirty="0" err="1"/>
+              <a:t>vector</a:t>
+            </a:r>
+            <a:r>
+              <a:rPr lang="sv-SE" sz="3200" dirty="0"/>
+              <a:t>.</a:t>
+            </a:r>
+          </a:p>
+          <a:p>
+            <a:r>
+              <a:rPr lang="sv-SE" sz="3200" dirty="0" err="1"/>
+              <a:t>Both</a:t>
+            </a:r>
+            <a:r>
+              <a:rPr lang="sv-SE" sz="3200" dirty="0"/>
+              <a:t> </a:t>
+            </a:r>
+            <a:r>
+              <a:rPr lang="sv-SE" sz="3200" dirty="0" err="1"/>
+              <a:t>these</a:t>
+            </a:r>
+            <a:r>
+              <a:rPr lang="sv-SE" sz="3200" dirty="0"/>
+              <a:t> solutions </a:t>
+            </a:r>
+            <a:r>
+              <a:rPr lang="sv-SE" sz="3200" dirty="0" err="1"/>
+              <a:t>require</a:t>
+            </a:r>
+            <a:r>
+              <a:rPr lang="sv-SE" sz="3200" dirty="0"/>
+              <a:t> partial </a:t>
+            </a:r>
+            <a:r>
+              <a:rPr lang="sv-SE" sz="3200" dirty="0" err="1"/>
+              <a:t>specializations</a:t>
+            </a:r>
+            <a:r>
+              <a:rPr lang="sv-SE" sz="3200" dirty="0"/>
+              <a:t> for all </a:t>
+            </a:r>
+            <a:r>
+              <a:rPr lang="sv-SE" sz="3200" dirty="0" err="1"/>
+              <a:t>of</a:t>
+            </a:r>
+            <a:r>
+              <a:rPr lang="sv-SE" sz="3200" dirty="0"/>
+              <a:t> </a:t>
+            </a:r>
+            <a:r>
+              <a:rPr lang="sv-SE" sz="3200" dirty="0" err="1"/>
+              <a:t>vector</a:t>
+            </a:r>
+            <a:r>
+              <a:rPr lang="sv-SE" sz="3200" dirty="0"/>
+              <a:t>.</a:t>
+            </a:r>
+          </a:p>
+          <a:p>
+            <a:r>
+              <a:rPr lang="sv-SE" sz="3200" dirty="0" err="1"/>
+              <a:t>These</a:t>
+            </a:r>
+            <a:r>
+              <a:rPr lang="sv-SE" sz="3200" dirty="0"/>
+              <a:t> solutions </a:t>
+            </a:r>
+            <a:r>
+              <a:rPr lang="sv-SE" sz="3200" dirty="0" err="1"/>
+              <a:t>don’t</a:t>
+            </a:r>
+            <a:r>
+              <a:rPr lang="sv-SE" sz="3200" dirty="0"/>
+              <a:t> </a:t>
+            </a:r>
+            <a:r>
+              <a:rPr lang="sv-SE" sz="3200" dirty="0" err="1"/>
+              <a:t>help</a:t>
+            </a:r>
+            <a:r>
+              <a:rPr lang="sv-SE" sz="3200" dirty="0"/>
+              <a:t> </a:t>
+            </a:r>
+            <a:r>
+              <a:rPr lang="sv-SE" sz="3200" dirty="0" err="1"/>
+              <a:t>other</a:t>
+            </a:r>
+            <a:r>
+              <a:rPr lang="sv-SE" sz="3200" dirty="0"/>
+              <a:t> containers.</a:t>
+            </a:r>
+            <a:br>
+              <a:rPr lang="sv-SE" sz="3200" dirty="0"/>
+            </a:br>
+            <a:endParaRPr lang="sv-SE" sz="3200" dirty="0"/>
+          </a:p>
+          <a:p>
+            <a:r>
+              <a:rPr lang="sv-SE" sz="2400" dirty="0"/>
+              <a:t>MS STL &lt;</a:t>
+            </a:r>
+            <a:r>
+              <a:rPr lang="sv-SE" sz="2400" dirty="0" err="1"/>
+              <a:t>vector</a:t>
+            </a:r>
+            <a:r>
+              <a:rPr lang="sv-SE" sz="2400" dirty="0"/>
+              <a:t>&gt; is 3800 </a:t>
+            </a:r>
+            <a:r>
+              <a:rPr lang="sv-SE" sz="2400" dirty="0" err="1"/>
+              <a:t>lines</a:t>
+            </a:r>
+            <a:r>
+              <a:rPr lang="sv-SE" sz="2400" dirty="0"/>
+              <a:t> </a:t>
+            </a:r>
+            <a:r>
+              <a:rPr lang="sv-SE" sz="2400" dirty="0" err="1"/>
+              <a:t>of</a:t>
+            </a:r>
+            <a:r>
+              <a:rPr lang="sv-SE" sz="2400" dirty="0"/>
+              <a:t> </a:t>
+            </a:r>
+            <a:r>
+              <a:rPr lang="sv-SE" sz="2400" dirty="0" err="1"/>
+              <a:t>code</a:t>
+            </a:r>
+            <a:r>
+              <a:rPr lang="sv-SE" sz="2400" dirty="0"/>
+              <a:t>.</a:t>
+            </a:r>
+          </a:p>
+          <a:p>
+            <a:r>
+              <a:rPr lang="sv-SE" sz="2400" dirty="0"/>
+              <a:t>Most TUs </a:t>
+            </a:r>
+            <a:r>
+              <a:rPr lang="sv-SE" sz="2400" dirty="0" err="1"/>
+              <a:t>will</a:t>
+            </a:r>
+            <a:r>
+              <a:rPr lang="sv-SE" sz="2400" dirty="0"/>
+              <a:t> #include &lt;</a:t>
+            </a:r>
+            <a:r>
+              <a:rPr lang="sv-SE" sz="2400" dirty="0" err="1"/>
+              <a:t>vector</a:t>
+            </a:r>
+            <a:r>
+              <a:rPr lang="sv-SE" sz="2400" dirty="0"/>
+              <a:t>&gt;</a:t>
+            </a:r>
+          </a:p>
+          <a:p>
+            <a:r>
+              <a:rPr lang="sv-SE" sz="2400" dirty="0"/>
+              <a:t>Demo </a:t>
+            </a:r>
+            <a:r>
+              <a:rPr lang="sv-SE" sz="2400" dirty="0" err="1"/>
+              <a:t>impl</a:t>
+            </a:r>
+            <a:r>
+              <a:rPr lang="sv-SE" sz="2400" dirty="0"/>
+              <a:t>. </a:t>
+            </a:r>
+            <a:r>
+              <a:rPr lang="sv-SE" sz="2400" dirty="0" err="1"/>
+              <a:t>would</a:t>
+            </a:r>
+            <a:r>
+              <a:rPr lang="sv-SE" sz="2400" dirty="0"/>
+              <a:t> </a:t>
+            </a:r>
+            <a:r>
+              <a:rPr lang="sv-SE" sz="2400" dirty="0" err="1"/>
+              <a:t>add</a:t>
+            </a:r>
+            <a:r>
+              <a:rPr lang="sv-SE" sz="2400" dirty="0"/>
+              <a:t> </a:t>
+            </a:r>
+            <a:r>
+              <a:rPr lang="sv-SE" sz="2400" dirty="0" err="1"/>
+              <a:t>about</a:t>
+            </a:r>
+            <a:r>
+              <a:rPr lang="sv-SE" sz="2400" dirty="0"/>
+              <a:t> 200 </a:t>
+            </a:r>
+            <a:r>
+              <a:rPr lang="sv-SE" sz="2400" dirty="0" err="1"/>
+              <a:t>lines</a:t>
+            </a:r>
+            <a:r>
+              <a:rPr lang="sv-SE" sz="2400" dirty="0"/>
+              <a:t> to &lt;</a:t>
+            </a:r>
+            <a:r>
+              <a:rPr lang="sv-SE" sz="2400" dirty="0" err="1"/>
+              <a:t>vector</a:t>
+            </a:r>
+            <a:r>
+              <a:rPr lang="sv-SE" sz="2400" dirty="0"/>
+              <a:t>&gt;.</a:t>
+            </a:r>
+          </a:p>
+        </p:txBody>
+      </p:sp>
+    </p:spTree>
+    <p:extLst>
+      <p:ext uri="{BB962C8B-B14F-4D97-AF65-F5344CB8AC3E}">
+        <p14:creationId xmlns:p14="http://schemas.microsoft.com/office/powerpoint/2010/main" val="3877597118"/>
+      </p:ext>
+    </p:extLst>
+  </p:cSld>
+  <p:clrMapOvr>
+    <a:masterClrMapping/>
+  </p:clrMapOvr>
+</p:sld>
+</file>
+
 <file path=ppt/slides/slide2.xml><?xml version="1.0" encoding="utf-8"?>
 <p:sld xmlns:a="http://schemas.openxmlformats.org/drawingml/2006/main" xmlns:r="http://schemas.openxmlformats.org/officeDocument/2006/relationships" xmlns:p="http://schemas.openxmlformats.org/presentationml/2006/main">
   <p:cSld>

--- a/P2667-VectorAllocatorForSBO/VectorAllocatorPresentation.pptx
+++ b/P2667-VectorAllocatorForSBO/VectorAllocatorPresentation.pptx
@@ -8596,7 +8596,23 @@
             </a:r>
             <a:r>
               <a:rPr lang="sv-SE" sz="3200" dirty="0"/>
-              <a:t>.</a:t>
+              <a:t>. [</a:t>
+            </a:r>
+            <a:r>
+              <a:rPr lang="sv-SE" sz="3200" dirty="0" err="1"/>
+              <a:t>Maybe</a:t>
+            </a:r>
+            <a:r>
+              <a:rPr lang="sv-SE" sz="3200" dirty="0"/>
+              <a:t> not in the </a:t>
+            </a:r>
+            <a:r>
+              <a:rPr lang="sv-SE" sz="3200" dirty="0" err="1"/>
+              <a:t>afternoon</a:t>
+            </a:r>
+            <a:r>
+              <a:rPr lang="sv-SE" sz="3200" dirty="0"/>
+              <a:t>! / Pablo]</a:t>
             </a:r>
           </a:p>
           <a:p>
